--- a/workshop.slides/day3_Unix.pptx
+++ b/workshop.slides/day3_Unix.pptx
@@ -5,7 +5,7 @@
     <p:sldMasterId id="2147483648" r:id="rId1"/>
   </p:sldMasterIdLst>
   <p:notesMasterIdLst>
-    <p:notesMasterId r:id="rId37"/>
+    <p:notesMasterId r:id="rId36"/>
   </p:notesMasterIdLst>
   <p:sldIdLst>
     <p:sldId id="256" r:id="rId2"/>
@@ -40,9 +40,8 @@
     <p:sldId id="366" r:id="rId31"/>
     <p:sldId id="367" r:id="rId32"/>
     <p:sldId id="380" r:id="rId33"/>
-    <p:sldId id="368" r:id="rId34"/>
-    <p:sldId id="381" r:id="rId35"/>
-    <p:sldId id="329" r:id="rId36"/>
+    <p:sldId id="381" r:id="rId34"/>
+    <p:sldId id="329" r:id="rId35"/>
   </p:sldIdLst>
   <p:sldSz cx="9144000" cy="6858000" type="screen4x3"/>
   <p:notesSz cx="6858000" cy="9144000"/>
@@ -4354,7 +4353,7 @@
           <a:p>
             <a:fld id="{70F679AF-909A-4245-86E7-698F41E2ACF1}" type="datetimeFigureOut">
               <a:rPr lang="en-US" smtClean="0"/>
-              <a:t>6/28/18</a:t>
+              <a:t>6/29/18</a:t>
             </a:fld>
             <a:endParaRPr lang="en-US"/>
           </a:p>
@@ -4685,6 +4684,90 @@
           <a:bodyPr/>
           <a:lstStyle/>
           <a:p>
+            <a:fld id="{4C7DAA83-9FAE-314B-8B27-545E02CA006B}" type="slidenum">
+              <a:rPr lang="en-US" smtClean="0"/>
+              <a:t>29</a:t>
+            </a:fld>
+            <a:endParaRPr lang="en-US"/>
+          </a:p>
+        </p:txBody>
+      </p:sp>
+    </p:spTree>
+    <p:extLst>
+      <p:ext uri="{BB962C8B-B14F-4D97-AF65-F5344CB8AC3E}">
+        <p14:creationId xmlns:p14="http://schemas.microsoft.com/office/powerpoint/2010/main" val="2137430169"/>
+      </p:ext>
+    </p:extLst>
+  </p:cSld>
+  <p:clrMapOvr>
+    <a:masterClrMapping/>
+  </p:clrMapOvr>
+</p:notes>
+</file>
+
+<file path=ppt/notesSlides/notesSlide2.xml><?xml version="1.0" encoding="utf-8"?>
+<p:notes xmlns:a="http://schemas.openxmlformats.org/drawingml/2006/main" xmlns:r="http://schemas.openxmlformats.org/officeDocument/2006/relationships" xmlns:p="http://schemas.openxmlformats.org/presentationml/2006/main">
+  <p:cSld>
+    <p:spTree>
+      <p:nvGrpSpPr>
+        <p:cNvPr id="1" name=""/>
+        <p:cNvGrpSpPr/>
+        <p:nvPr/>
+      </p:nvGrpSpPr>
+      <p:grpSpPr>
+        <a:xfrm>
+          <a:off x="0" y="0"/>
+          <a:ext cx="0" cy="0"/>
+          <a:chOff x="0" y="0"/>
+          <a:chExt cx="0" cy="0"/>
+        </a:xfrm>
+      </p:grpSpPr>
+      <p:sp>
+        <p:nvSpPr>
+          <p:cNvPr id="2" name="Slide Image Placeholder 1"/>
+          <p:cNvSpPr>
+            <a:spLocks noGrp="1" noRot="1" noChangeAspect="1"/>
+          </p:cNvSpPr>
+          <p:nvPr>
+            <p:ph type="sldImg"/>
+          </p:nvPr>
+        </p:nvSpPr>
+        <p:spPr/>
+      </p:sp>
+      <p:sp>
+        <p:nvSpPr>
+          <p:cNvPr id="3" name="Notes Placeholder 2"/>
+          <p:cNvSpPr>
+            <a:spLocks noGrp="1"/>
+          </p:cNvSpPr>
+          <p:nvPr>
+            <p:ph type="body" idx="1"/>
+          </p:nvPr>
+        </p:nvSpPr>
+        <p:spPr/>
+        <p:txBody>
+          <a:bodyPr/>
+          <a:lstStyle/>
+          <a:p>
+            <a:endParaRPr lang="en-US" dirty="0"/>
+          </a:p>
+        </p:txBody>
+      </p:sp>
+      <p:sp>
+        <p:nvSpPr>
+          <p:cNvPr id="4" name="Slide Number Placeholder 3"/>
+          <p:cNvSpPr>
+            <a:spLocks noGrp="1"/>
+          </p:cNvSpPr>
+          <p:nvPr>
+            <p:ph type="sldNum" sz="quarter" idx="10"/>
+          </p:nvPr>
+        </p:nvSpPr>
+        <p:spPr/>
+        <p:txBody>
+          <a:bodyPr/>
+          <a:lstStyle/>
+          <a:p>
             <a:fld id="{B3F07222-BA9A-8347-A754-6FFFE53DC13F}" type="slidenum">
               <a:rPr lang="en-US" smtClean="0"/>
               <a:t>32</a:t>
@@ -4887,7 +4970,7 @@
           <a:p>
             <a:fld id="{5156F65C-B851-CC4D-9273-9AD4DD6B8802}" type="datetimeFigureOut">
               <a:rPr lang="en-US" smtClean="0"/>
-              <a:t>6/28/18</a:t>
+              <a:t>6/29/18</a:t>
             </a:fld>
             <a:endParaRPr lang="en-US"/>
           </a:p>
@@ -5057,7 +5140,7 @@
           <a:p>
             <a:fld id="{5156F65C-B851-CC4D-9273-9AD4DD6B8802}" type="datetimeFigureOut">
               <a:rPr lang="en-US" smtClean="0"/>
-              <a:t>6/28/18</a:t>
+              <a:t>6/29/18</a:t>
             </a:fld>
             <a:endParaRPr lang="en-US"/>
           </a:p>
@@ -5237,7 +5320,7 @@
           <a:p>
             <a:fld id="{5156F65C-B851-CC4D-9273-9AD4DD6B8802}" type="datetimeFigureOut">
               <a:rPr lang="en-US" smtClean="0"/>
-              <a:t>6/28/18</a:t>
+              <a:t>6/29/18</a:t>
             </a:fld>
             <a:endParaRPr lang="en-US"/>
           </a:p>
@@ -5407,7 +5490,7 @@
           <a:p>
             <a:fld id="{5156F65C-B851-CC4D-9273-9AD4DD6B8802}" type="datetimeFigureOut">
               <a:rPr lang="en-US" smtClean="0"/>
-              <a:t>6/28/18</a:t>
+              <a:t>6/29/18</a:t>
             </a:fld>
             <a:endParaRPr lang="en-US"/>
           </a:p>
@@ -5653,7 +5736,7 @@
           <a:p>
             <a:fld id="{5156F65C-B851-CC4D-9273-9AD4DD6B8802}" type="datetimeFigureOut">
               <a:rPr lang="en-US" smtClean="0"/>
-              <a:t>6/28/18</a:t>
+              <a:t>6/29/18</a:t>
             </a:fld>
             <a:endParaRPr lang="en-US"/>
           </a:p>
@@ -5941,7 +6024,7 @@
           <a:p>
             <a:fld id="{5156F65C-B851-CC4D-9273-9AD4DD6B8802}" type="datetimeFigureOut">
               <a:rPr lang="en-US" smtClean="0"/>
-              <a:t>6/28/18</a:t>
+              <a:t>6/29/18</a:t>
             </a:fld>
             <a:endParaRPr lang="en-US"/>
           </a:p>
@@ -6363,7 +6446,7 @@
           <a:p>
             <a:fld id="{5156F65C-B851-CC4D-9273-9AD4DD6B8802}" type="datetimeFigureOut">
               <a:rPr lang="en-US" smtClean="0"/>
-              <a:t>6/28/18</a:t>
+              <a:t>6/29/18</a:t>
             </a:fld>
             <a:endParaRPr lang="en-US"/>
           </a:p>
@@ -6481,7 +6564,7 @@
           <a:p>
             <a:fld id="{5156F65C-B851-CC4D-9273-9AD4DD6B8802}" type="datetimeFigureOut">
               <a:rPr lang="en-US" smtClean="0"/>
-              <a:t>6/28/18</a:t>
+              <a:t>6/29/18</a:t>
             </a:fld>
             <a:endParaRPr lang="en-US"/>
           </a:p>
@@ -6576,7 +6659,7 @@
           <a:p>
             <a:fld id="{5156F65C-B851-CC4D-9273-9AD4DD6B8802}" type="datetimeFigureOut">
               <a:rPr lang="en-US" smtClean="0"/>
-              <a:t>6/28/18</a:t>
+              <a:t>6/29/18</a:t>
             </a:fld>
             <a:endParaRPr lang="en-US"/>
           </a:p>
@@ -6853,7 +6936,7 @@
           <a:p>
             <a:fld id="{5156F65C-B851-CC4D-9273-9AD4DD6B8802}" type="datetimeFigureOut">
               <a:rPr lang="en-US" smtClean="0"/>
-              <a:t>6/28/18</a:t>
+              <a:t>6/29/18</a:t>
             </a:fld>
             <a:endParaRPr lang="en-US"/>
           </a:p>
@@ -7106,7 +7189,7 @@
           <a:p>
             <a:fld id="{5156F65C-B851-CC4D-9273-9AD4DD6B8802}" type="datetimeFigureOut">
               <a:rPr lang="en-US" smtClean="0"/>
-              <a:t>6/28/18</a:t>
+              <a:t>6/29/18</a:t>
             </a:fld>
             <a:endParaRPr lang="en-US"/>
           </a:p>
@@ -7319,7 +7402,7 @@
           <a:p>
             <a:fld id="{5156F65C-B851-CC4D-9273-9AD4DD6B8802}" type="datetimeFigureOut">
               <a:rPr lang="en-US" smtClean="0"/>
-              <a:t>6/28/18</a:t>
+              <a:t>6/29/18</a:t>
             </a:fld>
             <a:endParaRPr lang="en-US"/>
           </a:p>
@@ -10773,14 +10856,7 @@
                 <a:latin typeface="Courier New"/>
                 <a:cs typeface="Courier New"/>
               </a:rPr>
-              <a:t>sum/3000</a:t>
-            </a:r>
-            <a:r>
-              <a:rPr lang="en-US" sz="2000" dirty="0" smtClean="0">
-                <a:latin typeface="Courier New"/>
-                <a:cs typeface="Courier New"/>
-              </a:rPr>
-              <a:t>}</a:t>
+              <a:t>sum/3000}</a:t>
             </a:r>
             <a:r>
               <a:rPr lang="en-US" sz="2000" dirty="0">
@@ -13953,10 +14029,15 @@
             <p:ph idx="1"/>
           </p:nvPr>
         </p:nvSpPr>
-        <p:spPr/>
+        <p:spPr>
+          <a:xfrm>
+            <a:off x="457200" y="2120900"/>
+            <a:ext cx="8229600" cy="4525963"/>
+          </a:xfrm>
+        </p:spPr>
         <p:txBody>
           <a:bodyPr>
-            <a:normAutofit fontScale="77500" lnSpcReduction="20000"/>
+            <a:normAutofit/>
           </a:bodyPr>
           <a:lstStyle/>
           <a:p>
@@ -13964,18 +14045,41 @@
               <a:buNone/>
             </a:pPr>
             <a:r>
-              <a:rPr lang="en-US" dirty="0">
-                <a:latin typeface="Courier New"/>
-                <a:cs typeface="Courier New"/>
-              </a:rPr>
-              <a:t>#!/bin/bash</a:t>
-            </a:r>
+              <a:rPr lang="en-US" sz="2000" dirty="0">
+                <a:latin typeface="Courier New"/>
+                <a:cs typeface="Courier New"/>
+              </a:rPr>
+              <a:t>#!/</a:t>
+            </a:r>
+            <a:r>
+              <a:rPr lang="en-US" sz="2000" dirty="0" smtClean="0">
+                <a:latin typeface="Courier New"/>
+                <a:cs typeface="Courier New"/>
+              </a:rPr>
+              <a:t>bin/bash</a:t>
+            </a:r>
+            <a:endParaRPr lang="en-US" sz="2000" dirty="0">
+              <a:latin typeface="Courier New"/>
+              <a:cs typeface="Courier New"/>
+            </a:endParaRPr>
           </a:p>
           <a:p>
             <a:pPr marL="0" indent="0">
               <a:buNone/>
             </a:pPr>
-            <a:endParaRPr lang="en-US" dirty="0">
+            <a:r>
+              <a:rPr lang="en-US" sz="2000" dirty="0">
+                <a:latin typeface="Courier New"/>
+                <a:cs typeface="Courier New"/>
+              </a:rPr>
+              <a:t>echo "My first script"</a:t>
+            </a:r>
+          </a:p>
+          <a:p>
+            <a:pPr marL="0" indent="0">
+              <a:buNone/>
+            </a:pPr>
+            <a:endParaRPr lang="en-US" sz="2000" dirty="0">
               <a:latin typeface="Courier New"/>
               <a:cs typeface="Courier New"/>
             </a:endParaRPr>
@@ -13985,18 +14089,72 @@
               <a:buNone/>
             </a:pPr>
             <a:r>
-              <a:rPr lang="en-US" dirty="0">
-                <a:latin typeface="Courier New"/>
-                <a:cs typeface="Courier New"/>
-              </a:rPr>
-              <a:t>echo "My first script"</a:t>
+              <a:rPr lang="en-US" sz="2000" dirty="0" err="1" smtClean="0">
+                <a:latin typeface="Courier New"/>
+                <a:cs typeface="Courier New"/>
+              </a:rPr>
+              <a:t>mkdir</a:t>
+            </a:r>
+            <a:r>
+              <a:rPr lang="en-US" sz="2000" dirty="0" smtClean="0">
+                <a:latin typeface="Courier New"/>
+                <a:cs typeface="Courier New"/>
+              </a:rPr>
+              <a:t> </a:t>
+            </a:r>
+            <a:r>
+              <a:rPr lang="en-US" sz="2000" dirty="0">
+                <a:latin typeface="Courier New"/>
+                <a:cs typeface="Courier New"/>
+              </a:rPr>
+              <a:t>chr2_gtf</a:t>
             </a:r>
           </a:p>
           <a:p>
             <a:pPr marL="0" indent="0">
               <a:buNone/>
             </a:pPr>
-            <a:endParaRPr lang="en-US" dirty="0">
+            <a:r>
+              <a:rPr lang="en-US" sz="2000" dirty="0" err="1">
+                <a:latin typeface="Courier New"/>
+                <a:cs typeface="Courier New"/>
+              </a:rPr>
+              <a:t>mkdir</a:t>
+            </a:r>
+            <a:r>
+              <a:rPr lang="en-US" sz="2000" dirty="0">
+                <a:latin typeface="Courier New"/>
+                <a:cs typeface="Courier New"/>
+              </a:rPr>
+              <a:t> chr3_gtf</a:t>
+            </a:r>
+          </a:p>
+          <a:p>
+            <a:pPr marL="0" indent="0">
+              <a:buNone/>
+            </a:pPr>
+            <a:r>
+              <a:rPr lang="en-US" sz="2000" dirty="0" err="1">
+                <a:latin typeface="Courier New"/>
+                <a:cs typeface="Courier New"/>
+              </a:rPr>
+              <a:t>mkdir</a:t>
+            </a:r>
+            <a:r>
+              <a:rPr lang="en-US" sz="2000" dirty="0">
+                <a:latin typeface="Courier New"/>
+                <a:cs typeface="Courier New"/>
+              </a:rPr>
+              <a:t> </a:t>
+            </a:r>
+            <a:r>
+              <a:rPr lang="en-US" sz="2000" dirty="0" smtClean="0">
+                <a:latin typeface="Courier New"/>
+                <a:cs typeface="Courier New"/>
+              </a:rPr>
+              <a:t>chr21_gtf</a:t>
+            </a:r>
+            <a:endParaRPr lang="en-US" sz="2000" dirty="0">
               <a:latin typeface="Courier New"/>
               <a:cs typeface="Courier New"/>
             </a:endParaRPr>
@@ -14005,45 +14163,42 @@
             <a:pPr marL="0" indent="0">
               <a:buNone/>
             </a:pPr>
-            <a:r>
-              <a:rPr lang="en-US" dirty="0" err="1" smtClean="0">
-                <a:latin typeface="Courier New"/>
-                <a:cs typeface="Courier New"/>
-              </a:rPr>
-              <a:t>mkdir</a:t>
-            </a:r>
-            <a:r>
-              <a:rPr lang="en-US" dirty="0" smtClean="0">
-                <a:latin typeface="Courier New"/>
-                <a:cs typeface="Courier New"/>
-              </a:rPr>
-              <a:t> </a:t>
-            </a:r>
-            <a:r>
-              <a:rPr lang="en-US" dirty="0">
-                <a:latin typeface="Courier New"/>
-                <a:cs typeface="Courier New"/>
-              </a:rPr>
-              <a:t>chr2_gtf</a:t>
-            </a:r>
+            <a:endParaRPr lang="en-US" sz="2000" dirty="0">
+              <a:latin typeface="Courier New"/>
+              <a:cs typeface="Courier New"/>
+            </a:endParaRPr>
           </a:p>
           <a:p>
             <a:pPr marL="0" indent="0">
               <a:buNone/>
             </a:pPr>
             <a:r>
-              <a:rPr lang="en-US" dirty="0" err="1">
-                <a:latin typeface="Courier New"/>
-                <a:cs typeface="Courier New"/>
-              </a:rPr>
-              <a:t>mkdir</a:t>
-            </a:r>
-            <a:r>
-              <a:rPr lang="en-US" dirty="0">
-                <a:latin typeface="Courier New"/>
-                <a:cs typeface="Courier New"/>
-              </a:rPr>
-              <a:t> chr3_gtf</a:t>
+              <a:rPr lang="en-US" sz="2000" dirty="0" err="1">
+                <a:latin typeface="Courier New"/>
+                <a:cs typeface="Courier New"/>
+              </a:rPr>
+              <a:t>grep</a:t>
+            </a:r>
+            <a:r>
+              <a:rPr lang="en-US" sz="2000" dirty="0">
+                <a:latin typeface="Courier New"/>
+                <a:cs typeface="Courier New"/>
+              </a:rPr>
+              <a:t> "chr2\s" $1 </a:t>
+            </a:r>
+            <a:r>
+              <a:rPr lang="en-US" sz="2000" dirty="0" smtClean="0">
+                <a:latin typeface="Courier New"/>
+                <a:cs typeface="Courier New"/>
+              </a:rPr>
+              <a:t>&gt;chr2_gtf</a:t>
+            </a:r>
+            <a:r>
+              <a:rPr lang="en-US" sz="2000" dirty="0">
+                <a:latin typeface="Courier New"/>
+                <a:cs typeface="Courier New"/>
+              </a:rPr>
+              <a:t>/chr2.gtf</a:t>
             </a:r>
           </a:p>
           <a:p>
@@ -14051,133 +14206,61 @@
               <a:buNone/>
             </a:pPr>
             <a:r>
-              <a:rPr lang="en-US" dirty="0" err="1">
-                <a:latin typeface="Courier New"/>
-                <a:cs typeface="Courier New"/>
-              </a:rPr>
-              <a:t>mkdir</a:t>
-            </a:r>
-            <a:r>
-              <a:rPr lang="en-US" dirty="0">
-                <a:latin typeface="Courier New"/>
-                <a:cs typeface="Courier New"/>
-              </a:rPr>
-              <a:t> </a:t>
-            </a:r>
-            <a:r>
-              <a:rPr lang="en-US" dirty="0" smtClean="0">
-                <a:latin typeface="Courier New"/>
-                <a:cs typeface="Courier New"/>
-              </a:rPr>
-              <a:t>chr21_gtf</a:t>
-            </a:r>
-            <a:endParaRPr lang="en-US" dirty="0">
-              <a:latin typeface="Courier New"/>
-              <a:cs typeface="Courier New"/>
-            </a:endParaRPr>
+              <a:rPr lang="en-US" sz="2000" dirty="0" err="1">
+                <a:latin typeface="Courier New"/>
+                <a:cs typeface="Courier New"/>
+              </a:rPr>
+              <a:t>grep</a:t>
+            </a:r>
+            <a:r>
+              <a:rPr lang="en-US" sz="2000" dirty="0">
+                <a:latin typeface="Courier New"/>
+                <a:cs typeface="Courier New"/>
+              </a:rPr>
+              <a:t> "chr3\s" $1 </a:t>
+            </a:r>
+            <a:r>
+              <a:rPr lang="en-US" sz="2000" dirty="0" smtClean="0">
+                <a:latin typeface="Courier New"/>
+                <a:cs typeface="Courier New"/>
+              </a:rPr>
+              <a:t>&gt;chr3_gtf</a:t>
+            </a:r>
+            <a:r>
+              <a:rPr lang="en-US" sz="2000" dirty="0">
+                <a:latin typeface="Courier New"/>
+                <a:cs typeface="Courier New"/>
+              </a:rPr>
+              <a:t>/chr3.gtf</a:t>
+            </a:r>
           </a:p>
           <a:p>
             <a:pPr marL="0" indent="0">
               <a:buNone/>
             </a:pPr>
-            <a:endParaRPr lang="en-US" dirty="0">
-              <a:latin typeface="Courier New"/>
-              <a:cs typeface="Courier New"/>
-            </a:endParaRPr>
-          </a:p>
-          <a:p>
-            <a:pPr marL="0" indent="0">
-              <a:buNone/>
-            </a:pPr>
-            <a:r>
-              <a:rPr lang="en-US" dirty="0" err="1">
+            <a:r>
+              <a:rPr lang="en-US" sz="2000" dirty="0" err="1">
                 <a:latin typeface="Courier New"/>
                 <a:cs typeface="Courier New"/>
               </a:rPr>
               <a:t>grep</a:t>
             </a:r>
             <a:r>
-              <a:rPr lang="en-US" dirty="0">
-                <a:latin typeface="Courier New"/>
-                <a:cs typeface="Courier New"/>
-              </a:rPr>
-              <a:t> "chr2\s" $1 </a:t>
-            </a:r>
-            <a:r>
-              <a:rPr lang="en-US" dirty="0" smtClean="0">
-                <a:latin typeface="Courier New"/>
-                <a:cs typeface="Courier New"/>
-              </a:rPr>
-              <a:t>&gt;chr2_gtf</a:t>
-            </a:r>
-            <a:r>
-              <a:rPr lang="en-US" dirty="0">
-                <a:latin typeface="Courier New"/>
-                <a:cs typeface="Courier New"/>
-              </a:rPr>
-              <a:t>/chr2.gtf</a:t>
-            </a:r>
-          </a:p>
-          <a:p>
-            <a:pPr marL="0" indent="0">
-              <a:buNone/>
-            </a:pPr>
-            <a:r>
-              <a:rPr lang="en-US" dirty="0" err="1">
-                <a:latin typeface="Courier New"/>
-                <a:cs typeface="Courier New"/>
-              </a:rPr>
-              <a:t>grep</a:t>
-            </a:r>
-            <a:r>
-              <a:rPr lang="en-US" dirty="0">
-                <a:latin typeface="Courier New"/>
-                <a:cs typeface="Courier New"/>
-              </a:rPr>
-              <a:t> "chr3\s" $1 </a:t>
-            </a:r>
-            <a:r>
-              <a:rPr lang="en-US" dirty="0" smtClean="0">
-                <a:latin typeface="Courier New"/>
-                <a:cs typeface="Courier New"/>
-              </a:rPr>
-              <a:t>&gt;chr3_gtf</a:t>
-            </a:r>
-            <a:r>
-              <a:rPr lang="en-US" dirty="0">
-                <a:latin typeface="Courier New"/>
-                <a:cs typeface="Courier New"/>
-              </a:rPr>
-              <a:t>/chr3.gtf</a:t>
-            </a:r>
-          </a:p>
-          <a:p>
-            <a:pPr marL="0" indent="0">
-              <a:buNone/>
-            </a:pPr>
-            <a:r>
-              <a:rPr lang="en-US" dirty="0" err="1">
-                <a:latin typeface="Courier New"/>
-                <a:cs typeface="Courier New"/>
-              </a:rPr>
-              <a:t>grep</a:t>
-            </a:r>
-            <a:r>
-              <a:rPr lang="en-US" dirty="0">
+              <a:rPr lang="en-US" sz="2000" dirty="0">
                 <a:latin typeface="Courier New"/>
                 <a:cs typeface="Courier New"/>
               </a:rPr>
               <a:t> "chr21\s" $1 </a:t>
             </a:r>
             <a:r>
-              <a:rPr lang="en-US" dirty="0" smtClean="0">
+              <a:rPr lang="en-US" sz="2000" dirty="0" smtClean="0">
                 <a:latin typeface="Courier New"/>
                 <a:cs typeface="Courier New"/>
               </a:rPr>
               <a:t>&gt;chr21_gtf</a:t>
             </a:r>
             <a:r>
-              <a:rPr lang="en-US" dirty="0">
+              <a:rPr lang="en-US" sz="2000" dirty="0">
                 <a:latin typeface="Courier New"/>
                 <a:cs typeface="Courier New"/>
               </a:rPr>
@@ -14490,7 +14573,7 @@
         </p:blipFill>
         <p:spPr>
           <a:xfrm>
-            <a:off x="6954420" y="1287790"/>
+            <a:off x="6954420" y="1148090"/>
             <a:ext cx="609600" cy="715617"/>
           </a:xfrm>
           <a:prstGeom prst="rect">
@@ -14556,6 +14639,45 @@
               <a:t>How to run the script :</a:t>
             </a:r>
             <a:endParaRPr lang="en-US" dirty="0"/>
+          </a:p>
+        </p:txBody>
+      </p:sp>
+      <p:sp>
+        <p:nvSpPr>
+          <p:cNvPr id="14" name="Rectangle 13"/>
+          <p:cNvSpPr/>
+          <p:nvPr/>
+        </p:nvSpPr>
+        <p:spPr>
+          <a:xfrm>
+            <a:off x="242942" y="1954797"/>
+            <a:ext cx="7631057" cy="3942063"/>
+          </a:xfrm>
+          <a:prstGeom prst="rect">
+            <a:avLst/>
+          </a:prstGeom>
+          <a:noFill/>
+        </p:spPr>
+        <p:style>
+          <a:lnRef idx="1">
+            <a:schemeClr val="dk1"/>
+          </a:lnRef>
+          <a:fillRef idx="3">
+            <a:schemeClr val="dk1"/>
+          </a:fillRef>
+          <a:effectRef idx="2">
+            <a:schemeClr val="dk1"/>
+          </a:effectRef>
+          <a:fontRef idx="minor">
+            <a:schemeClr val="lt1"/>
+          </a:fontRef>
+        </p:style>
+        <p:txBody>
+          <a:bodyPr rtlCol="0" anchor="ctr"/>
+          <a:lstStyle/>
+          <a:p>
+            <a:pPr algn="ctr"/>
+            <a:endParaRPr lang="en-US" sz="1600"/>
           </a:p>
         </p:txBody>
       </p:sp>
@@ -15139,11 +15261,11 @@
               <a:t>[serghei@login1 test]$ </a:t>
             </a:r>
             <a:r>
-              <a:rPr lang="en-US" sz="2400" dirty="0" err="1">
-                <a:latin typeface="Courier New"/>
-                <a:cs typeface="Courier New"/>
-              </a:rPr>
-              <a:t>tophat</a:t>
+              <a:rPr lang="en-US" sz="2400" dirty="0" err="1" smtClean="0">
+                <a:latin typeface="Courier New"/>
+                <a:cs typeface="Courier New"/>
+              </a:rPr>
+              <a:t>bwa</a:t>
             </a:r>
             <a:endParaRPr lang="en-US" sz="2400" dirty="0">
               <a:latin typeface="Courier New"/>
@@ -15182,11 +15304,11 @@
               <a:t>[serghei@login1 test]$ module load </a:t>
             </a:r>
             <a:r>
-              <a:rPr lang="en-US" sz="2400" dirty="0" err="1">
-                <a:latin typeface="Courier New"/>
-                <a:cs typeface="Courier New"/>
-              </a:rPr>
-              <a:t>tophat</a:t>
+              <a:rPr lang="en-US" sz="2400" dirty="0" err="1" smtClean="0">
+                <a:latin typeface="Courier New"/>
+                <a:cs typeface="Courier New"/>
+              </a:rPr>
+              <a:t>bwa</a:t>
             </a:r>
             <a:endParaRPr lang="en-US" sz="2400" dirty="0">
               <a:latin typeface="Courier New"/>
@@ -15202,11 +15324,11 @@
               <a:t>[serghei@login1 test]$ </a:t>
             </a:r>
             <a:r>
-              <a:rPr lang="en-US" sz="2400" dirty="0" err="1">
-                <a:latin typeface="Courier New"/>
-                <a:cs typeface="Courier New"/>
-              </a:rPr>
-              <a:t>tophat</a:t>
+              <a:rPr lang="en-US" sz="2400" dirty="0" err="1" smtClean="0">
+                <a:latin typeface="Courier New"/>
+                <a:cs typeface="Courier New"/>
+              </a:rPr>
+              <a:t>bwa</a:t>
             </a:r>
             <a:endParaRPr lang="en-US" sz="2400" dirty="0">
               <a:latin typeface="Courier New"/>
@@ -15679,8 +15801,8 @@
         </p:nvSpPr>
         <p:spPr>
           <a:xfrm>
-            <a:off x="6163733" y="5537200"/>
-            <a:ext cx="2040680" cy="369332"/>
+            <a:off x="4753927" y="5321525"/>
+            <a:ext cx="3778791" cy="369332"/>
           </a:xfrm>
           <a:prstGeom prst="rect">
             <a:avLst/>
@@ -15699,7 +15821,11 @@
             </a:r>
             <a:r>
               <a:rPr lang="en-US" dirty="0" smtClean="0"/>
-              <a:t>ommand to be run</a:t>
+              <a:t>ommand </a:t>
+            </a:r>
+            <a:r>
+              <a:rPr lang="en-US" dirty="0" smtClean="0"/>
+              <a:t>to run (e.g. map NGS reads)</a:t>
             </a:r>
             <a:endParaRPr lang="en-US" dirty="0"/>
           </a:p>
@@ -15824,11 +15950,18 @@
               <a:t> -V –N </a:t>
             </a:r>
             <a:r>
+              <a:rPr lang="en-US" sz="1800" b="1" dirty="0" err="1" smtClean="0">
+                <a:latin typeface="Courier New"/>
+                <a:cs typeface="Courier New"/>
+              </a:rPr>
+              <a:t>testBWA</a:t>
+            </a:r>
+            <a:r>
               <a:rPr lang="en-US" sz="1800" b="1" dirty="0" smtClean="0">
                 <a:latin typeface="Courier New"/>
                 <a:cs typeface="Courier New"/>
               </a:rPr>
-              <a:t>test </a:t>
+              <a:t> </a:t>
             </a:r>
             <a:r>
               <a:rPr lang="en-US" sz="1800" dirty="0" smtClean="0">
@@ -15856,7 +15989,7 @@
                 <a:latin typeface="Courier New"/>
                 <a:cs typeface="Courier New"/>
               </a:rPr>
-              <a:t>1</a:t>
+              <a:t>8</a:t>
             </a:r>
             <a:r>
               <a:rPr lang="en-US" sz="1800" b="1" dirty="0" smtClean="0">
@@ -15866,39 +15999,18 @@
               <a:t>G</a:t>
             </a:r>
             <a:r>
-              <a:rPr lang="en-US" sz="1800" dirty="0">
-                <a:latin typeface="Courier New"/>
-                <a:cs typeface="Courier New"/>
-              </a:rPr>
-              <a:t>,time</a:t>
-            </a:r>
-            <a:r>
               <a:rPr lang="en-US" sz="1800" dirty="0" smtClean="0">
                 <a:latin typeface="Courier New"/>
                 <a:cs typeface="Courier New"/>
               </a:rPr>
-              <a:t>=</a:t>
-            </a:r>
-            <a:r>
-              <a:rPr lang="en-US" sz="1800" b="1" dirty="0">
-                <a:latin typeface="Courier New"/>
-                <a:cs typeface="Courier New"/>
-              </a:rPr>
-              <a:t>1</a:t>
+              <a:t>,time=</a:t>
             </a:r>
             <a:r>
               <a:rPr lang="en-US" sz="1800" b="1" dirty="0" smtClean="0">
                 <a:latin typeface="Courier New"/>
                 <a:cs typeface="Courier New"/>
               </a:rPr>
-              <a:t>:</a:t>
-            </a:r>
-            <a:r>
-              <a:rPr lang="en-US" sz="1800" b="1" dirty="0">
-                <a:latin typeface="Courier New"/>
-                <a:cs typeface="Courier New"/>
-              </a:rPr>
-              <a:t>00:00 </a:t>
+              <a:t>1:00:00 </a:t>
             </a:r>
             <a:r>
               <a:rPr lang="en-US" sz="1800" b="1" dirty="0" err="1" smtClean="0">
@@ -15961,148 +16073,6 @@
           </a:p>
         </p:txBody>
       </p:sp>
-      <p:sp>
-        <p:nvSpPr>
-          <p:cNvPr id="4" name="Rectangle 3"/>
-          <p:cNvSpPr/>
-          <p:nvPr/>
-        </p:nvSpPr>
-        <p:spPr>
-          <a:xfrm>
-            <a:off x="5836340" y="1600200"/>
-            <a:ext cx="2955106" cy="646331"/>
-          </a:xfrm>
-          <a:prstGeom prst="rect">
-            <a:avLst/>
-          </a:prstGeom>
-        </p:spPr>
-        <p:txBody>
-          <a:bodyPr wrap="none">
-            <a:spAutoFit/>
-          </a:bodyPr>
-          <a:lstStyle/>
-          <a:p>
-            <a:r>
-              <a:rPr lang="en-US" dirty="0">
-                <a:latin typeface="Courier New"/>
-                <a:cs typeface="Courier New"/>
-              </a:rPr>
-              <a:t>echo </a:t>
-            </a:r>
-            <a:r>
-              <a:rPr lang="en-US" dirty="0" smtClean="0">
-                <a:latin typeface="Courier New"/>
-                <a:cs typeface="Courier New"/>
-              </a:rPr>
-              <a:t>“My first </a:t>
-            </a:r>
-            <a:r>
-              <a:rPr lang="en-US" dirty="0" err="1" smtClean="0">
-                <a:latin typeface="Courier New"/>
-                <a:cs typeface="Courier New"/>
-              </a:rPr>
-              <a:t>qsub</a:t>
-            </a:r>
-            <a:r>
-              <a:rPr lang="en-US" dirty="0" smtClean="0">
-                <a:latin typeface="Courier New"/>
-                <a:cs typeface="Courier New"/>
-              </a:rPr>
-              <a:t>”</a:t>
-            </a:r>
-          </a:p>
-          <a:p>
-            <a:r>
-              <a:rPr lang="en-US" dirty="0">
-                <a:latin typeface="Courier New"/>
-                <a:cs typeface="Courier New"/>
-              </a:rPr>
-              <a:t>s</a:t>
-            </a:r>
-            <a:r>
-              <a:rPr lang="en-US" dirty="0" smtClean="0">
-                <a:latin typeface="Courier New"/>
-                <a:cs typeface="Courier New"/>
-              </a:rPr>
-              <a:t>leep 36000</a:t>
-            </a:r>
-            <a:endParaRPr lang="en-US" dirty="0">
-              <a:latin typeface="Courier New"/>
-              <a:cs typeface="Courier New"/>
-            </a:endParaRPr>
-          </a:p>
-        </p:txBody>
-      </p:sp>
-      <p:sp>
-        <p:nvSpPr>
-          <p:cNvPr id="5" name="Rectangle 4"/>
-          <p:cNvSpPr/>
-          <p:nvPr/>
-        </p:nvSpPr>
-        <p:spPr>
-          <a:xfrm>
-            <a:off x="5040474" y="2495034"/>
-            <a:ext cx="1425390" cy="369332"/>
-          </a:xfrm>
-          <a:prstGeom prst="rect">
-            <a:avLst/>
-          </a:prstGeom>
-        </p:spPr>
-        <p:txBody>
-          <a:bodyPr wrap="none">
-            <a:spAutoFit/>
-          </a:bodyPr>
-          <a:lstStyle/>
-          <a:p>
-            <a:r>
-              <a:rPr lang="en-US" dirty="0">
-                <a:latin typeface="Courier New"/>
-                <a:cs typeface="Courier New"/>
-              </a:rPr>
-              <a:t>v</a:t>
-            </a:r>
-            <a:r>
-              <a:rPr lang="en-US" dirty="0" smtClean="0">
-                <a:latin typeface="Courier New"/>
-                <a:cs typeface="Courier New"/>
-              </a:rPr>
-              <a:t>i </a:t>
-            </a:r>
-            <a:r>
-              <a:rPr lang="en-US" dirty="0" err="1" smtClean="0">
-                <a:latin typeface="Courier New"/>
-                <a:cs typeface="Courier New"/>
-              </a:rPr>
-              <a:t>run.sh</a:t>
-            </a:r>
-            <a:endParaRPr lang="en-US" dirty="0"/>
-          </a:p>
-        </p:txBody>
-      </p:sp>
-      <p:pic>
-        <p:nvPicPr>
-          <p:cNvPr id="6" name="Picture 5"/>
-          <p:cNvPicPr>
-            <a:picLocks noChangeAspect="1"/>
-          </p:cNvPicPr>
-          <p:nvPr/>
-        </p:nvPicPr>
-        <p:blipFill>
-          <a:blip r:embed="rId2"/>
-          <a:stretch>
-            <a:fillRect/>
-          </a:stretch>
-        </p:blipFill>
-        <p:spPr>
-          <a:xfrm>
-            <a:off x="5239440" y="1600200"/>
-            <a:ext cx="596900" cy="596900"/>
-          </a:xfrm>
-          <a:prstGeom prst="rect">
-            <a:avLst/>
-          </a:prstGeom>
-        </p:spPr>
-      </p:pic>
       <p:pic>
         <p:nvPicPr>
           <p:cNvPr id="7" name="Picture 6"/>
@@ -16187,6 +16157,309 @@
               <a:t>Displays all the jobs which are running on hoffman2</a:t>
             </a:r>
             <a:endParaRPr lang="en-US" dirty="0"/>
+          </a:p>
+        </p:txBody>
+      </p:sp>
+      <p:sp>
+        <p:nvSpPr>
+          <p:cNvPr id="18" name="Rectangle 17"/>
+          <p:cNvSpPr/>
+          <p:nvPr/>
+        </p:nvSpPr>
+        <p:spPr>
+          <a:xfrm>
+            <a:off x="385232" y="1634005"/>
+            <a:ext cx="5571067" cy="1200329"/>
+          </a:xfrm>
+          <a:prstGeom prst="rect">
+            <a:avLst/>
+          </a:prstGeom>
+        </p:spPr>
+        <p:txBody>
+          <a:bodyPr wrap="square">
+            <a:spAutoFit/>
+          </a:bodyPr>
+          <a:lstStyle/>
+          <a:p>
+            <a:r>
+              <a:rPr lang="en-US" dirty="0"/>
+              <a:t>. /</a:t>
+            </a:r>
+            <a:r>
+              <a:rPr lang="en-US" dirty="0" smtClean="0"/>
+              <a:t>u/local/Modules/default/</a:t>
+            </a:r>
+            <a:r>
+              <a:rPr lang="en-US" dirty="0" err="1" smtClean="0"/>
+              <a:t>init</a:t>
+            </a:r>
+            <a:r>
+              <a:rPr lang="en-US" dirty="0" smtClean="0"/>
+              <a:t>/</a:t>
+            </a:r>
+            <a:r>
+              <a:rPr lang="en-US" dirty="0" err="1" smtClean="0"/>
+              <a:t>modules.sh</a:t>
+            </a:r>
+            <a:endParaRPr lang="en-US" dirty="0" smtClean="0"/>
+          </a:p>
+          <a:p>
+            <a:r>
+              <a:rPr lang="en-US" dirty="0" smtClean="0"/>
+              <a:t>Module load </a:t>
+            </a:r>
+            <a:r>
+              <a:rPr lang="en-US" dirty="0" err="1" smtClean="0"/>
+              <a:t>bwa</a:t>
+            </a:r>
+            <a:endParaRPr lang="en-US" dirty="0" smtClean="0"/>
+          </a:p>
+          <a:p>
+            <a:r>
+              <a:rPr lang="en-US" dirty="0" err="1"/>
+              <a:t>b</a:t>
+            </a:r>
+            <a:r>
+              <a:rPr lang="en-US" dirty="0" err="1" smtClean="0"/>
+              <a:t>wa</a:t>
+            </a:r>
+            <a:r>
+              <a:rPr lang="en-US" dirty="0" smtClean="0"/>
+              <a:t> mem </a:t>
+            </a:r>
+            <a:r>
+              <a:rPr lang="en-US" dirty="0" err="1" smtClean="0"/>
+              <a:t>toy.ref.fastq</a:t>
+            </a:r>
+            <a:r>
+              <a:rPr lang="en-US" dirty="0" smtClean="0"/>
+              <a:t> </a:t>
+            </a:r>
+            <a:r>
+              <a:rPr lang="en-US" dirty="0" err="1" smtClean="0"/>
+              <a:t>toy.reads.fastq</a:t>
+            </a:r>
+            <a:r>
+              <a:rPr lang="en-US" dirty="0" smtClean="0"/>
+              <a:t>&gt;</a:t>
+            </a:r>
+            <a:r>
+              <a:rPr lang="en-US" dirty="0" err="1" smtClean="0"/>
+              <a:t>toy.reads.bwa.sam</a:t>
+            </a:r>
+            <a:r>
+              <a:rPr lang="en-US" dirty="0"/>
+              <a:t/>
+            </a:r>
+            <a:br>
+              <a:rPr lang="en-US" dirty="0"/>
+            </a:br>
+            <a:endParaRPr lang="en-US" dirty="0"/>
+          </a:p>
+        </p:txBody>
+      </p:sp>
+      <p:sp>
+        <p:nvSpPr>
+          <p:cNvPr id="19" name="Rectangle 18"/>
+          <p:cNvSpPr/>
+          <p:nvPr/>
+        </p:nvSpPr>
+        <p:spPr>
+          <a:xfrm>
+            <a:off x="6108700" y="1713525"/>
+            <a:ext cx="1738953" cy="523220"/>
+          </a:xfrm>
+          <a:prstGeom prst="rect">
+            <a:avLst/>
+          </a:prstGeom>
+        </p:spPr>
+        <p:txBody>
+          <a:bodyPr wrap="none">
+            <a:spAutoFit/>
+          </a:bodyPr>
+          <a:lstStyle/>
+          <a:p>
+            <a:r>
+              <a:rPr lang="en-US" sz="2800" dirty="0">
+                <a:latin typeface="+mj-lt"/>
+                <a:cs typeface="Courier New"/>
+              </a:rPr>
+              <a:t>vi </a:t>
+            </a:r>
+            <a:r>
+              <a:rPr lang="en-US" sz="2800" dirty="0" err="1">
+                <a:latin typeface="+mj-lt"/>
+                <a:cs typeface="Courier New"/>
+              </a:rPr>
+              <a:t>script.sh</a:t>
+            </a:r>
+            <a:endParaRPr lang="en-US" sz="2800" dirty="0">
+              <a:latin typeface="+mj-lt"/>
+              <a:cs typeface="Courier New"/>
+            </a:endParaRPr>
+          </a:p>
+        </p:txBody>
+      </p:sp>
+      <p:pic>
+        <p:nvPicPr>
+          <p:cNvPr id="20" name="Picture 19"/>
+          <p:cNvPicPr>
+            <a:picLocks noChangeAspect="1"/>
+          </p:cNvPicPr>
+          <p:nvPr/>
+        </p:nvPicPr>
+        <p:blipFill>
+          <a:blip r:embed="rId4"/>
+          <a:stretch>
+            <a:fillRect/>
+          </a:stretch>
+        </p:blipFill>
+        <p:spPr>
+          <a:xfrm>
+            <a:off x="7898453" y="1523025"/>
+            <a:ext cx="609600" cy="715617"/>
+          </a:xfrm>
+          <a:prstGeom prst="rect">
+            <a:avLst/>
+          </a:prstGeom>
+        </p:spPr>
+      </p:pic>
+      <p:sp>
+        <p:nvSpPr>
+          <p:cNvPr id="21" name="Rectangle 20"/>
+          <p:cNvSpPr/>
+          <p:nvPr/>
+        </p:nvSpPr>
+        <p:spPr>
+          <a:xfrm>
+            <a:off x="268343" y="1513339"/>
+            <a:ext cx="5586357" cy="1305163"/>
+          </a:xfrm>
+          <a:prstGeom prst="rect">
+            <a:avLst/>
+          </a:prstGeom>
+          <a:noFill/>
+        </p:spPr>
+        <p:style>
+          <a:lnRef idx="1">
+            <a:schemeClr val="dk1"/>
+          </a:lnRef>
+          <a:fillRef idx="3">
+            <a:schemeClr val="dk1"/>
+          </a:fillRef>
+          <a:effectRef idx="2">
+            <a:schemeClr val="dk1"/>
+          </a:effectRef>
+          <a:fontRef idx="minor">
+            <a:schemeClr val="lt1"/>
+          </a:fontRef>
+        </p:style>
+        <p:txBody>
+          <a:bodyPr rtlCol="0" anchor="ctr"/>
+          <a:lstStyle/>
+          <a:p>
+            <a:pPr algn="ctr"/>
+            <a:endParaRPr lang="en-US" sz="1600"/>
+          </a:p>
+        </p:txBody>
+      </p:sp>
+      <p:cxnSp>
+        <p:nvCxnSpPr>
+          <p:cNvPr id="23" name="Straight Arrow Connector 22"/>
+          <p:cNvCxnSpPr/>
+          <p:nvPr/>
+        </p:nvCxnSpPr>
+        <p:spPr>
+          <a:xfrm flipH="1" flipV="1">
+            <a:off x="5727700" y="1863566"/>
+            <a:ext cx="381000" cy="32647"/>
+          </a:xfrm>
+          <a:prstGeom prst="straightConnector1">
+            <a:avLst/>
+          </a:prstGeom>
+          <a:ln>
+            <a:tailEnd type="triangle"/>
+          </a:ln>
+        </p:spPr>
+        <p:style>
+          <a:lnRef idx="2">
+            <a:schemeClr val="accent1"/>
+          </a:lnRef>
+          <a:fillRef idx="0">
+            <a:schemeClr val="accent1"/>
+          </a:fillRef>
+          <a:effectRef idx="1">
+            <a:schemeClr val="accent1"/>
+          </a:effectRef>
+          <a:fontRef idx="minor">
+            <a:schemeClr val="tx1"/>
+          </a:fontRef>
+        </p:style>
+      </p:cxnSp>
+      <p:sp>
+        <p:nvSpPr>
+          <p:cNvPr id="25" name="Rectangle 24"/>
+          <p:cNvSpPr/>
+          <p:nvPr/>
+        </p:nvSpPr>
+        <p:spPr>
+          <a:xfrm>
+            <a:off x="4350268" y="4513265"/>
+            <a:ext cx="4572000" cy="1323439"/>
+          </a:xfrm>
+          <a:prstGeom prst="rect">
+            <a:avLst/>
+          </a:prstGeom>
+          <a:ln/>
+        </p:spPr>
+        <p:style>
+          <a:lnRef idx="2">
+            <a:schemeClr val="accent1">
+              <a:shade val="50000"/>
+            </a:schemeClr>
+          </a:lnRef>
+          <a:fillRef idx="1">
+            <a:schemeClr val="accent1"/>
+          </a:fillRef>
+          <a:effectRef idx="0">
+            <a:schemeClr val="accent1"/>
+          </a:effectRef>
+          <a:fontRef idx="minor">
+            <a:schemeClr val="lt1"/>
+          </a:fontRef>
+        </p:style>
+        <p:txBody>
+          <a:bodyPr>
+            <a:spAutoFit/>
+          </a:bodyPr>
+          <a:lstStyle/>
+          <a:p>
+            <a:r>
+              <a:rPr lang="en-US" sz="1600" dirty="0" err="1" smtClean="0">
+                <a:latin typeface="+mj-lt"/>
+              </a:rPr>
+              <a:t>toy.reads.bwa.sam</a:t>
+            </a:r>
+            <a:r>
+              <a:rPr lang="en-US" sz="1600" dirty="0" smtClean="0">
+                <a:latin typeface="+mj-lt"/>
+              </a:rPr>
+              <a:t>:</a:t>
+            </a:r>
+          </a:p>
+          <a:p>
+            <a:r>
+              <a:rPr lang="en-US" sz="1600" dirty="0" smtClean="0">
+                <a:latin typeface="+mj-lt"/>
+              </a:rPr>
+              <a:t>r1</a:t>
+            </a:r>
+            <a:r>
+              <a:rPr lang="en-US" sz="1600" dirty="0">
+                <a:latin typeface="+mj-lt"/>
+              </a:rPr>
+              <a:t>	0	ref	9	60	30M	*	0	0	ACTGGGGGACTGGGGGTTTTTTTGGACTGG	~~~~~~~~~~~~~~~~~~~~~~~~~~~~~~	NM:i:0	MD:Z:30	AS:i:30XS:i:0</a:t>
+            </a:r>
           </a:p>
         </p:txBody>
       </p:sp>
@@ -17554,190 +17827,6 @@
 </file>
 
 <file path=ppt/slides/slide33.xml><?xml version="1.0" encoding="utf-8"?>
-<p:sld xmlns:a="http://schemas.openxmlformats.org/drawingml/2006/main" xmlns:r="http://schemas.openxmlformats.org/officeDocument/2006/relationships" xmlns:p="http://schemas.openxmlformats.org/presentationml/2006/main">
-  <p:cSld>
-    <p:spTree>
-      <p:nvGrpSpPr>
-        <p:cNvPr id="1" name=""/>
-        <p:cNvGrpSpPr/>
-        <p:nvPr/>
-      </p:nvGrpSpPr>
-      <p:grpSpPr>
-        <a:xfrm>
-          <a:off x="0" y="0"/>
-          <a:ext cx="0" cy="0"/>
-          <a:chOff x="0" y="0"/>
-          <a:chExt cx="0" cy="0"/>
-        </a:xfrm>
-      </p:grpSpPr>
-      <p:sp>
-        <p:nvSpPr>
-          <p:cNvPr id="2" name="Title 1"/>
-          <p:cNvSpPr>
-            <a:spLocks noGrp="1"/>
-          </p:cNvSpPr>
-          <p:nvPr>
-            <p:ph type="title"/>
-          </p:nvPr>
-        </p:nvSpPr>
-        <p:spPr/>
-        <p:txBody>
-          <a:bodyPr>
-            <a:normAutofit fontScale="90000"/>
-          </a:bodyPr>
-          <a:lstStyle/>
-          <a:p>
-            <a:r>
-              <a:rPr lang="en-US" dirty="0" smtClean="0"/>
-              <a:t>QCB Bioinformatics </a:t>
-            </a:r>
-            <a:r>
-              <a:rPr lang="en-US" dirty="0"/>
-              <a:t>Core</a:t>
-            </a:r>
-            <a:br>
-              <a:rPr lang="en-US" dirty="0"/>
-            </a:br>
-            <a:endParaRPr lang="en-US" dirty="0"/>
-          </a:p>
-        </p:txBody>
-      </p:sp>
-      <p:sp>
-        <p:nvSpPr>
-          <p:cNvPr id="3" name="Content Placeholder 2"/>
-          <p:cNvSpPr>
-            <a:spLocks noGrp="1"/>
-          </p:cNvSpPr>
-          <p:nvPr>
-            <p:ph idx="1"/>
-          </p:nvPr>
-        </p:nvSpPr>
-        <p:spPr>
-          <a:xfrm>
-            <a:off x="457200" y="1227667"/>
-            <a:ext cx="8229600" cy="4525963"/>
-          </a:xfrm>
-        </p:spPr>
-        <p:txBody>
-          <a:bodyPr/>
-          <a:lstStyle/>
-          <a:p>
-            <a:pPr marL="342900" lvl="1" indent="-342900">
-              <a:buFont typeface="Arial"/>
-              <a:buChar char="•"/>
-            </a:pPr>
-            <a:r>
-              <a:rPr lang="en-US" dirty="0"/>
-              <a:t>offers next-generation sequencing data processing and analysis service (pilot stage</a:t>
-            </a:r>
-            <a:r>
-              <a:rPr lang="en-US" dirty="0" smtClean="0"/>
-              <a:t>)</a:t>
-            </a:r>
-          </a:p>
-          <a:p>
-            <a:pPr marL="742950" lvl="2" indent="-342900"/>
-            <a:r>
-              <a:rPr lang="en-US" dirty="0"/>
-              <a:t>RNA-</a:t>
-            </a:r>
-            <a:r>
-              <a:rPr lang="en-US" dirty="0" err="1" smtClean="0"/>
-              <a:t>Seq</a:t>
-            </a:r>
-            <a:endParaRPr lang="en-US" dirty="0"/>
-          </a:p>
-          <a:p>
-            <a:endParaRPr lang="en-US" dirty="0"/>
-          </a:p>
-        </p:txBody>
-      </p:sp>
-      <p:pic>
-        <p:nvPicPr>
-          <p:cNvPr id="4" name="Picture 3"/>
-          <p:cNvPicPr>
-            <a:picLocks noChangeAspect="1"/>
-          </p:cNvPicPr>
-          <p:nvPr/>
-        </p:nvPicPr>
-        <p:blipFill>
-          <a:blip r:embed="rId2"/>
-          <a:stretch>
-            <a:fillRect/>
-          </a:stretch>
-        </p:blipFill>
-        <p:spPr>
-          <a:xfrm>
-            <a:off x="1185334" y="2827867"/>
-            <a:ext cx="6723151" cy="3415230"/>
-          </a:xfrm>
-          <a:prstGeom prst="rect">
-            <a:avLst/>
-          </a:prstGeom>
-        </p:spPr>
-      </p:pic>
-      <p:sp>
-        <p:nvSpPr>
-          <p:cNvPr id="6" name="Rectangle 5"/>
-          <p:cNvSpPr/>
-          <p:nvPr/>
-        </p:nvSpPr>
-        <p:spPr>
-          <a:xfrm>
-            <a:off x="2287911" y="6310829"/>
-            <a:ext cx="4314177" cy="369332"/>
-          </a:xfrm>
-          <a:prstGeom prst="rect">
-            <a:avLst/>
-          </a:prstGeom>
-        </p:spPr>
-        <p:txBody>
-          <a:bodyPr wrap="none">
-            <a:spAutoFit/>
-          </a:bodyPr>
-          <a:lstStyle/>
-          <a:p>
-            <a:r>
-              <a:rPr lang="en-US" dirty="0">
-                <a:hlinkClick r:id="rId3"/>
-              </a:rPr>
-              <a:t>http://qcb.ucla.edu/collaboratory/services</a:t>
-            </a:r>
-            <a:r>
-              <a:rPr lang="en-US" dirty="0" smtClean="0">
-                <a:hlinkClick r:id="rId3"/>
-              </a:rPr>
-              <a:t>/</a:t>
-            </a:r>
-            <a:r>
-              <a:rPr lang="en-US" dirty="0" smtClean="0"/>
-              <a:t> </a:t>
-            </a:r>
-            <a:endParaRPr lang="en-US" dirty="0"/>
-          </a:p>
-        </p:txBody>
-      </p:sp>
-    </p:spTree>
-    <p:extLst>
-      <p:ext uri="{BB962C8B-B14F-4D97-AF65-F5344CB8AC3E}">
-        <p14:creationId xmlns:p14="http://schemas.microsoft.com/office/powerpoint/2010/main" val="922800172"/>
-      </p:ext>
-    </p:extLst>
-  </p:cSld>
-  <p:clrMapOvr>
-    <a:masterClrMapping/>
-  </p:clrMapOvr>
-  <p:timing>
-    <p:tnLst>
-      <p:par>
-        <p:cTn id="1" dur="indefinite" restart="never" nodeType="tmRoot"/>
-      </p:par>
-    </p:tnLst>
-  </p:timing>
-</p:sld>
-</file>
-
-<file path=ppt/slides/slide34.xml><?xml version="1.0" encoding="utf-8"?>
 <p:sld xmlns:a="http://schemas.openxmlformats.org/drawingml/2006/main" xmlns:r="http://schemas.openxmlformats.org/officeDocument/2006/relationships" xmlns:p="http://schemas.openxmlformats.org/presentationml/2006/main">
   <p:cSld>
     <p:spTree>
@@ -18934,7 +19023,7 @@
 </p:sld>
 </file>
 
-<file path=ppt/slides/slide35.xml><?xml version="1.0" encoding="utf-8"?>
+<file path=ppt/slides/slide34.xml><?xml version="1.0" encoding="utf-8"?>
 <p:sld xmlns:a="http://schemas.openxmlformats.org/drawingml/2006/main" xmlns:r="http://schemas.openxmlformats.org/officeDocument/2006/relationships" xmlns:p="http://schemas.openxmlformats.org/presentationml/2006/main">
   <p:cSld>
     <p:spTree>
@@ -19883,11 +19972,18 @@
               <a:buNone/>
             </a:pPr>
             <a:r>
+              <a:rPr lang="en-US" sz="2800" dirty="0" smtClean="0">
+                <a:latin typeface="Courier New"/>
+                <a:cs typeface="Courier New"/>
+              </a:rPr>
+              <a:t>if(age&gt;21) </a:t>
+            </a:r>
+            <a:r>
               <a:rPr lang="en-US" sz="2800" dirty="0">
                 <a:latin typeface="Courier New"/>
                 <a:cs typeface="Courier New"/>
               </a:rPr>
-              <a:t>if(age&gt;18) then</a:t>
+              <a:t>then</a:t>
             </a:r>
           </a:p>
           <a:p>
@@ -20042,22 +20138,13 @@
               <a:p>
                 <a:pPr algn="ctr"/>
                 <a:r>
-                  <a:rPr lang="en-US" sz="1600" dirty="0">
-                    <a:solidFill>
-                      <a:srgbClr val="000000"/>
-                    </a:solidFill>
-                    <a:latin typeface="+mj-lt"/>
-                  </a:rPr>
-                  <a:t>a</a:t>
-                </a:r>
-                <a:r>
                   <a:rPr lang="en-US" sz="1600" dirty="0" smtClean="0">
                     <a:solidFill>
                       <a:srgbClr val="000000"/>
                     </a:solidFill>
                     <a:latin typeface="+mj-lt"/>
                   </a:rPr>
-                  <a:t>ge&gt;18</a:t>
+                  <a:t>age&gt;21</a:t>
                 </a:r>
                 <a:endParaRPr lang="en-US" sz="1600" dirty="0">
                   <a:solidFill>

--- a/workshop.slides/day3_Unix.pptx
+++ b/workshop.slides/day3_Unix.pptx
@@ -5,7 +5,7 @@
     <p:sldMasterId id="2147483648" r:id="rId1"/>
   </p:sldMasterIdLst>
   <p:notesMasterIdLst>
-    <p:notesMasterId r:id="rId36"/>
+    <p:notesMasterId r:id="rId35"/>
   </p:notesMasterIdLst>
   <p:sldIdLst>
     <p:sldId id="256" r:id="rId2"/>
@@ -40,8 +40,7 @@
     <p:sldId id="366" r:id="rId31"/>
     <p:sldId id="367" r:id="rId32"/>
     <p:sldId id="380" r:id="rId33"/>
-    <p:sldId id="381" r:id="rId34"/>
-    <p:sldId id="329" r:id="rId35"/>
+    <p:sldId id="329" r:id="rId34"/>
   </p:sldIdLst>
   <p:sldSz cx="9144000" cy="6858000" type="screen4x3"/>
   <p:notesSz cx="6858000" cy="9144000"/>
@@ -929,10 +928,9 @@
         <a:p>
           <a:pPr rtl="0"/>
           <a:r>
-            <a:rPr lang="en-US" dirty="0" smtClean="0"/>
+            <a:rPr lang="en-US" dirty="0"/>
             <a:t>file permissions</a:t>
           </a:r>
-          <a:endParaRPr lang="en-US" dirty="0"/>
         </a:p>
       </dgm:t>
     </dgm:pt>
@@ -966,7 +964,7 @@
         <a:lstStyle/>
         <a:p>
           <a:r>
-            <a:rPr lang="en-US" dirty="0" smtClean="0"/>
+            <a:rPr lang="en-US" dirty="0"/>
             <a:t>pipeline </a:t>
           </a:r>
         </a:p>
@@ -1002,11 +1000,11 @@
         <a:lstStyle/>
         <a:p>
           <a:r>
-            <a:rPr lang="en-US" dirty="0" err="1" smtClean="0"/>
+            <a:rPr lang="en-US" dirty="0" err="1"/>
             <a:t>ln</a:t>
           </a:r>
           <a:r>
-            <a:rPr lang="en-US" dirty="0" smtClean="0"/>
+            <a:rPr lang="en-US" dirty="0"/>
             <a:t> –s</a:t>
           </a:r>
         </a:p>
@@ -1042,10 +1040,10 @@
         <a:lstStyle/>
         <a:p>
           <a:r>
-            <a:rPr lang="en-US" dirty="0" err="1" smtClean="0"/>
+            <a:rPr lang="en-US" dirty="0" err="1"/>
             <a:t>grep</a:t>
           </a:r>
-          <a:endParaRPr lang="en-US" dirty="0" smtClean="0"/>
+          <a:endParaRPr lang="en-US" dirty="0"/>
         </a:p>
       </dgm:t>
     </dgm:pt>
@@ -1079,10 +1077,9 @@
         <a:lstStyle/>
         <a:p>
           <a:r>
-            <a:rPr lang="en-US" dirty="0" smtClean="0"/>
+            <a:rPr lang="en-US" dirty="0"/>
             <a:t>regex</a:t>
           </a:r>
-          <a:endParaRPr lang="en-US" dirty="0"/>
         </a:p>
       </dgm:t>
     </dgm:pt>
@@ -1117,10 +1114,9 @@
         <a:p>
           <a:pPr rtl="0"/>
           <a:r>
-            <a:rPr lang="en-US" dirty="0" smtClean="0"/>
+            <a:rPr lang="en-US" dirty="0"/>
             <a:t>cat</a:t>
           </a:r>
-          <a:endParaRPr lang="en-US" dirty="0"/>
         </a:p>
       </dgm:t>
     </dgm:pt>
@@ -1155,7 +1151,7 @@
         <a:p>
           <a:pPr rtl="0"/>
           <a:r>
-            <a:rPr lang="en-US" dirty="0" err="1" smtClean="0"/>
+            <a:rPr lang="en-US" dirty="0" err="1"/>
             <a:t>wc</a:t>
           </a:r>
           <a:endParaRPr lang="en-US" dirty="0"/>
@@ -1193,10 +1189,9 @@
         <a:p>
           <a:pPr rtl="0"/>
           <a:r>
-            <a:rPr lang="en-US" dirty="0" smtClean="0"/>
+            <a:rPr lang="en-US" dirty="0"/>
             <a:t>&gt;, &gt;&gt;, &lt;</a:t>
           </a:r>
-          <a:endParaRPr lang="en-US" dirty="0"/>
         </a:p>
       </dgm:t>
     </dgm:pt>
@@ -1230,7 +1225,7 @@
         <a:lstStyle/>
         <a:p>
           <a:r>
-            <a:rPr lang="en-US" dirty="0" err="1" smtClean="0"/>
+            <a:rPr lang="en-US" dirty="0" err="1"/>
             <a:t>sed</a:t>
           </a:r>
           <a:endParaRPr lang="en-US" dirty="0"/>
@@ -1268,13 +1263,6 @@
         </dgm:presLayoutVars>
       </dgm:prSet>
       <dgm:spPr/>
-      <dgm:t>
-        <a:bodyPr/>
-        <a:lstStyle/>
-        <a:p>
-          <a:endParaRPr lang="en-US"/>
-        </a:p>
-      </dgm:t>
     </dgm:pt>
     <dgm:pt modelId="{10E9B168-E4AC-834F-BFBD-B28B26BC4D13}" type="pres">
       <dgm:prSet presAssocID="{37CF7075-1EF3-BC42-A07E-3741A7E9C47F}" presName="thickLine" presStyleLbl="alignNode1" presStyleIdx="0" presStyleCnt="9"/>
@@ -1287,13 +1275,6 @@
     <dgm:pt modelId="{D36BB7AE-6568-ED4A-A68F-2790D28C5BE0}" type="pres">
       <dgm:prSet presAssocID="{37CF7075-1EF3-BC42-A07E-3741A7E9C47F}" presName="tx1" presStyleLbl="revTx" presStyleIdx="0" presStyleCnt="9"/>
       <dgm:spPr/>
-      <dgm:t>
-        <a:bodyPr/>
-        <a:lstStyle/>
-        <a:p>
-          <a:endParaRPr lang="en-US"/>
-        </a:p>
-      </dgm:t>
     </dgm:pt>
     <dgm:pt modelId="{5E2121C7-9A76-0747-8ADD-A7F51C7B5F50}" type="pres">
       <dgm:prSet presAssocID="{37CF7075-1EF3-BC42-A07E-3741A7E9C47F}" presName="vert1" presStyleCnt="0"/>
@@ -1310,13 +1291,6 @@
     <dgm:pt modelId="{A67AFB89-1810-BF43-AB69-2CA471296604}" type="pres">
       <dgm:prSet presAssocID="{78946580-1FCF-114A-BD3E-7B8604A9BD48}" presName="tx1" presStyleLbl="revTx" presStyleIdx="1" presStyleCnt="9"/>
       <dgm:spPr/>
-      <dgm:t>
-        <a:bodyPr/>
-        <a:lstStyle/>
-        <a:p>
-          <a:endParaRPr lang="en-US"/>
-        </a:p>
-      </dgm:t>
     </dgm:pt>
     <dgm:pt modelId="{18FF18E0-EFBA-8144-9FB6-3A36D086F1AB}" type="pres">
       <dgm:prSet presAssocID="{78946580-1FCF-114A-BD3E-7B8604A9BD48}" presName="vert1" presStyleCnt="0"/>
@@ -1333,13 +1307,6 @@
     <dgm:pt modelId="{B2571D00-29B6-9E44-90EA-7EA9702330A0}" type="pres">
       <dgm:prSet presAssocID="{C9ECBCCB-4264-3A42-8B9A-1C2C88F90124}" presName="tx1" presStyleLbl="revTx" presStyleIdx="2" presStyleCnt="9"/>
       <dgm:spPr/>
-      <dgm:t>
-        <a:bodyPr/>
-        <a:lstStyle/>
-        <a:p>
-          <a:endParaRPr lang="en-US"/>
-        </a:p>
-      </dgm:t>
     </dgm:pt>
     <dgm:pt modelId="{CB7BBF5D-DB91-0D45-9D40-3CFFC627AA15}" type="pres">
       <dgm:prSet presAssocID="{C9ECBCCB-4264-3A42-8B9A-1C2C88F90124}" presName="vert1" presStyleCnt="0"/>
@@ -1356,13 +1323,6 @@
     <dgm:pt modelId="{4F5735B5-743F-C644-A8E1-8A4494B1C18F}" type="pres">
       <dgm:prSet presAssocID="{D70455BF-5D02-6F4C-8D7D-0E2E889B656E}" presName="tx1" presStyleLbl="revTx" presStyleIdx="3" presStyleCnt="9"/>
       <dgm:spPr/>
-      <dgm:t>
-        <a:bodyPr/>
-        <a:lstStyle/>
-        <a:p>
-          <a:endParaRPr lang="en-US"/>
-        </a:p>
-      </dgm:t>
     </dgm:pt>
     <dgm:pt modelId="{5EAE8584-ADA8-434B-9109-80E04748E9EA}" type="pres">
       <dgm:prSet presAssocID="{D70455BF-5D02-6F4C-8D7D-0E2E889B656E}" presName="vert1" presStyleCnt="0"/>
@@ -1379,13 +1339,6 @@
     <dgm:pt modelId="{91DBFFCD-DD73-B04F-B508-D70D960C8F3A}" type="pres">
       <dgm:prSet presAssocID="{C48EADD8-948C-6E4F-AA98-B3E99465C3FC}" presName="tx1" presStyleLbl="revTx" presStyleIdx="4" presStyleCnt="9"/>
       <dgm:spPr/>
-      <dgm:t>
-        <a:bodyPr/>
-        <a:lstStyle/>
-        <a:p>
-          <a:endParaRPr lang="en-US"/>
-        </a:p>
-      </dgm:t>
     </dgm:pt>
     <dgm:pt modelId="{A8B6461D-1D5A-FD47-9382-7C5F1C38EFE5}" type="pres">
       <dgm:prSet presAssocID="{C48EADD8-948C-6E4F-AA98-B3E99465C3FC}" presName="vert1" presStyleCnt="0"/>
@@ -1402,13 +1355,6 @@
     <dgm:pt modelId="{CACB3579-90E0-7B4A-BA21-E97E2B9E1939}" type="pres">
       <dgm:prSet presAssocID="{C51E5145-8F00-D143-8C1C-77B2DF5819A6}" presName="tx1" presStyleLbl="revTx" presStyleIdx="5" presStyleCnt="9"/>
       <dgm:spPr/>
-      <dgm:t>
-        <a:bodyPr/>
-        <a:lstStyle/>
-        <a:p>
-          <a:endParaRPr lang="en-US"/>
-        </a:p>
-      </dgm:t>
     </dgm:pt>
     <dgm:pt modelId="{E2F65138-CB36-8544-ACBD-61C9B6D6E71D}" type="pres">
       <dgm:prSet presAssocID="{C51E5145-8F00-D143-8C1C-77B2DF5819A6}" presName="vert1" presStyleCnt="0"/>
@@ -1425,13 +1371,6 @@
     <dgm:pt modelId="{30CFA153-AD59-F048-9FDF-18C01ACBF02E}" type="pres">
       <dgm:prSet presAssocID="{AB2CEF0D-A9A7-2A44-9F0C-C13197E2AEDD}" presName="tx1" presStyleLbl="revTx" presStyleIdx="6" presStyleCnt="9"/>
       <dgm:spPr/>
-      <dgm:t>
-        <a:bodyPr/>
-        <a:lstStyle/>
-        <a:p>
-          <a:endParaRPr lang="en-US"/>
-        </a:p>
-      </dgm:t>
     </dgm:pt>
     <dgm:pt modelId="{7FFEB5F8-AAE2-E24D-85CD-32220222B0D8}" type="pres">
       <dgm:prSet presAssocID="{AB2CEF0D-A9A7-2A44-9F0C-C13197E2AEDD}" presName="vert1" presStyleCnt="0"/>
@@ -1448,13 +1387,6 @@
     <dgm:pt modelId="{E304CD70-296A-934C-AEB8-FBED6DDB2D35}" type="pres">
       <dgm:prSet presAssocID="{236E1119-36B2-DD4E-881B-91BE11F55A0F}" presName="tx1" presStyleLbl="revTx" presStyleIdx="7" presStyleCnt="9"/>
       <dgm:spPr/>
-      <dgm:t>
-        <a:bodyPr/>
-        <a:lstStyle/>
-        <a:p>
-          <a:endParaRPr lang="en-US"/>
-        </a:p>
-      </dgm:t>
     </dgm:pt>
     <dgm:pt modelId="{9B1872B3-C70D-E44B-A814-4BD92D9539C7}" type="pres">
       <dgm:prSet presAssocID="{236E1119-36B2-DD4E-881B-91BE11F55A0F}" presName="vert1" presStyleCnt="0"/>
@@ -1471,13 +1403,6 @@
     <dgm:pt modelId="{841BF130-FEFE-0147-99CF-09C76DFD717C}" type="pres">
       <dgm:prSet presAssocID="{D245951A-B526-934D-B05B-4B0CEC469B9E}" presName="tx1" presStyleLbl="revTx" presStyleIdx="8" presStyleCnt="9"/>
       <dgm:spPr/>
-      <dgm:t>
-        <a:bodyPr/>
-        <a:lstStyle/>
-        <a:p>
-          <a:endParaRPr lang="en-US"/>
-        </a:p>
-      </dgm:t>
     </dgm:pt>
     <dgm:pt modelId="{9DB2A294-1782-6244-97DC-99272127C913}" type="pres">
       <dgm:prSet presAssocID="{D245951A-B526-934D-B05B-4B0CEC469B9E}" presName="vert1" presStyleCnt="0"/>
@@ -1485,25 +1410,25 @@
     </dgm:pt>
   </dgm:ptLst>
   <dgm:cxnLst>
+    <dgm:cxn modelId="{F5C58901-0F19-9145-9CCD-9A4FD6DF86DB}" type="presOf" srcId="{C51E5145-8F00-D143-8C1C-77B2DF5819A6}" destId="{CACB3579-90E0-7B4A-BA21-E97E2B9E1939}" srcOrd="0" destOrd="0" presId="urn:microsoft.com/office/officeart/2008/layout/LinedList"/>
+    <dgm:cxn modelId="{EA81DA07-8E6B-D04E-86BF-515ECC437F08}" srcId="{1A597072-CC0F-6649-9D56-0D51FEB59D91}" destId="{D245951A-B526-934D-B05B-4B0CEC469B9E}" srcOrd="8" destOrd="0" parTransId="{DBBFEC2F-5155-AF4B-B2E3-AB4BD0B08CD1}" sibTransId="{492DCA6B-5D81-2C43-B022-C5BE93EE261D}"/>
+    <dgm:cxn modelId="{CED8490B-3705-4C4B-882C-BDA021BE59D4}" srcId="{1A597072-CC0F-6649-9D56-0D51FEB59D91}" destId="{AB2CEF0D-A9A7-2A44-9F0C-C13197E2AEDD}" srcOrd="6" destOrd="0" parTransId="{C097E9CC-0CB2-4D49-9285-F70E3A2CFA5E}" sibTransId="{43102ECF-9365-F94D-9616-95121103552E}"/>
+    <dgm:cxn modelId="{265E9B1E-9FF8-E34D-9FB9-B4B8339F9167}" type="presOf" srcId="{AB2CEF0D-A9A7-2A44-9F0C-C13197E2AEDD}" destId="{30CFA153-AD59-F048-9FDF-18C01ACBF02E}" srcOrd="0" destOrd="0" presId="urn:microsoft.com/office/officeart/2008/layout/LinedList"/>
+    <dgm:cxn modelId="{EEA70E24-DB4B-4C45-B34F-B02CAD9767B6}" type="presOf" srcId="{C48EADD8-948C-6E4F-AA98-B3E99465C3FC}" destId="{91DBFFCD-DD73-B04F-B508-D70D960C8F3A}" srcOrd="0" destOrd="0" presId="urn:microsoft.com/office/officeart/2008/layout/LinedList"/>
+    <dgm:cxn modelId="{66169D25-5138-2D43-97C5-BFB4C2877A04}" srcId="{1A597072-CC0F-6649-9D56-0D51FEB59D91}" destId="{236E1119-36B2-DD4E-881B-91BE11F55A0F}" srcOrd="7" destOrd="0" parTransId="{01D3690E-D8D2-AB42-936B-648DDC6DB7DB}" sibTransId="{EC2F6947-B60D-FE46-89F9-59E7ACF3D37F}"/>
+    <dgm:cxn modelId="{911FEE2D-B4C4-FE46-83C1-F914A232F681}" type="presOf" srcId="{D245951A-B526-934D-B05B-4B0CEC469B9E}" destId="{841BF130-FEFE-0147-99CF-09C76DFD717C}" srcOrd="0" destOrd="0" presId="urn:microsoft.com/office/officeart/2008/layout/LinedList"/>
+    <dgm:cxn modelId="{3A01F536-4A38-3C4F-9836-E62B78D1347B}" type="presOf" srcId="{C9ECBCCB-4264-3A42-8B9A-1C2C88F90124}" destId="{B2571D00-29B6-9E44-90EA-7EA9702330A0}" srcOrd="0" destOrd="0" presId="urn:microsoft.com/office/officeart/2008/layout/LinedList"/>
     <dgm:cxn modelId="{B23F0544-AEFC-BF42-B977-F0F6C8B0B86E}" type="presOf" srcId="{37CF7075-1EF3-BC42-A07E-3741A7E9C47F}" destId="{D36BB7AE-6568-ED4A-A68F-2790D28C5BE0}" srcOrd="0" destOrd="0" presId="urn:microsoft.com/office/officeart/2008/layout/LinedList"/>
+    <dgm:cxn modelId="{A4B1C454-CE9E-7A42-A0E7-6B6A48D47A0A}" type="presOf" srcId="{78946580-1FCF-114A-BD3E-7B8604A9BD48}" destId="{A67AFB89-1810-BF43-AB69-2CA471296604}" srcOrd="0" destOrd="0" presId="urn:microsoft.com/office/officeart/2008/layout/LinedList"/>
     <dgm:cxn modelId="{03E24369-97C4-054E-BD5F-414B9041BF83}" srcId="{1A597072-CC0F-6649-9D56-0D51FEB59D91}" destId="{D70455BF-5D02-6F4C-8D7D-0E2E889B656E}" srcOrd="3" destOrd="0" parTransId="{7EC56701-D0C8-964A-A43A-96E217E6BEFC}" sibTransId="{D5F4C953-DDF2-D645-A60B-9E0264D71458}"/>
+    <dgm:cxn modelId="{49F1DF6F-5A3C-984D-8476-A63EE15B5163}" srcId="{1A597072-CC0F-6649-9D56-0D51FEB59D91}" destId="{37CF7075-1EF3-BC42-A07E-3741A7E9C47F}" srcOrd="0" destOrd="0" parTransId="{E3EAA94D-CEA6-E24D-87A8-24EB9D935B5B}" sibTransId="{69E9023B-BB38-B641-B90F-6C66052489F9}"/>
+    <dgm:cxn modelId="{10F4D77D-7CC4-F044-873A-CEF48898E1F8}" type="presOf" srcId="{1A597072-CC0F-6649-9D56-0D51FEB59D91}" destId="{0FD18EFD-B8D9-814C-96B8-7FD55C8185F6}" srcOrd="0" destOrd="0" presId="urn:microsoft.com/office/officeart/2008/layout/LinedList"/>
     <dgm:cxn modelId="{6DB48BAD-6F0C-B341-9B73-8987816D40D4}" srcId="{1A597072-CC0F-6649-9D56-0D51FEB59D91}" destId="{78946580-1FCF-114A-BD3E-7B8604A9BD48}" srcOrd="1" destOrd="0" parTransId="{99B0D5D4-C261-D64B-9CAB-8BFC399F432B}" sibTransId="{10D5B77E-2A4D-7B46-B6A9-E5C12DC50FDB}"/>
-    <dgm:cxn modelId="{265E9B1E-9FF8-E34D-9FB9-B4B8339F9167}" type="presOf" srcId="{AB2CEF0D-A9A7-2A44-9F0C-C13197E2AEDD}" destId="{30CFA153-AD59-F048-9FDF-18C01ACBF02E}" srcOrd="0" destOrd="0" presId="urn:microsoft.com/office/officeart/2008/layout/LinedList"/>
-    <dgm:cxn modelId="{A4B1C454-CE9E-7A42-A0E7-6B6A48D47A0A}" type="presOf" srcId="{78946580-1FCF-114A-BD3E-7B8604A9BD48}" destId="{A67AFB89-1810-BF43-AB69-2CA471296604}" srcOrd="0" destOrd="0" presId="urn:microsoft.com/office/officeart/2008/layout/LinedList"/>
-    <dgm:cxn modelId="{10F4D77D-7CC4-F044-873A-CEF48898E1F8}" type="presOf" srcId="{1A597072-CC0F-6649-9D56-0D51FEB59D91}" destId="{0FD18EFD-B8D9-814C-96B8-7FD55C8185F6}" srcOrd="0" destOrd="0" presId="urn:microsoft.com/office/officeart/2008/layout/LinedList"/>
-    <dgm:cxn modelId="{49F1DF6F-5A3C-984D-8476-A63EE15B5163}" srcId="{1A597072-CC0F-6649-9D56-0D51FEB59D91}" destId="{37CF7075-1EF3-BC42-A07E-3741A7E9C47F}" srcOrd="0" destOrd="0" parTransId="{E3EAA94D-CEA6-E24D-87A8-24EB9D935B5B}" sibTransId="{69E9023B-BB38-B641-B90F-6C66052489F9}"/>
-    <dgm:cxn modelId="{F5C58901-0F19-9145-9CCD-9A4FD6DF86DB}" type="presOf" srcId="{C51E5145-8F00-D143-8C1C-77B2DF5819A6}" destId="{CACB3579-90E0-7B4A-BA21-E97E2B9E1939}" srcOrd="0" destOrd="0" presId="urn:microsoft.com/office/officeart/2008/layout/LinedList"/>
-    <dgm:cxn modelId="{EEA70E24-DB4B-4C45-B34F-B02CAD9767B6}" type="presOf" srcId="{C48EADD8-948C-6E4F-AA98-B3E99465C3FC}" destId="{91DBFFCD-DD73-B04F-B508-D70D960C8F3A}" srcOrd="0" destOrd="0" presId="urn:microsoft.com/office/officeart/2008/layout/LinedList"/>
-    <dgm:cxn modelId="{911FEE2D-B4C4-FE46-83C1-F914A232F681}" type="presOf" srcId="{D245951A-B526-934D-B05B-4B0CEC469B9E}" destId="{841BF130-FEFE-0147-99CF-09C76DFD717C}" srcOrd="0" destOrd="0" presId="urn:microsoft.com/office/officeart/2008/layout/LinedList"/>
+    <dgm:cxn modelId="{EB5CB6B4-EC27-9747-A058-3757D4784696}" type="presOf" srcId="{236E1119-36B2-DD4E-881B-91BE11F55A0F}" destId="{E304CD70-296A-934C-AEB8-FBED6DDB2D35}" srcOrd="0" destOrd="0" presId="urn:microsoft.com/office/officeart/2008/layout/LinedList"/>
     <dgm:cxn modelId="{1DF696B9-C1FA-8941-BAA5-572E9EA9FE4C}" srcId="{1A597072-CC0F-6649-9D56-0D51FEB59D91}" destId="{C9ECBCCB-4264-3A42-8B9A-1C2C88F90124}" srcOrd="2" destOrd="0" parTransId="{379E6362-0EB6-3043-89E6-F4A4A92F553E}" sibTransId="{D90D1B3B-5ED2-FD46-B98C-CE20ACF39D3E}"/>
-    <dgm:cxn modelId="{3A01F536-4A38-3C4F-9836-E62B78D1347B}" type="presOf" srcId="{C9ECBCCB-4264-3A42-8B9A-1C2C88F90124}" destId="{B2571D00-29B6-9E44-90EA-7EA9702330A0}" srcOrd="0" destOrd="0" presId="urn:microsoft.com/office/officeart/2008/layout/LinedList"/>
     <dgm:cxn modelId="{467D80BB-FDE5-C94B-A25D-12DEA23536C4}" srcId="{1A597072-CC0F-6649-9D56-0D51FEB59D91}" destId="{C48EADD8-948C-6E4F-AA98-B3E99465C3FC}" srcOrd="4" destOrd="0" parTransId="{78AE7A2F-6BBC-3043-A7D5-3A6572216F6A}" sibTransId="{E1F071A2-AA66-1443-A28D-E55A4C42D3E1}"/>
-    <dgm:cxn modelId="{EB5CB6B4-EC27-9747-A058-3757D4784696}" type="presOf" srcId="{236E1119-36B2-DD4E-881B-91BE11F55A0F}" destId="{E304CD70-296A-934C-AEB8-FBED6DDB2D35}" srcOrd="0" destOrd="0" presId="urn:microsoft.com/office/officeart/2008/layout/LinedList"/>
+    <dgm:cxn modelId="{B4E674C3-3465-E04B-BDE1-B675F1B07F29}" type="presOf" srcId="{D70455BF-5D02-6F4C-8D7D-0E2E889B656E}" destId="{4F5735B5-743F-C644-A8E1-8A4494B1C18F}" srcOrd="0" destOrd="0" presId="urn:microsoft.com/office/officeart/2008/layout/LinedList"/>
     <dgm:cxn modelId="{52A946DC-967A-3546-B365-30267E0F1AA0}" srcId="{1A597072-CC0F-6649-9D56-0D51FEB59D91}" destId="{C51E5145-8F00-D143-8C1C-77B2DF5819A6}" srcOrd="5" destOrd="0" parTransId="{3EFE307E-0E8A-D846-82BC-7E64E449E620}" sibTransId="{03775751-D43A-9F43-8240-76486401D708}"/>
-    <dgm:cxn modelId="{EA81DA07-8E6B-D04E-86BF-515ECC437F08}" srcId="{1A597072-CC0F-6649-9D56-0D51FEB59D91}" destId="{D245951A-B526-934D-B05B-4B0CEC469B9E}" srcOrd="8" destOrd="0" parTransId="{DBBFEC2F-5155-AF4B-B2E3-AB4BD0B08CD1}" sibTransId="{492DCA6B-5D81-2C43-B022-C5BE93EE261D}"/>
-    <dgm:cxn modelId="{B4E674C3-3465-E04B-BDE1-B675F1B07F29}" type="presOf" srcId="{D70455BF-5D02-6F4C-8D7D-0E2E889B656E}" destId="{4F5735B5-743F-C644-A8E1-8A4494B1C18F}" srcOrd="0" destOrd="0" presId="urn:microsoft.com/office/officeart/2008/layout/LinedList"/>
-    <dgm:cxn modelId="{CED8490B-3705-4C4B-882C-BDA021BE59D4}" srcId="{1A597072-CC0F-6649-9D56-0D51FEB59D91}" destId="{AB2CEF0D-A9A7-2A44-9F0C-C13197E2AEDD}" srcOrd="6" destOrd="0" parTransId="{C097E9CC-0CB2-4D49-9285-F70E3A2CFA5E}" sibTransId="{43102ECF-9365-F94D-9616-95121103552E}"/>
-    <dgm:cxn modelId="{66169D25-5138-2D43-97C5-BFB4C2877A04}" srcId="{1A597072-CC0F-6649-9D56-0D51FEB59D91}" destId="{236E1119-36B2-DD4E-881B-91BE11F55A0F}" srcOrd="7" destOrd="0" parTransId="{01D3690E-D8D2-AB42-936B-648DDC6DB7DB}" sibTransId="{EC2F6947-B60D-FE46-89F9-59E7ACF3D37F}"/>
     <dgm:cxn modelId="{7DE144D2-B049-2A45-8BBE-7E38A9B2AE2B}" type="presParOf" srcId="{0FD18EFD-B8D9-814C-96B8-7FD55C8185F6}" destId="{10E9B168-E4AC-834F-BFBD-B28B26BC4D13}" srcOrd="0" destOrd="0" presId="urn:microsoft.com/office/officeart/2008/layout/LinedList"/>
     <dgm:cxn modelId="{796B6854-C952-874C-9137-48386193F4DB}" type="presParOf" srcId="{0FD18EFD-B8D9-814C-96B8-7FD55C8185F6}" destId="{F644EE00-9615-F34D-9546-B77FA3FA66CF}" srcOrd="1" destOrd="0" presId="urn:microsoft.com/office/officeart/2008/layout/LinedList"/>
     <dgm:cxn modelId="{05ACFC47-3F73-CF45-8D28-465668EF58EA}" type="presParOf" srcId="{F644EE00-9615-F34D-9546-B77FA3FA66CF}" destId="{D36BB7AE-6568-ED4A-A68F-2790D28C5BE0}" srcOrd="0" destOrd="0" presId="urn:microsoft.com/office/officeart/2008/layout/LinedList"/>
@@ -1670,7 +1595,7 @@
         </a:bodyPr>
         <a:lstStyle/>
         <a:p>
-          <a:pPr lvl="0" algn="l" defTabSz="1022350" rtl="0">
+          <a:pPr marL="0" lvl="0" indent="0" algn="l" defTabSz="1022350" rtl="0">
             <a:lnSpc>
               <a:spcPct val="90000"/>
             </a:lnSpc>
@@ -1680,12 +1605,12 @@
             <a:spcAft>
               <a:spcPct val="35000"/>
             </a:spcAft>
+            <a:buNone/>
           </a:pPr>
           <a:r>
-            <a:rPr lang="en-US" sz="2300" kern="1200" dirty="0" smtClean="0"/>
+            <a:rPr lang="en-US" sz="2300" kern="1200" dirty="0"/>
             <a:t>file permissions</a:t>
           </a:r>
-          <a:endParaRPr lang="en-US" sz="2300" kern="1200" dirty="0"/>
         </a:p>
       </dsp:txBody>
       <dsp:txXfrm>
@@ -1804,7 +1729,7 @@
         </a:bodyPr>
         <a:lstStyle/>
         <a:p>
-          <a:pPr lvl="0" algn="l" defTabSz="1022350" rtl="0">
+          <a:pPr marL="0" lvl="0" indent="0" algn="l" defTabSz="1022350" rtl="0">
             <a:lnSpc>
               <a:spcPct val="90000"/>
             </a:lnSpc>
@@ -1814,12 +1739,12 @@
             <a:spcAft>
               <a:spcPct val="35000"/>
             </a:spcAft>
+            <a:buNone/>
           </a:pPr>
           <a:r>
-            <a:rPr lang="en-US" sz="2300" kern="1200" dirty="0" smtClean="0"/>
+            <a:rPr lang="en-US" sz="2300" kern="1200" dirty="0"/>
             <a:t>cat</a:t>
           </a:r>
-          <a:endParaRPr lang="en-US" sz="2300" kern="1200" dirty="0"/>
         </a:p>
       </dsp:txBody>
       <dsp:txXfrm>
@@ -1938,7 +1863,7 @@
         </a:bodyPr>
         <a:lstStyle/>
         <a:p>
-          <a:pPr lvl="0" algn="l" defTabSz="1022350" rtl="0">
+          <a:pPr marL="0" lvl="0" indent="0" algn="l" defTabSz="1022350" rtl="0">
             <a:lnSpc>
               <a:spcPct val="90000"/>
             </a:lnSpc>
@@ -1948,9 +1873,10 @@
             <a:spcAft>
               <a:spcPct val="35000"/>
             </a:spcAft>
+            <a:buNone/>
           </a:pPr>
           <a:r>
-            <a:rPr lang="en-US" sz="2300" kern="1200" dirty="0" err="1" smtClean="0"/>
+            <a:rPr lang="en-US" sz="2300" kern="1200" dirty="0" err="1"/>
             <a:t>wc</a:t>
           </a:r>
           <a:endParaRPr lang="en-US" sz="2300" kern="1200" dirty="0"/>
@@ -2072,7 +1998,7 @@
         </a:bodyPr>
         <a:lstStyle/>
         <a:p>
-          <a:pPr lvl="0" algn="l" defTabSz="1022350" rtl="0">
+          <a:pPr marL="0" lvl="0" indent="0" algn="l" defTabSz="1022350" rtl="0">
             <a:lnSpc>
               <a:spcPct val="90000"/>
             </a:lnSpc>
@@ -2082,12 +2008,12 @@
             <a:spcAft>
               <a:spcPct val="35000"/>
             </a:spcAft>
+            <a:buNone/>
           </a:pPr>
           <a:r>
-            <a:rPr lang="en-US" sz="2300" kern="1200" dirty="0" smtClean="0"/>
+            <a:rPr lang="en-US" sz="2300" kern="1200" dirty="0"/>
             <a:t>&gt;, &gt;&gt;, &lt;</a:t>
           </a:r>
-          <a:endParaRPr lang="en-US" sz="2300" kern="1200" dirty="0"/>
         </a:p>
       </dsp:txBody>
       <dsp:txXfrm>
@@ -2206,7 +2132,7 @@
         </a:bodyPr>
         <a:lstStyle/>
         <a:p>
-          <a:pPr lvl="0" algn="l" defTabSz="1022350">
+          <a:pPr marL="0" lvl="0" indent="0" algn="l" defTabSz="1022350">
             <a:lnSpc>
               <a:spcPct val="90000"/>
             </a:lnSpc>
@@ -2216,9 +2142,10 @@
             <a:spcAft>
               <a:spcPct val="35000"/>
             </a:spcAft>
+            <a:buNone/>
           </a:pPr>
           <a:r>
-            <a:rPr lang="en-US" sz="2300" kern="1200" dirty="0" smtClean="0"/>
+            <a:rPr lang="en-US" sz="2300" kern="1200" dirty="0"/>
             <a:t>pipeline </a:t>
           </a:r>
         </a:p>
@@ -2339,7 +2266,7 @@
         </a:bodyPr>
         <a:lstStyle/>
         <a:p>
-          <a:pPr lvl="0" algn="l" defTabSz="1022350">
+          <a:pPr marL="0" lvl="0" indent="0" algn="l" defTabSz="1022350">
             <a:lnSpc>
               <a:spcPct val="90000"/>
             </a:lnSpc>
@@ -2349,13 +2276,14 @@
             <a:spcAft>
               <a:spcPct val="35000"/>
             </a:spcAft>
+            <a:buNone/>
           </a:pPr>
           <a:r>
-            <a:rPr lang="en-US" sz="2300" kern="1200" dirty="0" err="1" smtClean="0"/>
+            <a:rPr lang="en-US" sz="2300" kern="1200" dirty="0" err="1"/>
             <a:t>ln</a:t>
           </a:r>
           <a:r>
-            <a:rPr lang="en-US" sz="2300" kern="1200" dirty="0" smtClean="0"/>
+            <a:rPr lang="en-US" sz="2300" kern="1200" dirty="0"/>
             <a:t> –s</a:t>
           </a:r>
         </a:p>
@@ -2476,7 +2404,7 @@
         </a:bodyPr>
         <a:lstStyle/>
         <a:p>
-          <a:pPr lvl="0" algn="l" defTabSz="1022350">
+          <a:pPr marL="0" lvl="0" indent="0" algn="l" defTabSz="1022350">
             <a:lnSpc>
               <a:spcPct val="90000"/>
             </a:lnSpc>
@@ -2486,12 +2414,13 @@
             <a:spcAft>
               <a:spcPct val="35000"/>
             </a:spcAft>
+            <a:buNone/>
           </a:pPr>
           <a:r>
-            <a:rPr lang="en-US" sz="2300" kern="1200" dirty="0" err="1" smtClean="0"/>
+            <a:rPr lang="en-US" sz="2300" kern="1200" dirty="0" err="1"/>
             <a:t>grep</a:t>
           </a:r>
-          <a:endParaRPr lang="en-US" sz="2300" kern="1200" dirty="0" smtClean="0"/>
+          <a:endParaRPr lang="en-US" sz="2300" kern="1200" dirty="0"/>
         </a:p>
       </dsp:txBody>
       <dsp:txXfrm>
@@ -2610,7 +2539,7 @@
         </a:bodyPr>
         <a:lstStyle/>
         <a:p>
-          <a:pPr lvl="0" algn="l" defTabSz="1022350">
+          <a:pPr marL="0" lvl="0" indent="0" algn="l" defTabSz="1022350">
             <a:lnSpc>
               <a:spcPct val="90000"/>
             </a:lnSpc>
@@ -2620,12 +2549,12 @@
             <a:spcAft>
               <a:spcPct val="35000"/>
             </a:spcAft>
+            <a:buNone/>
           </a:pPr>
           <a:r>
-            <a:rPr lang="en-US" sz="2300" kern="1200" dirty="0" smtClean="0"/>
+            <a:rPr lang="en-US" sz="2300" kern="1200" dirty="0"/>
             <a:t>regex</a:t>
           </a:r>
-          <a:endParaRPr lang="en-US" sz="2300" kern="1200" dirty="0"/>
         </a:p>
       </dsp:txBody>
       <dsp:txXfrm>
@@ -2744,7 +2673,7 @@
         </a:bodyPr>
         <a:lstStyle/>
         <a:p>
-          <a:pPr lvl="0" algn="l" defTabSz="1022350">
+          <a:pPr marL="0" lvl="0" indent="0" algn="l" defTabSz="1022350">
             <a:lnSpc>
               <a:spcPct val="90000"/>
             </a:lnSpc>
@@ -2754,9 +2683,10 @@
             <a:spcAft>
               <a:spcPct val="35000"/>
             </a:spcAft>
+            <a:buNone/>
           </a:pPr>
           <a:r>
-            <a:rPr lang="en-US" sz="2300" kern="1200" dirty="0" err="1" smtClean="0"/>
+            <a:rPr lang="en-US" sz="2300" kern="1200" dirty="0" err="1"/>
             <a:t>sed</a:t>
           </a:r>
           <a:endParaRPr lang="en-US" sz="2300" kern="1200" dirty="0"/>
@@ -4353,7 +4283,7 @@
           <a:p>
             <a:fld id="{70F679AF-909A-4245-86E7-698F41E2ACF1}" type="datetimeFigureOut">
               <a:rPr lang="en-US" smtClean="0"/>
-              <a:t>6/29/18</a:t>
+              <a:t>4/4/19</a:t>
             </a:fld>
             <a:endParaRPr lang="en-US"/>
           </a:p>
@@ -4417,38 +4347,37 @@
           <a:p>
             <a:pPr lvl="0"/>
             <a:r>
-              <a:rPr lang="en-US" smtClean="0"/>
+              <a:rPr lang="en-US"/>
               <a:t>Click to edit Master text styles</a:t>
             </a:r>
           </a:p>
           <a:p>
             <a:pPr lvl="1"/>
             <a:r>
-              <a:rPr lang="en-US" smtClean="0"/>
+              <a:rPr lang="en-US"/>
               <a:t>Second level</a:t>
             </a:r>
           </a:p>
           <a:p>
             <a:pPr lvl="2"/>
             <a:r>
-              <a:rPr lang="en-US" smtClean="0"/>
+              <a:rPr lang="en-US"/>
               <a:t>Third level</a:t>
             </a:r>
           </a:p>
           <a:p>
             <a:pPr lvl="3"/>
             <a:r>
-              <a:rPr lang="en-US" smtClean="0"/>
+              <a:rPr lang="en-US"/>
               <a:t>Fourth level</a:t>
             </a:r>
           </a:p>
           <a:p>
             <a:pPr lvl="4"/>
             <a:r>
-              <a:rPr lang="en-US" smtClean="0"/>
+              <a:rPr lang="en-US"/>
               <a:t>Fifth level</a:t>
             </a:r>
-            <a:endParaRPr lang="en-US"/>
           </a:p>
         </p:txBody>
       </p:sp>
@@ -4827,10 +4756,9 @@
           <a:lstStyle/>
           <a:p>
             <a:r>
-              <a:rPr lang="en-US" smtClean="0"/>
+              <a:rPr lang="en-US"/>
               <a:t>Click to edit Master title style</a:t>
             </a:r>
-            <a:endParaRPr lang="en-US"/>
           </a:p>
         </p:txBody>
       </p:sp>
@@ -4946,10 +4874,9 @@
           </a:lstStyle>
           <a:p>
             <a:r>
-              <a:rPr lang="en-US" smtClean="0"/>
+              <a:rPr lang="en-US"/>
               <a:t>Click to edit Master subtitle style</a:t>
             </a:r>
-            <a:endParaRPr lang="en-US"/>
           </a:p>
         </p:txBody>
       </p:sp>
@@ -4970,7 +4897,7 @@
           <a:p>
             <a:fld id="{5156F65C-B851-CC4D-9273-9AD4DD6B8802}" type="datetimeFigureOut">
               <a:rPr lang="en-US" smtClean="0"/>
-              <a:t>6/29/18</a:t>
+              <a:t>4/4/19</a:t>
             </a:fld>
             <a:endParaRPr lang="en-US"/>
           </a:p>
@@ -5064,10 +4991,9 @@
           <a:lstStyle/>
           <a:p>
             <a:r>
-              <a:rPr lang="en-US" smtClean="0"/>
+              <a:rPr lang="en-US"/>
               <a:t>Click to edit Master title style</a:t>
             </a:r>
-            <a:endParaRPr lang="en-US"/>
           </a:p>
         </p:txBody>
       </p:sp>
@@ -5088,38 +5014,37 @@
           <a:p>
             <a:pPr lvl="0"/>
             <a:r>
-              <a:rPr lang="en-US" smtClean="0"/>
+              <a:rPr lang="en-US"/>
               <a:t>Click to edit Master text styles</a:t>
             </a:r>
           </a:p>
           <a:p>
             <a:pPr lvl="1"/>
             <a:r>
-              <a:rPr lang="en-US" smtClean="0"/>
+              <a:rPr lang="en-US"/>
               <a:t>Second level</a:t>
             </a:r>
           </a:p>
           <a:p>
             <a:pPr lvl="2"/>
             <a:r>
-              <a:rPr lang="en-US" smtClean="0"/>
+              <a:rPr lang="en-US"/>
               <a:t>Third level</a:t>
             </a:r>
           </a:p>
           <a:p>
             <a:pPr lvl="3"/>
             <a:r>
-              <a:rPr lang="en-US" smtClean="0"/>
+              <a:rPr lang="en-US"/>
               <a:t>Fourth level</a:t>
             </a:r>
           </a:p>
           <a:p>
             <a:pPr lvl="4"/>
             <a:r>
-              <a:rPr lang="en-US" smtClean="0"/>
+              <a:rPr lang="en-US"/>
               <a:t>Fifth level</a:t>
             </a:r>
-            <a:endParaRPr lang="en-US"/>
           </a:p>
         </p:txBody>
       </p:sp>
@@ -5140,7 +5065,7 @@
           <a:p>
             <a:fld id="{5156F65C-B851-CC4D-9273-9AD4DD6B8802}" type="datetimeFigureOut">
               <a:rPr lang="en-US" smtClean="0"/>
-              <a:t>6/29/18</a:t>
+              <a:t>4/4/19</a:t>
             </a:fld>
             <a:endParaRPr lang="en-US"/>
           </a:p>
@@ -5239,10 +5164,9 @@
           <a:lstStyle/>
           <a:p>
             <a:r>
-              <a:rPr lang="en-US" smtClean="0"/>
+              <a:rPr lang="en-US"/>
               <a:t>Click to edit Master title style</a:t>
             </a:r>
-            <a:endParaRPr lang="en-US"/>
           </a:p>
         </p:txBody>
       </p:sp>
@@ -5268,38 +5192,37 @@
           <a:p>
             <a:pPr lvl="0"/>
             <a:r>
-              <a:rPr lang="en-US" smtClean="0"/>
+              <a:rPr lang="en-US"/>
               <a:t>Click to edit Master text styles</a:t>
             </a:r>
           </a:p>
           <a:p>
             <a:pPr lvl="1"/>
             <a:r>
-              <a:rPr lang="en-US" smtClean="0"/>
+              <a:rPr lang="en-US"/>
               <a:t>Second level</a:t>
             </a:r>
           </a:p>
           <a:p>
             <a:pPr lvl="2"/>
             <a:r>
-              <a:rPr lang="en-US" smtClean="0"/>
+              <a:rPr lang="en-US"/>
               <a:t>Third level</a:t>
             </a:r>
           </a:p>
           <a:p>
             <a:pPr lvl="3"/>
             <a:r>
-              <a:rPr lang="en-US" smtClean="0"/>
+              <a:rPr lang="en-US"/>
               <a:t>Fourth level</a:t>
             </a:r>
           </a:p>
           <a:p>
             <a:pPr lvl="4"/>
             <a:r>
-              <a:rPr lang="en-US" smtClean="0"/>
+              <a:rPr lang="en-US"/>
               <a:t>Fifth level</a:t>
             </a:r>
-            <a:endParaRPr lang="en-US"/>
           </a:p>
         </p:txBody>
       </p:sp>
@@ -5320,7 +5243,7 @@
           <a:p>
             <a:fld id="{5156F65C-B851-CC4D-9273-9AD4DD6B8802}" type="datetimeFigureOut">
               <a:rPr lang="en-US" smtClean="0"/>
-              <a:t>6/29/18</a:t>
+              <a:t>4/4/19</a:t>
             </a:fld>
             <a:endParaRPr lang="en-US"/>
           </a:p>
@@ -5414,10 +5337,9 @@
           <a:lstStyle/>
           <a:p>
             <a:r>
-              <a:rPr lang="en-US" smtClean="0"/>
+              <a:rPr lang="en-US"/>
               <a:t>Click to edit Master title style</a:t>
             </a:r>
-            <a:endParaRPr lang="en-US"/>
           </a:p>
         </p:txBody>
       </p:sp>
@@ -5438,38 +5360,37 @@
           <a:p>
             <a:pPr lvl="0"/>
             <a:r>
-              <a:rPr lang="en-US" smtClean="0"/>
+              <a:rPr lang="en-US"/>
               <a:t>Click to edit Master text styles</a:t>
             </a:r>
           </a:p>
           <a:p>
             <a:pPr lvl="1"/>
             <a:r>
-              <a:rPr lang="en-US" smtClean="0"/>
+              <a:rPr lang="en-US"/>
               <a:t>Second level</a:t>
             </a:r>
           </a:p>
           <a:p>
             <a:pPr lvl="2"/>
             <a:r>
-              <a:rPr lang="en-US" smtClean="0"/>
+              <a:rPr lang="en-US"/>
               <a:t>Third level</a:t>
             </a:r>
           </a:p>
           <a:p>
             <a:pPr lvl="3"/>
             <a:r>
-              <a:rPr lang="en-US" smtClean="0"/>
+              <a:rPr lang="en-US"/>
               <a:t>Fourth level</a:t>
             </a:r>
           </a:p>
           <a:p>
             <a:pPr lvl="4"/>
             <a:r>
-              <a:rPr lang="en-US" smtClean="0"/>
+              <a:rPr lang="en-US"/>
               <a:t>Fifth level</a:t>
             </a:r>
-            <a:endParaRPr lang="en-US"/>
           </a:p>
         </p:txBody>
       </p:sp>
@@ -5490,7 +5411,7 @@
           <a:p>
             <a:fld id="{5156F65C-B851-CC4D-9273-9AD4DD6B8802}" type="datetimeFigureOut">
               <a:rPr lang="en-US" smtClean="0"/>
-              <a:t>6/29/18</a:t>
+              <a:t>4/4/19</a:t>
             </a:fld>
             <a:endParaRPr lang="en-US"/>
           </a:p>
@@ -5593,10 +5514,9 @@
           </a:lstStyle>
           <a:p>
             <a:r>
-              <a:rPr lang="en-US" smtClean="0"/>
+              <a:rPr lang="en-US"/>
               <a:t>Click to edit Master title style</a:t>
             </a:r>
-            <a:endParaRPr lang="en-US"/>
           </a:p>
         </p:txBody>
       </p:sp>
@@ -5713,7 +5633,7 @@
           <a:p>
             <a:pPr lvl="0"/>
             <a:r>
-              <a:rPr lang="en-US" smtClean="0"/>
+              <a:rPr lang="en-US"/>
               <a:t>Click to edit Master text styles</a:t>
             </a:r>
           </a:p>
@@ -5736,7 +5656,7 @@
           <a:p>
             <a:fld id="{5156F65C-B851-CC4D-9273-9AD4DD6B8802}" type="datetimeFigureOut">
               <a:rPr lang="en-US" smtClean="0"/>
-              <a:t>6/29/18</a:t>
+              <a:t>4/4/19</a:t>
             </a:fld>
             <a:endParaRPr lang="en-US"/>
           </a:p>
@@ -5830,10 +5750,9 @@
           <a:lstStyle/>
           <a:p>
             <a:r>
-              <a:rPr lang="en-US" smtClean="0"/>
+              <a:rPr lang="en-US"/>
               <a:t>Click to edit Master title style</a:t>
             </a:r>
-            <a:endParaRPr lang="en-US"/>
           </a:p>
         </p:txBody>
       </p:sp>
@@ -5887,38 +5806,37 @@
           <a:p>
             <a:pPr lvl="0"/>
             <a:r>
-              <a:rPr lang="en-US" smtClean="0"/>
+              <a:rPr lang="en-US"/>
               <a:t>Click to edit Master text styles</a:t>
             </a:r>
           </a:p>
           <a:p>
             <a:pPr lvl="1"/>
             <a:r>
-              <a:rPr lang="en-US" smtClean="0"/>
+              <a:rPr lang="en-US"/>
               <a:t>Second level</a:t>
             </a:r>
           </a:p>
           <a:p>
             <a:pPr lvl="2"/>
             <a:r>
-              <a:rPr lang="en-US" smtClean="0"/>
+              <a:rPr lang="en-US"/>
               <a:t>Third level</a:t>
             </a:r>
           </a:p>
           <a:p>
             <a:pPr lvl="3"/>
             <a:r>
-              <a:rPr lang="en-US" smtClean="0"/>
+              <a:rPr lang="en-US"/>
               <a:t>Fourth level</a:t>
             </a:r>
           </a:p>
           <a:p>
             <a:pPr lvl="4"/>
             <a:r>
-              <a:rPr lang="en-US" smtClean="0"/>
+              <a:rPr lang="en-US"/>
               <a:t>Fifth level</a:t>
             </a:r>
-            <a:endParaRPr lang="en-US"/>
           </a:p>
         </p:txBody>
       </p:sp>
@@ -5972,38 +5890,37 @@
           <a:p>
             <a:pPr lvl="0"/>
             <a:r>
-              <a:rPr lang="en-US" smtClean="0"/>
+              <a:rPr lang="en-US"/>
               <a:t>Click to edit Master text styles</a:t>
             </a:r>
           </a:p>
           <a:p>
             <a:pPr lvl="1"/>
             <a:r>
-              <a:rPr lang="en-US" smtClean="0"/>
+              <a:rPr lang="en-US"/>
               <a:t>Second level</a:t>
             </a:r>
           </a:p>
           <a:p>
             <a:pPr lvl="2"/>
             <a:r>
-              <a:rPr lang="en-US" smtClean="0"/>
+              <a:rPr lang="en-US"/>
               <a:t>Third level</a:t>
             </a:r>
           </a:p>
           <a:p>
             <a:pPr lvl="3"/>
             <a:r>
-              <a:rPr lang="en-US" smtClean="0"/>
+              <a:rPr lang="en-US"/>
               <a:t>Fourth level</a:t>
             </a:r>
           </a:p>
           <a:p>
             <a:pPr lvl="4"/>
             <a:r>
-              <a:rPr lang="en-US" smtClean="0"/>
+              <a:rPr lang="en-US"/>
               <a:t>Fifth level</a:t>
             </a:r>
-            <a:endParaRPr lang="en-US"/>
           </a:p>
         </p:txBody>
       </p:sp>
@@ -6024,7 +5941,7 @@
           <a:p>
             <a:fld id="{5156F65C-B851-CC4D-9273-9AD4DD6B8802}" type="datetimeFigureOut">
               <a:rPr lang="en-US" smtClean="0"/>
-              <a:t>6/29/18</a:t>
+              <a:t>4/4/19</a:t>
             </a:fld>
             <a:endParaRPr lang="en-US"/>
           </a:p>
@@ -6122,10 +6039,9 @@
           </a:lstStyle>
           <a:p>
             <a:r>
-              <a:rPr lang="en-US" smtClean="0"/>
+              <a:rPr lang="en-US"/>
               <a:t>Click to edit Master title style</a:t>
             </a:r>
-            <a:endParaRPr lang="en-US"/>
           </a:p>
         </p:txBody>
       </p:sp>
@@ -6188,7 +6104,7 @@
           <a:p>
             <a:pPr lvl="0"/>
             <a:r>
-              <a:rPr lang="en-US" smtClean="0"/>
+              <a:rPr lang="en-US"/>
               <a:t>Click to edit Master text styles</a:t>
             </a:r>
           </a:p>
@@ -6244,38 +6160,37 @@
           <a:p>
             <a:pPr lvl="0"/>
             <a:r>
-              <a:rPr lang="en-US" smtClean="0"/>
+              <a:rPr lang="en-US"/>
               <a:t>Click to edit Master text styles</a:t>
             </a:r>
           </a:p>
           <a:p>
             <a:pPr lvl="1"/>
             <a:r>
-              <a:rPr lang="en-US" smtClean="0"/>
+              <a:rPr lang="en-US"/>
               <a:t>Second level</a:t>
             </a:r>
           </a:p>
           <a:p>
             <a:pPr lvl="2"/>
             <a:r>
-              <a:rPr lang="en-US" smtClean="0"/>
+              <a:rPr lang="en-US"/>
               <a:t>Third level</a:t>
             </a:r>
           </a:p>
           <a:p>
             <a:pPr lvl="3"/>
             <a:r>
-              <a:rPr lang="en-US" smtClean="0"/>
+              <a:rPr lang="en-US"/>
               <a:t>Fourth level</a:t>
             </a:r>
           </a:p>
           <a:p>
             <a:pPr lvl="4"/>
             <a:r>
-              <a:rPr lang="en-US" smtClean="0"/>
+              <a:rPr lang="en-US"/>
               <a:t>Fifth level</a:t>
             </a:r>
-            <a:endParaRPr lang="en-US"/>
           </a:p>
         </p:txBody>
       </p:sp>
@@ -6338,7 +6253,7 @@
           <a:p>
             <a:pPr lvl="0"/>
             <a:r>
-              <a:rPr lang="en-US" smtClean="0"/>
+              <a:rPr lang="en-US"/>
               <a:t>Click to edit Master text styles</a:t>
             </a:r>
           </a:p>
@@ -6394,38 +6309,37 @@
           <a:p>
             <a:pPr lvl="0"/>
             <a:r>
-              <a:rPr lang="en-US" smtClean="0"/>
+              <a:rPr lang="en-US"/>
               <a:t>Click to edit Master text styles</a:t>
             </a:r>
           </a:p>
           <a:p>
             <a:pPr lvl="1"/>
             <a:r>
-              <a:rPr lang="en-US" smtClean="0"/>
+              <a:rPr lang="en-US"/>
               <a:t>Second level</a:t>
             </a:r>
           </a:p>
           <a:p>
             <a:pPr lvl="2"/>
             <a:r>
-              <a:rPr lang="en-US" smtClean="0"/>
+              <a:rPr lang="en-US"/>
               <a:t>Third level</a:t>
             </a:r>
           </a:p>
           <a:p>
             <a:pPr lvl="3"/>
             <a:r>
-              <a:rPr lang="en-US" smtClean="0"/>
+              <a:rPr lang="en-US"/>
               <a:t>Fourth level</a:t>
             </a:r>
           </a:p>
           <a:p>
             <a:pPr lvl="4"/>
             <a:r>
-              <a:rPr lang="en-US" smtClean="0"/>
+              <a:rPr lang="en-US"/>
               <a:t>Fifth level</a:t>
             </a:r>
-            <a:endParaRPr lang="en-US"/>
           </a:p>
         </p:txBody>
       </p:sp>
@@ -6446,7 +6360,7 @@
           <a:p>
             <a:fld id="{5156F65C-B851-CC4D-9273-9AD4DD6B8802}" type="datetimeFigureOut">
               <a:rPr lang="en-US" smtClean="0"/>
-              <a:t>6/29/18</a:t>
+              <a:t>4/4/19</a:t>
             </a:fld>
             <a:endParaRPr lang="en-US"/>
           </a:p>
@@ -6540,10 +6454,9 @@
           <a:lstStyle/>
           <a:p>
             <a:r>
-              <a:rPr lang="en-US" smtClean="0"/>
+              <a:rPr lang="en-US"/>
               <a:t>Click to edit Master title style</a:t>
             </a:r>
-            <a:endParaRPr lang="en-US"/>
           </a:p>
         </p:txBody>
       </p:sp>
@@ -6564,7 +6477,7 @@
           <a:p>
             <a:fld id="{5156F65C-B851-CC4D-9273-9AD4DD6B8802}" type="datetimeFigureOut">
               <a:rPr lang="en-US" smtClean="0"/>
-              <a:t>6/29/18</a:t>
+              <a:t>4/4/19</a:t>
             </a:fld>
             <a:endParaRPr lang="en-US"/>
           </a:p>
@@ -6659,7 +6572,7 @@
           <a:p>
             <a:fld id="{5156F65C-B851-CC4D-9273-9AD4DD6B8802}" type="datetimeFigureOut">
               <a:rPr lang="en-US" smtClean="0"/>
-              <a:t>6/29/18</a:t>
+              <a:t>4/4/19</a:t>
             </a:fld>
             <a:endParaRPr lang="en-US"/>
           </a:p>
@@ -6762,10 +6675,9 @@
           </a:lstStyle>
           <a:p>
             <a:r>
-              <a:rPr lang="en-US" smtClean="0"/>
+              <a:rPr lang="en-US"/>
               <a:t>Click to edit Master title style</a:t>
             </a:r>
-            <a:endParaRPr lang="en-US"/>
           </a:p>
         </p:txBody>
       </p:sp>
@@ -6819,38 +6731,37 @@
           <a:p>
             <a:pPr lvl="0"/>
             <a:r>
-              <a:rPr lang="en-US" smtClean="0"/>
+              <a:rPr lang="en-US"/>
               <a:t>Click to edit Master text styles</a:t>
             </a:r>
           </a:p>
           <a:p>
             <a:pPr lvl="1"/>
             <a:r>
-              <a:rPr lang="en-US" smtClean="0"/>
+              <a:rPr lang="en-US"/>
               <a:t>Second level</a:t>
             </a:r>
           </a:p>
           <a:p>
             <a:pPr lvl="2"/>
             <a:r>
-              <a:rPr lang="en-US" smtClean="0"/>
+              <a:rPr lang="en-US"/>
               <a:t>Third level</a:t>
             </a:r>
           </a:p>
           <a:p>
             <a:pPr lvl="3"/>
             <a:r>
-              <a:rPr lang="en-US" smtClean="0"/>
+              <a:rPr lang="en-US"/>
               <a:t>Fourth level</a:t>
             </a:r>
           </a:p>
           <a:p>
             <a:pPr lvl="4"/>
             <a:r>
-              <a:rPr lang="en-US" smtClean="0"/>
+              <a:rPr lang="en-US"/>
               <a:t>Fifth level</a:t>
             </a:r>
-            <a:endParaRPr lang="en-US"/>
           </a:p>
         </p:txBody>
       </p:sp>
@@ -6913,7 +6824,7 @@
           <a:p>
             <a:pPr lvl="0"/>
             <a:r>
-              <a:rPr lang="en-US" smtClean="0"/>
+              <a:rPr lang="en-US"/>
               <a:t>Click to edit Master text styles</a:t>
             </a:r>
           </a:p>
@@ -6936,7 +6847,7 @@
           <a:p>
             <a:fld id="{5156F65C-B851-CC4D-9273-9AD4DD6B8802}" type="datetimeFigureOut">
               <a:rPr lang="en-US" smtClean="0"/>
-              <a:t>6/29/18</a:t>
+              <a:t>4/4/19</a:t>
             </a:fld>
             <a:endParaRPr lang="en-US"/>
           </a:p>
@@ -7039,10 +6950,9 @@
           </a:lstStyle>
           <a:p>
             <a:r>
-              <a:rPr lang="en-US" smtClean="0"/>
+              <a:rPr lang="en-US"/>
               <a:t>Click to edit Master title style</a:t>
             </a:r>
-            <a:endParaRPr lang="en-US"/>
           </a:p>
         </p:txBody>
       </p:sp>
@@ -7166,7 +7076,7 @@
           <a:p>
             <a:pPr lvl="0"/>
             <a:r>
-              <a:rPr lang="en-US" smtClean="0"/>
+              <a:rPr lang="en-US"/>
               <a:t>Click to edit Master text styles</a:t>
             </a:r>
           </a:p>
@@ -7189,7 +7099,7 @@
           <a:p>
             <a:fld id="{5156F65C-B851-CC4D-9273-9AD4DD6B8802}" type="datetimeFigureOut">
               <a:rPr lang="en-US" smtClean="0"/>
-              <a:t>6/29/18</a:t>
+              <a:t>4/4/19</a:t>
             </a:fld>
             <a:endParaRPr lang="en-US"/>
           </a:p>
@@ -7298,10 +7208,9 @@
           <a:lstStyle/>
           <a:p>
             <a:r>
-              <a:rPr lang="en-US" smtClean="0"/>
+              <a:rPr lang="en-US"/>
               <a:t>Click to edit Master title style</a:t>
             </a:r>
-            <a:endParaRPr lang="en-US"/>
           </a:p>
         </p:txBody>
       </p:sp>
@@ -7332,38 +7241,37 @@
           <a:p>
             <a:pPr lvl="0"/>
             <a:r>
-              <a:rPr lang="en-US" smtClean="0"/>
+              <a:rPr lang="en-US"/>
               <a:t>Click to edit Master text styles</a:t>
             </a:r>
           </a:p>
           <a:p>
             <a:pPr lvl="1"/>
             <a:r>
-              <a:rPr lang="en-US" smtClean="0"/>
+              <a:rPr lang="en-US"/>
               <a:t>Second level</a:t>
             </a:r>
           </a:p>
           <a:p>
             <a:pPr lvl="2"/>
             <a:r>
-              <a:rPr lang="en-US" smtClean="0"/>
+              <a:rPr lang="en-US"/>
               <a:t>Third level</a:t>
             </a:r>
           </a:p>
           <a:p>
             <a:pPr lvl="3"/>
             <a:r>
-              <a:rPr lang="en-US" smtClean="0"/>
+              <a:rPr lang="en-US"/>
               <a:t>Fourth level</a:t>
             </a:r>
           </a:p>
           <a:p>
             <a:pPr lvl="4"/>
             <a:r>
-              <a:rPr lang="en-US" smtClean="0"/>
+              <a:rPr lang="en-US"/>
               <a:t>Fifth level</a:t>
             </a:r>
-            <a:endParaRPr lang="en-US"/>
           </a:p>
         </p:txBody>
       </p:sp>
@@ -7402,7 +7310,7 @@
           <a:p>
             <a:fld id="{5156F65C-B851-CC4D-9273-9AD4DD6B8802}" type="datetimeFigureOut">
               <a:rPr lang="en-US" smtClean="0"/>
-              <a:t>6/29/18</a:t>
+              <a:t>4/4/19</a:t>
             </a:fld>
             <a:endParaRPr lang="en-US"/>
           </a:p>
@@ -7800,19 +7708,19 @@
           <a:lstStyle/>
           <a:p>
             <a:r>
-              <a:rPr lang="en-US" sz="4000" dirty="0" smtClean="0">
+              <a:rPr lang="en-US" sz="4000" dirty="0">
                 <a:latin typeface="+mj-lt"/>
               </a:rPr>
               <a:t>Workshop 1: </a:t>
             </a:r>
             <a:r>
-              <a:rPr lang="en-US" sz="4000" b="1" dirty="0" smtClean="0">
+              <a:rPr lang="en-US" sz="4000" b="1" dirty="0">
                 <a:latin typeface="+mj-lt"/>
               </a:rPr>
               <a:t>Introduction to UNIX command-line</a:t>
             </a:r>
             <a:r>
-              <a:rPr lang="en-US" sz="4000" dirty="0" smtClean="0">
+              <a:rPr lang="en-US" sz="4000" dirty="0">
                 <a:effectLst/>
                 <a:latin typeface="+mj-lt"/>
               </a:rPr>
@@ -7848,20 +7756,20 @@
           <a:lstStyle/>
           <a:p>
             <a:r>
-              <a:rPr lang="en-US" sz="2000" dirty="0" smtClean="0">
+              <a:rPr lang="en-US" sz="2000" dirty="0">
                 <a:latin typeface="+mj-lt"/>
               </a:rPr>
               <a:t>Serghei Mangul, PhD | </a:t>
             </a:r>
             <a:r>
-              <a:rPr lang="en-US" sz="2000" dirty="0" smtClean="0">
+              <a:rPr lang="en-US" sz="2000" dirty="0">
                 <a:latin typeface="+mj-lt"/>
                 <a:hlinkClick r:id="rId2"/>
               </a:rPr>
               <a:t>smangul@ucla.edu</a:t>
             </a:r>
             <a:r>
-              <a:rPr lang="en-US" sz="2000" dirty="0" smtClean="0">
+              <a:rPr lang="en-US" sz="2000" dirty="0">
                 <a:latin typeface="+mj-lt"/>
               </a:rPr>
               <a:t> </a:t>
@@ -7869,14 +7777,11 @@
           </a:p>
           <a:p>
             <a:r>
-              <a:rPr lang="en-US" sz="2000" dirty="0" smtClean="0">
+              <a:rPr lang="en-US" sz="2000" dirty="0">
                 <a:latin typeface="+mj-lt"/>
               </a:rPr>
               <a:t>CBI Fellow </a:t>
             </a:r>
-            <a:endParaRPr lang="en-US" sz="2000" dirty="0">
-              <a:latin typeface="+mj-lt"/>
-            </a:endParaRPr>
           </a:p>
         </p:txBody>
       </p:sp>
@@ -7926,18 +7831,11 @@
           <a:lstStyle/>
           <a:p>
             <a:r>
-              <a:rPr lang="en-US" sz="1000" dirty="0" smtClean="0">
-                <a:latin typeface="Courier New"/>
-                <a:cs typeface="Courier New"/>
-              </a:rPr>
-              <a:t>“Swiss </a:t>
-            </a:r>
-            <a:r>
               <a:rPr lang="en-US" sz="1000" dirty="0">
                 <a:latin typeface="Courier New"/>
                 <a:cs typeface="Courier New"/>
               </a:rPr>
-              <a:t>Army knife” set of tools</a:t>
+              <a:t>“Swiss Army knife” set of tools</a:t>
             </a:r>
           </a:p>
         </p:txBody>
@@ -7964,16 +7862,12 @@
           <a:lstStyle/>
           <a:p>
             <a:r>
-              <a:rPr lang="en-US" sz="2800" b="1" dirty="0" smtClean="0">
+              <a:rPr lang="en-US" sz="2800" b="1" dirty="0">
                 <a:latin typeface="+mj-lt"/>
                 <a:cs typeface="American Typewriter"/>
               </a:rPr>
               <a:t>Day 3</a:t>
             </a:r>
-            <a:endParaRPr lang="en-US" sz="2800" b="1" dirty="0">
-              <a:latin typeface="+mj-lt"/>
-              <a:cs typeface="American Typewriter"/>
-            </a:endParaRPr>
           </a:p>
         </p:txBody>
       </p:sp>
@@ -7987,13 +7881,6 @@
   <p:clrMapOvr>
     <a:masterClrMapping/>
   </p:clrMapOvr>
-  <p:timing>
-    <p:tnLst>
-      <p:par>
-        <p:cTn id="1" dur="indefinite" restart="never" nodeType="tmRoot"/>
-      </p:par>
-    </p:tnLst>
-  </p:timing>
 </p:sld>
 </file>
 
@@ -8030,10 +7917,9 @@
           <a:lstStyle/>
           <a:p>
             <a:r>
-              <a:rPr lang="en-US" dirty="0" smtClean="0"/>
+              <a:rPr lang="en-US" dirty="0"/>
               <a:t>Let’s practice!</a:t>
             </a:r>
-            <a:endParaRPr lang="en-US" dirty="0"/>
           </a:p>
         </p:txBody>
       </p:sp>
@@ -8070,93 +7956,40 @@
                 <a:latin typeface="Courier New"/>
                 <a:cs typeface="Courier New"/>
               </a:rPr>
-              <a:t> '{if</a:t>
-            </a:r>
-            <a:r>
-              <a:rPr lang="en-US" sz="2000" dirty="0" smtClean="0">
-                <a:latin typeface="Courier New"/>
-                <a:cs typeface="Courier New"/>
-              </a:rPr>
-              <a:t>($</a:t>
+              <a:t> '{if($4&gt;50) print}’ hg19.gtf</a:t>
+            </a:r>
+          </a:p>
+          <a:p>
+            <a:r>
+              <a:rPr lang="en-US" sz="2000" dirty="0" err="1">
+                <a:latin typeface="Courier New"/>
+                <a:cs typeface="Courier New"/>
+              </a:rPr>
+              <a:t>awk</a:t>
             </a:r>
             <a:r>
               <a:rPr lang="en-US" sz="2000" dirty="0">
                 <a:latin typeface="Courier New"/>
                 <a:cs typeface="Courier New"/>
               </a:rPr>
-              <a:t>4</a:t>
-            </a:r>
-            <a:r>
-              <a:rPr lang="en-US" sz="2000" dirty="0" smtClean="0">
-                <a:latin typeface="Courier New"/>
-                <a:cs typeface="Courier New"/>
-              </a:rPr>
-              <a:t>&gt;50) </a:t>
+              <a:t> '{if($1=="chr2") print}’ hg19.gtf</a:t>
+            </a:r>
+          </a:p>
+          <a:p>
+            <a:r>
+              <a:rPr lang="en-US" sz="2000" dirty="0" err="1">
+                <a:latin typeface="Courier New"/>
+                <a:cs typeface="Courier New"/>
+              </a:rPr>
+              <a:t>awk</a:t>
             </a:r>
             <a:r>
               <a:rPr lang="en-US" sz="2000" dirty="0">
                 <a:latin typeface="Courier New"/>
                 <a:cs typeface="Courier New"/>
               </a:rPr>
-              <a:t>print</a:t>
-            </a:r>
-            <a:r>
-              <a:rPr lang="en-US" sz="2000" dirty="0" smtClean="0">
-                <a:latin typeface="Courier New"/>
-                <a:cs typeface="Courier New"/>
-              </a:rPr>
-              <a:t>}’ hg19.gtf</a:t>
-            </a:r>
-          </a:p>
-          <a:p>
-            <a:r>
-              <a:rPr lang="en-US" sz="2000" dirty="0" err="1">
-                <a:latin typeface="Courier New"/>
-                <a:cs typeface="Courier New"/>
-              </a:rPr>
-              <a:t>awk</a:t>
-            </a:r>
-            <a:r>
-              <a:rPr lang="en-US" sz="2000" dirty="0">
-                <a:latin typeface="Courier New"/>
-                <a:cs typeface="Courier New"/>
-              </a:rPr>
-              <a:t> '{if($1=="chr2") print</a:t>
-            </a:r>
-            <a:r>
-              <a:rPr lang="en-US" sz="2000" dirty="0" smtClean="0">
-                <a:latin typeface="Courier New"/>
-                <a:cs typeface="Courier New"/>
-              </a:rPr>
-              <a:t>}’ hg19.gtf</a:t>
-            </a:r>
-          </a:p>
-          <a:p>
-            <a:r>
-              <a:rPr lang="en-US" sz="2000" dirty="0" err="1">
-                <a:latin typeface="Courier New"/>
-                <a:cs typeface="Courier New"/>
-              </a:rPr>
-              <a:t>awk</a:t>
-            </a:r>
-            <a:r>
-              <a:rPr lang="en-US" sz="2000" dirty="0">
-                <a:latin typeface="Courier New"/>
-                <a:cs typeface="Courier New"/>
-              </a:rPr>
-              <a:t> '{if($1=="chr2") print $1"\t"$3</a:t>
-            </a:r>
-            <a:r>
-              <a:rPr lang="en-US" sz="2000" dirty="0" smtClean="0">
-                <a:latin typeface="Courier New"/>
-                <a:cs typeface="Courier New"/>
-              </a:rPr>
-              <a:t>}’ hg19.gtf</a:t>
-            </a:r>
-            <a:endParaRPr lang="en-US" sz="2000" dirty="0">
-              <a:latin typeface="Courier New"/>
-              <a:cs typeface="Courier New"/>
-            </a:endParaRPr>
+              <a:t> '{if($1=="chr2") print $1"\t"$3}’ hg19.gtf</a:t>
+            </a:r>
           </a:p>
         </p:txBody>
       </p:sp>
@@ -8207,11 +8040,7 @@
           <a:p>
             <a:r>
               <a:rPr lang="en-US" sz="1200" dirty="0"/>
-              <a:t>chr2    hg18_knownGene_GnfAtlas2        exon    237538  237602  0.000000        </a:t>
-            </a:r>
-            <a:r>
-              <a:rPr lang="en-US" sz="1200" dirty="0" smtClean="0"/>
-              <a:t>-	.       </a:t>
+              <a:t>chr2    hg18_knownGene_GnfAtlas2        exon    237538  237602  0.000000        -	.       </a:t>
             </a:r>
             <a:r>
               <a:rPr lang="en-US" sz="1200" dirty="0" err="1"/>
@@ -8233,11 +8062,7 @@
           <a:p>
             <a:r>
               <a:rPr lang="en-US" sz="1200" dirty="0"/>
-              <a:t>chr2    hg18_knownGene_GnfAtlas2        exon    239731  239852  0.000000        </a:t>
-            </a:r>
-            <a:r>
-              <a:rPr lang="en-US" sz="1200" dirty="0" smtClean="0"/>
-              <a:t>-	.       </a:t>
+              <a:t>chr2    hg18_knownGene_GnfAtlas2        exon    239731  239852  0.000000        -	.       </a:t>
             </a:r>
             <a:r>
               <a:rPr lang="en-US" sz="1200" dirty="0" err="1"/>
@@ -8268,13 +8093,6 @@
   <p:clrMapOvr>
     <a:masterClrMapping/>
   </p:clrMapOvr>
-  <p:timing>
-    <p:tnLst>
-      <p:par>
-        <p:cTn id="1" dur="indefinite" restart="never" nodeType="tmRoot"/>
-      </p:par>
-    </p:tnLst>
-  </p:timing>
 </p:sld>
 </file>
 
@@ -8312,17 +8130,12 @@
           <a:p>
             <a:r>
               <a:rPr lang="en-US" dirty="0" err="1"/>
-              <a:t>a</a:t>
-            </a:r>
-            <a:r>
-              <a:rPr lang="en-US" dirty="0" err="1" smtClean="0"/>
-              <a:t>wk</a:t>
-            </a:r>
-            <a:r>
-              <a:rPr lang="en-US" dirty="0" smtClean="0"/>
+              <a:t>awk</a:t>
+            </a:r>
+            <a:r>
+              <a:rPr lang="en-US" dirty="0"/>
               <a:t> : sum</a:t>
             </a:r>
-            <a:endParaRPr lang="en-US" dirty="0"/>
           </a:p>
         </p:txBody>
       </p:sp>
@@ -8343,13 +8156,8 @@
           <a:p>
             <a:r>
               <a:rPr lang="en-US" dirty="0"/>
-              <a:t>C</a:t>
-            </a:r>
-            <a:r>
-              <a:rPr lang="en-US" dirty="0" smtClean="0"/>
-              <a:t>alculate sum of a particular column</a:t>
-            </a:r>
-            <a:endParaRPr lang="en-US" dirty="0"/>
+              <a:t>Calculate sum of a particular column</a:t>
+            </a:r>
           </a:p>
         </p:txBody>
       </p:sp>
@@ -8387,38 +8195,10 @@
                 <a:latin typeface="Courier New"/>
                 <a:cs typeface="Courier New"/>
               </a:rPr>
-              <a:t> '{sum+=$2} </a:t>
-            </a:r>
-            <a:r>
-              <a:rPr lang="en-US" sz="2400" dirty="0" smtClean="0">
-                <a:latin typeface="Courier New"/>
-                <a:cs typeface="Courier New"/>
-              </a:rPr>
-              <a:t>END { </a:t>
-            </a:r>
-            <a:r>
-              <a:rPr lang="en-US" sz="2400" dirty="0">
-                <a:latin typeface="Courier New"/>
-                <a:cs typeface="Courier New"/>
-              </a:rPr>
-              <a:t>print </a:t>
-            </a:r>
-            <a:r>
-              <a:rPr lang="en-US" sz="2400" dirty="0" smtClean="0">
-                <a:latin typeface="Courier New"/>
-                <a:cs typeface="Courier New"/>
-              </a:rPr>
-              <a:t>sum</a:t>
-            </a:r>
-            <a:r>
-              <a:rPr lang="en-US" sz="2400" dirty="0">
-                <a:latin typeface="Courier New"/>
-                <a:cs typeface="Courier New"/>
-              </a:rPr>
-              <a:t>}' </a:t>
-            </a:r>
-            <a:r>
-              <a:rPr lang="en-US" sz="2400" dirty="0" err="1" smtClean="0">
+              <a:t> '{sum+=$2} END { print sum}' </a:t>
+            </a:r>
+            <a:r>
+              <a:rPr lang="en-US" sz="2400" dirty="0" err="1">
                 <a:latin typeface="Courier New"/>
                 <a:cs typeface="Courier New"/>
               </a:rPr>
@@ -8453,7 +8233,7 @@
           <a:lstStyle/>
           <a:p>
             <a:r>
-              <a:rPr lang="en-US" sz="1600" dirty="0" smtClean="0">
+              <a:rPr lang="en-US" sz="1600" dirty="0">
                 <a:latin typeface="+mj-lt"/>
                 <a:cs typeface="Courier New"/>
               </a:rPr>
@@ -8520,7 +8300,7 @@
           <a:lstStyle/>
           <a:p>
             <a:r>
-              <a:rPr lang="en-US" sz="1600" dirty="0" smtClean="0">
+              <a:rPr lang="en-US" sz="1600" dirty="0">
                 <a:latin typeface="+mj-lt"/>
                 <a:cs typeface="Courier New"/>
               </a:rPr>
@@ -8632,7 +8412,7 @@
           <a:lstStyle/>
           <a:p>
             <a:r>
-              <a:rPr lang="en-US" sz="1600" dirty="0" smtClean="0">
+              <a:rPr lang="en-US" sz="1600" dirty="0">
                 <a:latin typeface="+mj-lt"/>
                 <a:cs typeface="Courier New"/>
               </a:rPr>
@@ -8711,13 +8491,6 @@
   <p:clrMapOvr>
     <a:masterClrMapping/>
   </p:clrMapOvr>
-  <p:timing>
-    <p:tnLst>
-      <p:par>
-        <p:cTn id="1" dur="indefinite" restart="never" nodeType="tmRoot"/>
-      </p:par>
-    </p:tnLst>
-  </p:timing>
 </p:sld>
 </file>
 
@@ -8754,10 +8527,9 @@
           <a:lstStyle/>
           <a:p>
             <a:r>
-              <a:rPr lang="en-US" dirty="0" smtClean="0"/>
+              <a:rPr lang="en-US" dirty="0"/>
               <a:t>Variable is like a box</a:t>
             </a:r>
-            <a:endParaRPr lang="en-US" dirty="0"/>
           </a:p>
         </p:txBody>
       </p:sp>
@@ -8842,35 +8614,14 @@
               <a:t>{sum+=$2} </a:t>
             </a:r>
             <a:r>
-              <a:rPr lang="en-US" sz="2400" dirty="0" smtClean="0">
-                <a:latin typeface="Courier New"/>
-                <a:cs typeface="Courier New"/>
-              </a:rPr>
-              <a:t>END { </a:t>
-            </a:r>
-            <a:r>
               <a:rPr lang="en-US" sz="2400" dirty="0">
                 <a:latin typeface="Courier New"/>
                 <a:cs typeface="Courier New"/>
               </a:rPr>
-              <a:t>print </a:t>
-            </a:r>
-            <a:r>
-              <a:rPr lang="en-US" sz="2400" dirty="0" smtClean="0">
-                <a:latin typeface="Courier New"/>
-                <a:cs typeface="Courier New"/>
-              </a:rPr>
-              <a:t>sum</a:t>
-            </a:r>
-            <a:r>
-              <a:rPr lang="en-US" sz="2400" dirty="0">
-                <a:latin typeface="Courier New"/>
-                <a:cs typeface="Courier New"/>
-              </a:rPr>
-              <a:t>}' </a:t>
-            </a:r>
-            <a:r>
-              <a:rPr lang="en-US" sz="2400" dirty="0" err="1" smtClean="0">
+              <a:t>END { print sum}' </a:t>
+            </a:r>
+            <a:r>
+              <a:rPr lang="en-US" sz="2400" dirty="0" err="1">
                 <a:latin typeface="Courier New"/>
                 <a:cs typeface="Courier New"/>
               </a:rPr>
@@ -9005,7 +8756,7 @@
           <a:lstStyle/>
           <a:p>
             <a:r>
-              <a:rPr lang="en-US" sz="1500" dirty="0" smtClean="0">
+              <a:rPr lang="en-US" sz="1500" dirty="0">
                 <a:latin typeface="+mj-lt"/>
                 <a:cs typeface="Courier New"/>
               </a:rPr>
@@ -9073,7 +8824,7 @@
           <a:lstStyle/>
           <a:p>
             <a:r>
-              <a:rPr lang="en-US" sz="1500" dirty="0" smtClean="0">
+              <a:rPr lang="en-US" sz="1500" dirty="0">
                 <a:latin typeface="+mj-lt"/>
                 <a:cs typeface="Courier New"/>
               </a:rPr>
@@ -9107,7 +8858,7 @@
           <a:lstStyle/>
           <a:p>
             <a:r>
-              <a:rPr lang="en-US" sz="1500" dirty="0" smtClean="0">
+              <a:rPr lang="en-US" sz="1500" dirty="0">
                 <a:latin typeface="+mj-lt"/>
                 <a:cs typeface="Courier New"/>
               </a:rPr>
@@ -9141,7 +8892,7 @@
           <a:lstStyle/>
           <a:p>
             <a:r>
-              <a:rPr lang="en-US" sz="1500" dirty="0" smtClean="0">
+              <a:rPr lang="en-US" sz="1500" dirty="0">
                 <a:latin typeface="+mj-lt"/>
                 <a:cs typeface="Courier New"/>
               </a:rPr>
@@ -9172,7 +8923,7 @@
           <a:lstStyle/>
           <a:p>
             <a:r>
-              <a:rPr lang="en-US" sz="1500" dirty="0" smtClean="0">
+              <a:rPr lang="en-US" sz="1500" dirty="0">
                 <a:latin typeface="+mj-lt"/>
                 <a:cs typeface="Courier New"/>
               </a:rPr>
@@ -9203,7 +8954,7 @@
           <a:lstStyle/>
           <a:p>
             <a:r>
-              <a:rPr lang="en-US" sz="1500" dirty="0" smtClean="0">
+              <a:rPr lang="en-US" sz="1500" dirty="0">
                 <a:latin typeface="+mj-lt"/>
                 <a:cs typeface="Courier New"/>
               </a:rPr>
@@ -9917,10 +9668,9 @@
           <a:lstStyle/>
           <a:p>
             <a:r>
-              <a:rPr lang="en-US" dirty="0" smtClean="0"/>
+              <a:rPr lang="en-US" dirty="0"/>
               <a:t>Variable is like a box</a:t>
             </a:r>
-            <a:endParaRPr lang="en-US" dirty="0"/>
           </a:p>
         </p:txBody>
       </p:sp>
@@ -9985,7 +9735,7 @@
               <a:t> '{sum+=$2} </a:t>
             </a:r>
             <a:r>
-              <a:rPr lang="en-US" sz="2400" b="1" dirty="0" smtClean="0">
+              <a:rPr lang="en-US" sz="2400" b="1" dirty="0">
                 <a:solidFill>
                   <a:srgbClr val="800000"/>
                 </a:solidFill>
@@ -9995,7 +9745,7 @@
               <a:t>END</a:t>
             </a:r>
             <a:r>
-              <a:rPr lang="en-US" sz="2400" dirty="0" smtClean="0">
+              <a:rPr lang="en-US" sz="2400" dirty="0">
                 <a:solidFill>
                   <a:srgbClr val="800000"/>
                 </a:solidFill>
@@ -10005,35 +9755,14 @@
               <a:t> </a:t>
             </a:r>
             <a:r>
-              <a:rPr lang="en-US" sz="2400" dirty="0" smtClean="0">
-                <a:latin typeface="Courier New"/>
-                <a:cs typeface="Courier New"/>
-              </a:rPr>
-              <a:t>{ </a:t>
-            </a:r>
-            <a:r>
               <a:rPr lang="en-US" sz="2400" dirty="0">
                 <a:latin typeface="Courier New"/>
                 <a:cs typeface="Courier New"/>
               </a:rPr>
-              <a:t>print </a:t>
-            </a:r>
-            <a:r>
-              <a:rPr lang="en-US" sz="2400" dirty="0" smtClean="0">
-                <a:latin typeface="Courier New"/>
-                <a:cs typeface="Courier New"/>
-              </a:rPr>
-              <a:t>sum</a:t>
-            </a:r>
-            <a:r>
-              <a:rPr lang="en-US" sz="2400" dirty="0">
-                <a:latin typeface="Courier New"/>
-                <a:cs typeface="Courier New"/>
-              </a:rPr>
-              <a:t>}' </a:t>
-            </a:r>
-            <a:r>
-              <a:rPr lang="en-US" sz="2400" dirty="0" err="1" smtClean="0">
+              <a:t>{ print sum}' </a:t>
+            </a:r>
+            <a:r>
+              <a:rPr lang="en-US" sz="2400" dirty="0" err="1">
                 <a:latin typeface="Courier New"/>
                 <a:cs typeface="Courier New"/>
               </a:rPr>
@@ -10238,13 +9967,6 @@
   <p:clrMapOvr>
     <a:masterClrMapping/>
   </p:clrMapOvr>
-  <p:timing>
-    <p:tnLst>
-      <p:par>
-        <p:cTn id="1" dur="indefinite" restart="never" nodeType="tmRoot"/>
-      </p:par>
-    </p:tnLst>
-  </p:timing>
 </p:sld>
 </file>
 
@@ -10281,10 +10003,9 @@
           <a:lstStyle/>
           <a:p>
             <a:r>
-              <a:rPr lang="en-US" dirty="0" smtClean="0"/>
+              <a:rPr lang="en-US" dirty="0"/>
               <a:t>Variable is like a box</a:t>
             </a:r>
-            <a:endParaRPr lang="en-US" dirty="0"/>
           </a:p>
         </p:txBody>
       </p:sp>
@@ -10346,24 +10067,7 @@
                 <a:latin typeface="Courier New"/>
                 <a:cs typeface="Courier New"/>
               </a:rPr>
-              <a:t> '{sum+=$2} </a:t>
-            </a:r>
-            <a:r>
-              <a:rPr lang="en-US" sz="2400" dirty="0" smtClean="0">
-                <a:latin typeface="Courier New"/>
-                <a:cs typeface="Courier New"/>
-              </a:rPr>
-              <a:t>END </a:t>
-            </a:r>
-            <a:r>
-              <a:rPr lang="en-US" sz="2400" b="1" dirty="0" smtClean="0">
-                <a:solidFill>
-                  <a:srgbClr val="800000"/>
-                </a:solidFill>
-                <a:latin typeface="Courier New"/>
-                <a:cs typeface="Courier New"/>
-              </a:rPr>
-              <a:t>{ </a:t>
+              <a:t> '{sum+=$2} END </a:t>
             </a:r>
             <a:r>
               <a:rPr lang="en-US" sz="2400" b="1" dirty="0">
@@ -10373,27 +10077,7 @@
                 <a:latin typeface="Courier New"/>
                 <a:cs typeface="Courier New"/>
               </a:rPr>
-              <a:t>print </a:t>
-            </a:r>
-            <a:r>
-              <a:rPr lang="en-US" sz="2400" b="1" dirty="0" smtClean="0">
-                <a:solidFill>
-                  <a:srgbClr val="800000"/>
-                </a:solidFill>
-                <a:latin typeface="Courier New"/>
-                <a:cs typeface="Courier New"/>
-              </a:rPr>
-              <a:t>sum</a:t>
-            </a:r>
-            <a:r>
-              <a:rPr lang="en-US" sz="2400" b="1" dirty="0">
-                <a:solidFill>
-                  <a:srgbClr val="800000"/>
-                </a:solidFill>
-                <a:latin typeface="Courier New"/>
-                <a:cs typeface="Courier New"/>
-              </a:rPr>
-              <a:t>}</a:t>
+              <a:t>{ print sum}</a:t>
             </a:r>
             <a:r>
               <a:rPr lang="en-US" sz="2400" dirty="0">
@@ -10403,7 +10087,7 @@
               <a:t>' </a:t>
             </a:r>
             <a:r>
-              <a:rPr lang="en-US" sz="2400" dirty="0" err="1" smtClean="0">
+              <a:rPr lang="en-US" sz="2400" dirty="0" err="1">
                 <a:latin typeface="Courier New"/>
                 <a:cs typeface="Courier New"/>
               </a:rPr>
@@ -10636,13 +10320,6 @@
   <p:clrMapOvr>
     <a:masterClrMapping/>
   </p:clrMapOvr>
-  <p:timing>
-    <p:tnLst>
-      <p:par>
-        <p:cTn id="1" dur="indefinite" restart="never" nodeType="tmRoot"/>
-      </p:par>
-    </p:tnLst>
-  </p:timing>
 </p:sld>
 </file>
 
@@ -10679,10 +10356,9 @@
           <a:lstStyle/>
           <a:p>
             <a:r>
-              <a:rPr lang="en-US" dirty="0" smtClean="0"/>
+              <a:rPr lang="en-US" dirty="0"/>
               <a:t>Let’s practice!</a:t>
             </a:r>
-            <a:endParaRPr lang="en-US" dirty="0"/>
           </a:p>
         </p:txBody>
       </p:sp>
@@ -10732,39 +10408,59 @@
           <a:lstStyle/>
           <a:p>
             <a:r>
-              <a:rPr lang="en-US" sz="2000" dirty="0" err="1" smtClean="0">
+              <a:rPr lang="en-US" sz="2000" dirty="0" err="1">
                 <a:latin typeface="Courier New"/>
                 <a:cs typeface="Courier New"/>
               </a:rPr>
               <a:t>awk</a:t>
             </a:r>
             <a:r>
-              <a:rPr lang="en-US" sz="2000" dirty="0" smtClean="0">
-                <a:latin typeface="Courier New"/>
-                <a:cs typeface="Courier New"/>
-              </a:rPr>
-              <a:t> </a:t>
-            </a:r>
-            <a:r>
               <a:rPr lang="en-US" sz="2000" dirty="0">
                 <a:latin typeface="Courier New"/>
                 <a:cs typeface="Courier New"/>
               </a:rPr>
-              <a:t>'{sum+=$4} END {print sum</a:t>
-            </a:r>
-            <a:r>
-              <a:rPr lang="en-US" sz="2000" dirty="0" smtClean="0">
-                <a:latin typeface="Courier New"/>
-                <a:cs typeface="Courier New"/>
-              </a:rPr>
-              <a:t>}’ hg19.gtf</a:t>
-            </a:r>
+              <a:t> '{sum+=$4} END {print sum}’ hg19.gtf</a:t>
+            </a:r>
+          </a:p>
+          <a:p>
             <a:endParaRPr lang="en-US" sz="2000" dirty="0">
               <a:latin typeface="Courier New"/>
               <a:cs typeface="Courier New"/>
             </a:endParaRPr>
           </a:p>
           <a:p>
+            <a:r>
+              <a:rPr lang="en-US" sz="2000" dirty="0" err="1">
+                <a:latin typeface="Courier New"/>
+                <a:cs typeface="Courier New"/>
+              </a:rPr>
+              <a:t>awk</a:t>
+            </a:r>
+            <a:r>
+              <a:rPr lang="en-US" sz="2000" dirty="0">
+                <a:latin typeface="Courier New"/>
+                <a:cs typeface="Courier New"/>
+              </a:rPr>
+              <a:t> ' END {print NR}' hg19.gtf</a:t>
+            </a:r>
+          </a:p>
+          <a:p>
+            <a:r>
+              <a:rPr lang="en-US" sz="2000" dirty="0" err="1">
+                <a:latin typeface="Courier New"/>
+                <a:cs typeface="Courier New"/>
+              </a:rPr>
+              <a:t>wc</a:t>
+            </a:r>
+            <a:r>
+              <a:rPr lang="en-US" sz="2000" dirty="0">
+                <a:latin typeface="Courier New"/>
+                <a:cs typeface="Courier New"/>
+              </a:rPr>
+              <a:t> –l hg19.gtf</a:t>
+            </a:r>
+          </a:p>
+          <a:p>
             <a:endParaRPr lang="en-US" sz="2000" dirty="0">
               <a:latin typeface="Courier New"/>
               <a:cs typeface="Courier New"/>
@@ -10772,211 +10468,61 @@
           </a:p>
           <a:p>
             <a:r>
-              <a:rPr lang="en-US" sz="2000" dirty="0" err="1" smtClean="0">
+              <a:rPr lang="en-US" sz="2000" dirty="0" err="1">
                 <a:latin typeface="Courier New"/>
                 <a:cs typeface="Courier New"/>
               </a:rPr>
               <a:t>awk</a:t>
             </a:r>
             <a:r>
-              <a:rPr lang="en-US" sz="2000" dirty="0" smtClean="0">
-                <a:latin typeface="Courier New"/>
-                <a:cs typeface="Courier New"/>
-              </a:rPr>
-              <a:t> </a:t>
-            </a:r>
-            <a:r>
               <a:rPr lang="en-US" sz="2000" dirty="0">
                 <a:latin typeface="Courier New"/>
                 <a:cs typeface="Courier New"/>
               </a:rPr>
-              <a:t>' END {print NR}' hg19.gtf</a:t>
-            </a:r>
-          </a:p>
-          <a:p>
-            <a:r>
-              <a:rPr lang="en-US" sz="2000" dirty="0" err="1" smtClean="0">
-                <a:latin typeface="Courier New"/>
-                <a:cs typeface="Courier New"/>
-              </a:rPr>
-              <a:t>wc</a:t>
-            </a:r>
-            <a:r>
-              <a:rPr lang="en-US" sz="2000" dirty="0" smtClean="0">
-                <a:latin typeface="Courier New"/>
-                <a:cs typeface="Courier New"/>
-              </a:rPr>
-              <a:t> </a:t>
+              <a:t> '{sum+=$4} END {print sum/3000}’ hg19.gtf</a:t>
+            </a:r>
+          </a:p>
+          <a:p>
+            <a:r>
+              <a:rPr lang="en-US" sz="2000" dirty="0" err="1">
+                <a:latin typeface="Courier New"/>
+                <a:cs typeface="Courier New"/>
+              </a:rPr>
+              <a:t>awk</a:t>
             </a:r>
             <a:r>
               <a:rPr lang="en-US" sz="2000" dirty="0">
                 <a:latin typeface="Courier New"/>
                 <a:cs typeface="Courier New"/>
               </a:rPr>
-              <a:t>–l hg19.gtf</a:t>
-            </a:r>
-          </a:p>
-          <a:p>
-            <a:endParaRPr lang="en-US" sz="2000" dirty="0" smtClean="0">
+              <a:t> '{sum+=$4} END {print sum/NR}’ hg19.gtf</a:t>
+            </a:r>
+          </a:p>
+          <a:p>
+            <a:r>
+              <a:rPr lang="en-US" dirty="0" err="1">
+                <a:latin typeface="Courier New"/>
+                <a:cs typeface="Courier New"/>
+              </a:rPr>
+              <a:t>awk</a:t>
+            </a:r>
+            <a:r>
+              <a:rPr lang="en-US" dirty="0">
+                <a:latin typeface="Courier New"/>
+                <a:cs typeface="Courier New"/>
+              </a:rPr>
+              <a:t> '{if($1=="chr2") sum+=$4} END {print sum}’ hg19.gtf</a:t>
+            </a:r>
+          </a:p>
+          <a:p>
+            <a:endParaRPr lang="en-US" sz="2400" dirty="0">
               <a:latin typeface="Courier New"/>
               <a:cs typeface="Courier New"/>
             </a:endParaRPr>
           </a:p>
           <a:p>
             <a:r>
-              <a:rPr lang="en-US" sz="2000" dirty="0" err="1">
-                <a:latin typeface="Courier New"/>
-                <a:cs typeface="Courier New"/>
-              </a:rPr>
-              <a:t>awk</a:t>
-            </a:r>
-            <a:r>
               <a:rPr lang="en-US" sz="2000" dirty="0">
-                <a:latin typeface="Courier New"/>
-                <a:cs typeface="Courier New"/>
-              </a:rPr>
-              <a:t> '{sum+</a:t>
-            </a:r>
-            <a:r>
-              <a:rPr lang="en-US" sz="2000" dirty="0" smtClean="0">
-                <a:latin typeface="Courier New"/>
-                <a:cs typeface="Courier New"/>
-              </a:rPr>
-              <a:t>=$</a:t>
-            </a:r>
-            <a:r>
-              <a:rPr lang="en-US" sz="2000" dirty="0">
-                <a:latin typeface="Courier New"/>
-                <a:cs typeface="Courier New"/>
-              </a:rPr>
-              <a:t>4} END {print </a:t>
-            </a:r>
-            <a:r>
-              <a:rPr lang="en-US" sz="2000" dirty="0" smtClean="0">
-                <a:latin typeface="Courier New"/>
-                <a:cs typeface="Courier New"/>
-              </a:rPr>
-              <a:t>sum/3000}</a:t>
-            </a:r>
-            <a:r>
-              <a:rPr lang="en-US" sz="2000" dirty="0">
-                <a:latin typeface="Courier New"/>
-                <a:cs typeface="Courier New"/>
-              </a:rPr>
-              <a:t>’ hg19.gtf</a:t>
-            </a:r>
-          </a:p>
-          <a:p>
-            <a:r>
-              <a:rPr lang="en-US" sz="2000" dirty="0" err="1" smtClean="0">
-                <a:latin typeface="Courier New"/>
-                <a:cs typeface="Courier New"/>
-              </a:rPr>
-              <a:t>awk</a:t>
-            </a:r>
-            <a:r>
-              <a:rPr lang="en-US" sz="2000" dirty="0" smtClean="0">
-                <a:latin typeface="Courier New"/>
-                <a:cs typeface="Courier New"/>
-              </a:rPr>
-              <a:t> </a:t>
-            </a:r>
-            <a:r>
-              <a:rPr lang="en-US" sz="2000" dirty="0">
-                <a:latin typeface="Courier New"/>
-                <a:cs typeface="Courier New"/>
-              </a:rPr>
-              <a:t>'{sum+</a:t>
-            </a:r>
-            <a:r>
-              <a:rPr lang="en-US" sz="2000" dirty="0" smtClean="0">
-                <a:latin typeface="Courier New"/>
-                <a:cs typeface="Courier New"/>
-              </a:rPr>
-              <a:t>=$</a:t>
-            </a:r>
-            <a:r>
-              <a:rPr lang="en-US" sz="2000" dirty="0">
-                <a:latin typeface="Courier New"/>
-                <a:cs typeface="Courier New"/>
-              </a:rPr>
-              <a:t>4} END {print sum/NR</a:t>
-            </a:r>
-            <a:r>
-              <a:rPr lang="en-US" sz="2000" dirty="0" smtClean="0">
-                <a:latin typeface="Courier New"/>
-                <a:cs typeface="Courier New"/>
-              </a:rPr>
-              <a:t>}’ </a:t>
-            </a:r>
-            <a:r>
-              <a:rPr lang="en-US" sz="2000" dirty="0">
-                <a:latin typeface="Courier New"/>
-                <a:cs typeface="Courier New"/>
-              </a:rPr>
-              <a:t>hg19.gtf</a:t>
-            </a:r>
-          </a:p>
-          <a:p>
-            <a:r>
-              <a:rPr lang="en-US" dirty="0" err="1" smtClean="0">
-                <a:latin typeface="Courier New"/>
-                <a:cs typeface="Courier New"/>
-              </a:rPr>
-              <a:t>awk</a:t>
-            </a:r>
-            <a:r>
-              <a:rPr lang="en-US" dirty="0" smtClean="0">
-                <a:latin typeface="Courier New"/>
-                <a:cs typeface="Courier New"/>
-              </a:rPr>
-              <a:t> </a:t>
-            </a:r>
-            <a:r>
-              <a:rPr lang="en-US" dirty="0">
-                <a:latin typeface="Courier New"/>
-                <a:cs typeface="Courier New"/>
-              </a:rPr>
-              <a:t>'{if($1=="chr2") sum+</a:t>
-            </a:r>
-            <a:r>
-              <a:rPr lang="en-US" dirty="0" smtClean="0">
-                <a:latin typeface="Courier New"/>
-                <a:cs typeface="Courier New"/>
-              </a:rPr>
-              <a:t>=$</a:t>
-            </a:r>
-            <a:r>
-              <a:rPr lang="en-US" dirty="0">
-                <a:latin typeface="Courier New"/>
-                <a:cs typeface="Courier New"/>
-              </a:rPr>
-              <a:t>4} END {print sum</a:t>
-            </a:r>
-            <a:r>
-              <a:rPr lang="en-US" dirty="0" smtClean="0">
-                <a:latin typeface="Courier New"/>
-                <a:cs typeface="Courier New"/>
-              </a:rPr>
-              <a:t>}’ </a:t>
-            </a:r>
-            <a:r>
-              <a:rPr lang="en-US" dirty="0">
-                <a:latin typeface="Courier New"/>
-                <a:cs typeface="Courier New"/>
-              </a:rPr>
-              <a:t>hg19.gtf</a:t>
-            </a:r>
-          </a:p>
-          <a:p>
-            <a:endParaRPr lang="en-US" sz="2400" dirty="0" smtClean="0">
-              <a:latin typeface="Courier New"/>
-              <a:cs typeface="Courier New"/>
-            </a:endParaRPr>
-          </a:p>
-          <a:p>
-            <a:r>
-              <a:rPr lang="en-US" sz="2000" dirty="0" smtClean="0">
                 <a:latin typeface="Courier New"/>
                 <a:cs typeface="Courier New"/>
               </a:rPr>
@@ -11014,11 +10560,7 @@
           <a:p>
             <a:r>
               <a:rPr lang="en-US" sz="1200" dirty="0"/>
-              <a:t>chr2    hg18_knownGene_GnfAtlas2        exon    237538  237602  0.000000        </a:t>
-            </a:r>
-            <a:r>
-              <a:rPr lang="en-US" sz="1200" dirty="0" smtClean="0"/>
-              <a:t>-	.       </a:t>
+              <a:t>chr2    hg18_knownGene_GnfAtlas2        exon    237538  237602  0.000000        -	.       </a:t>
             </a:r>
             <a:r>
               <a:rPr lang="en-US" sz="1200" dirty="0" err="1"/>
@@ -11040,11 +10582,7 @@
           <a:p>
             <a:r>
               <a:rPr lang="en-US" sz="1200" dirty="0"/>
-              <a:t>chr2    hg18_knownGene_GnfAtlas2        exon    239731  239852  0.000000        </a:t>
-            </a:r>
-            <a:r>
-              <a:rPr lang="en-US" sz="1200" dirty="0" smtClean="0"/>
-              <a:t>-	.       </a:t>
+              <a:t>chr2    hg18_knownGene_GnfAtlas2        exon    239731  239852  0.000000        -	.       </a:t>
             </a:r>
             <a:r>
               <a:rPr lang="en-US" sz="1200" dirty="0" err="1"/>
@@ -11075,13 +10613,6 @@
   <p:clrMapOvr>
     <a:masterClrMapping/>
   </p:clrMapOvr>
-  <p:timing>
-    <p:tnLst>
-      <p:par>
-        <p:cTn id="1" dur="indefinite" restart="never" nodeType="tmRoot"/>
-      </p:par>
-    </p:tnLst>
-  </p:timing>
 </p:sld>
 </file>
 
@@ -11118,10 +10649,9 @@
           <a:lstStyle/>
           <a:p>
             <a:r>
-              <a:rPr lang="en-US" dirty="0" smtClean="0"/>
+              <a:rPr lang="en-US" dirty="0"/>
               <a:t>Sort</a:t>
             </a:r>
-            <a:endParaRPr lang="en-US" dirty="0"/>
           </a:p>
         </p:txBody>
       </p:sp>
@@ -11174,16 +10704,12 @@
           <a:lstStyle/>
           <a:p>
             <a:r>
-              <a:rPr lang="en-US" sz="2400" dirty="0" smtClean="0">
+              <a:rPr lang="en-US" sz="2400" dirty="0">
                 <a:latin typeface="Courier New"/>
                 <a:cs typeface="Courier New"/>
               </a:rPr>
               <a:t>sort [OPTION]... [FILE]...</a:t>
             </a:r>
-            <a:endParaRPr lang="en-US" sz="2400" dirty="0">
-              <a:latin typeface="Courier New"/>
-              <a:cs typeface="Courier New"/>
-            </a:endParaRPr>
           </a:p>
         </p:txBody>
       </p:sp>
@@ -11210,7 +10736,7 @@
           <a:lstStyle/>
           <a:p>
             <a:r>
-              <a:rPr lang="en-US" sz="2800" dirty="0" smtClean="0">
+              <a:rPr lang="en-US" sz="2800" dirty="0">
                 <a:solidFill>
                   <a:srgbClr val="000000"/>
                 </a:solidFill>
@@ -11224,7 +10750,7 @@
               <a:buChar char="•"/>
             </a:pPr>
             <a:r>
-              <a:rPr lang="en-US" sz="2800" dirty="0" smtClean="0">
+              <a:rPr lang="en-US" sz="2800" dirty="0">
                 <a:solidFill>
                   <a:srgbClr val="0000FF"/>
                 </a:solidFill>
@@ -11232,7 +10758,7 @@
               <a:t>-n - </a:t>
             </a:r>
             <a:r>
-              <a:rPr lang="en-US" sz="2800" dirty="0" smtClean="0">
+              <a:rPr lang="en-US" sz="2800" dirty="0">
                 <a:solidFill>
                   <a:srgbClr val="000000"/>
                 </a:solidFill>
@@ -11246,7 +10772,7 @@
               <a:buChar char="•"/>
             </a:pPr>
             <a:r>
-              <a:rPr lang="en-US" sz="2800" dirty="0" smtClean="0">
+              <a:rPr lang="en-US" sz="2800" dirty="0">
                 <a:solidFill>
                   <a:srgbClr val="0000FF"/>
                 </a:solidFill>
@@ -11254,18 +10780,13 @@
               <a:t>-k - </a:t>
             </a:r>
             <a:r>
-              <a:rPr lang="en-US" sz="2800" dirty="0" smtClean="0">
+              <a:rPr lang="en-US" sz="2800" dirty="0">
                 <a:solidFill>
                   <a:srgbClr val="000000"/>
                 </a:solidFill>
               </a:rPr>
               <a:t>sort by a particular column</a:t>
             </a:r>
-            <a:endParaRPr lang="en-US" sz="2800" dirty="0">
-              <a:solidFill>
-                <a:srgbClr val="000000"/>
-              </a:solidFill>
-            </a:endParaRPr>
           </a:p>
         </p:txBody>
       </p:sp>
@@ -11279,13 +10800,6 @@
   <p:clrMapOvr>
     <a:masterClrMapping/>
   </p:clrMapOvr>
-  <p:timing>
-    <p:tnLst>
-      <p:par>
-        <p:cTn id="1" dur="indefinite" restart="never" nodeType="tmRoot"/>
-      </p:par>
-    </p:tnLst>
-  </p:timing>
 </p:sld>
 </file>
 
@@ -11322,10 +10836,9 @@
           <a:lstStyle/>
           <a:p>
             <a:r>
-              <a:rPr lang="en-US" dirty="0" smtClean="0"/>
+              <a:rPr lang="en-US" dirty="0"/>
               <a:t>Sort a file</a:t>
             </a:r>
-            <a:endParaRPr lang="en-US" dirty="0"/>
           </a:p>
         </p:txBody>
       </p:sp>
@@ -11360,10 +10873,9 @@
               <a:buSzPct val="110000"/>
             </a:pPr>
             <a:r>
-              <a:rPr lang="en-US" sz="2400" dirty="0" smtClean="0"/>
+              <a:rPr lang="en-US" sz="2400" dirty="0"/>
               <a:t>Sort a text file</a:t>
             </a:r>
-            <a:endParaRPr lang="en-US" sz="2400" dirty="0"/>
           </a:p>
         </p:txBody>
       </p:sp>
@@ -11394,17 +10906,10 @@
                 <a:latin typeface="Courier New"/>
                 <a:cs typeface="Courier New"/>
               </a:rPr>
-              <a:t>s</a:t>
-            </a:r>
-            <a:r>
-              <a:rPr lang="en-US" sz="2400" dirty="0" smtClean="0">
-                <a:latin typeface="Courier New"/>
-                <a:cs typeface="Courier New"/>
-              </a:rPr>
-              <a:t>ort </a:t>
-            </a:r>
-            <a:r>
-              <a:rPr lang="en-US" sz="2400" dirty="0" err="1" smtClean="0">
+              <a:t>sort </a:t>
+            </a:r>
+            <a:r>
+              <a:rPr lang="en-US" sz="2400" dirty="0" err="1">
                 <a:latin typeface="Courier New"/>
                 <a:cs typeface="Courier New"/>
               </a:rPr>
@@ -11448,10 +10953,9 @@
               <a:buSzPct val="110000"/>
             </a:pPr>
             <a:r>
-              <a:rPr lang="en-US" sz="2400" dirty="0" smtClean="0"/>
+              <a:rPr lang="en-US" sz="2400" dirty="0"/>
               <a:t>Sort a file with numbers</a:t>
             </a:r>
-            <a:endParaRPr lang="en-US" sz="2400" dirty="0"/>
           </a:p>
         </p:txBody>
       </p:sp>
@@ -11482,17 +10986,10 @@
                 <a:latin typeface="Courier New"/>
                 <a:cs typeface="Courier New"/>
               </a:rPr>
-              <a:t>s</a:t>
-            </a:r>
-            <a:r>
-              <a:rPr lang="en-US" sz="2400" dirty="0" smtClean="0">
-                <a:latin typeface="Courier New"/>
-                <a:cs typeface="Courier New"/>
-              </a:rPr>
-              <a:t>ort </a:t>
-            </a:r>
-            <a:r>
-              <a:rPr lang="en-US" sz="2400" dirty="0" smtClean="0">
+              <a:t>sort </a:t>
+            </a:r>
+            <a:r>
+              <a:rPr lang="en-US" sz="2400" dirty="0">
                 <a:solidFill>
                   <a:srgbClr val="0000FF"/>
                 </a:solidFill>
@@ -11502,7 +10999,7 @@
               <a:t>–n </a:t>
             </a:r>
             <a:r>
-              <a:rPr lang="en-US" sz="2400" dirty="0" err="1" smtClean="0">
+              <a:rPr lang="en-US" sz="2400" dirty="0" err="1">
                 <a:latin typeface="Courier New"/>
                 <a:cs typeface="Courier New"/>
               </a:rPr>
@@ -11652,23 +11149,18 @@
           <a:p>
             <a:r>
               <a:rPr lang="en-US" b="1" dirty="0" err="1"/>
-              <a:t>r</a:t>
-            </a:r>
-            <a:r>
-              <a:rPr lang="en-US" b="1" dirty="0" err="1" smtClean="0"/>
-              <a:t>egex.txt</a:t>
-            </a:r>
-            <a:r>
-              <a:rPr lang="en-US" b="1" dirty="0" smtClean="0"/>
+              <a:t>regex.txt</a:t>
+            </a:r>
+            <a:r>
+              <a:rPr lang="en-US" b="1" dirty="0"/>
               <a:t> </a:t>
             </a:r>
           </a:p>
           <a:p>
             <a:r>
-              <a:rPr lang="en-US" dirty="0" smtClean="0"/>
+              <a:rPr lang="en-US" dirty="0"/>
               <a:t>beat</a:t>
             </a:r>
-            <a:endParaRPr lang="en-US" dirty="0"/>
           </a:p>
           <a:p>
             <a:r>
@@ -11958,10 +11450,9 @@
           <a:lstStyle/>
           <a:p>
             <a:r>
-              <a:rPr lang="en-US" dirty="0" smtClean="0"/>
+              <a:rPr lang="en-US" dirty="0"/>
               <a:t>Sort by column</a:t>
             </a:r>
-            <a:endParaRPr lang="en-US" dirty="0"/>
           </a:p>
         </p:txBody>
       </p:sp>
@@ -11992,21 +11483,7 @@
                 <a:latin typeface="Courier New"/>
                 <a:cs typeface="Courier New"/>
               </a:rPr>
-              <a:t>sort </a:t>
-            </a:r>
-            <a:r>
-              <a:rPr lang="en-US" sz="2400" dirty="0" smtClean="0">
-                <a:latin typeface="Courier New"/>
-                <a:cs typeface="Courier New"/>
-              </a:rPr>
-              <a:t>–k </a:t>
-            </a:r>
-            <a:r>
-              <a:rPr lang="en-US" sz="2400" dirty="0">
-                <a:latin typeface="Courier New"/>
-                <a:cs typeface="Courier New"/>
-              </a:rPr>
-              <a:t>2 </a:t>
+              <a:t>sort –k 2 </a:t>
             </a:r>
             <a:r>
               <a:rPr lang="en-US" sz="2400" dirty="0" err="1">
@@ -12084,10 +11561,9 @@
           <a:lstStyle/>
           <a:p>
             <a:r>
-              <a:rPr lang="en-US" dirty="0" smtClean="0"/>
+              <a:rPr lang="en-US" dirty="0"/>
               <a:t>Column number</a:t>
             </a:r>
-            <a:endParaRPr lang="en-US" dirty="0"/>
           </a:p>
         </p:txBody>
       </p:sp>
@@ -12142,24 +11618,17 @@
                 <a:latin typeface="Courier New"/>
                 <a:cs typeface="Courier New"/>
               </a:rPr>
-              <a:t>sort </a:t>
-            </a:r>
-            <a:r>
-              <a:rPr lang="en-US" sz="2400" dirty="0" smtClean="0">
-                <a:latin typeface="Courier New"/>
-                <a:cs typeface="Courier New"/>
-              </a:rPr>
-              <a:t>–k 3</a:t>
-            </a:r>
-            <a:r>
-              <a:rPr lang="en-US" sz="2400" b="1" dirty="0" smtClean="0">
+              <a:t>sort –k 3</a:t>
+            </a:r>
+            <a:r>
+              <a:rPr lang="en-US" sz="2400" b="1" dirty="0">
                 <a:latin typeface="Courier New"/>
                 <a:cs typeface="Courier New"/>
               </a:rPr>
               <a:t>n</a:t>
             </a:r>
             <a:r>
-              <a:rPr lang="en-US" sz="2400" dirty="0" smtClean="0">
+              <a:rPr lang="en-US" sz="2400" dirty="0">
                 <a:latin typeface="Courier New"/>
                 <a:cs typeface="Courier New"/>
               </a:rPr>
@@ -12229,22 +11698,14 @@
           <a:p>
             <a:r>
               <a:rPr lang="en-US" b="1" dirty="0" err="1"/>
-              <a:t>s</a:t>
-            </a:r>
-            <a:r>
-              <a:rPr lang="en-US" b="1" dirty="0" err="1" smtClean="0"/>
-              <a:t>ales.dat</a:t>
-            </a:r>
-            <a:endParaRPr lang="en-US" b="1" dirty="0" smtClean="0"/>
-          </a:p>
-          <a:p>
-            <a:r>
-              <a:rPr lang="en-US" dirty="0" smtClean="0"/>
-              <a:t>1       </a:t>
-            </a:r>
+              <a:t>sales.dat</a:t>
+            </a:r>
+            <a:endParaRPr lang="en-US" b="1" dirty="0"/>
+          </a:p>
+          <a:p>
             <a:r>
               <a:rPr lang="en-US" dirty="0"/>
-              <a:t>clothing        3141 </a:t>
+              <a:t>1       clothing        3141 </a:t>
             </a:r>
           </a:p>
           <a:p>
@@ -12264,24 +11725,18 @@
               <a:buAutoNum type="arabicPlain" startAt="2"/>
             </a:pPr>
             <a:r>
-              <a:rPr lang="en-US" dirty="0" smtClean="0"/>
-              <a:t>clothing        </a:t>
-            </a:r>
-            <a:r>
               <a:rPr lang="en-US" dirty="0"/>
-              <a:t>3252 </a:t>
-            </a:r>
-            <a:endParaRPr lang="en-US" dirty="0" smtClean="0"/>
+              <a:t>clothing        3252 </a:t>
+            </a:r>
           </a:p>
           <a:p>
             <a:pPr marL="342900" indent="-342900">
               <a:buAutoNum type="arabicPlain" startAt="2"/>
             </a:pPr>
             <a:r>
-              <a:rPr lang="en-US" dirty="0" smtClean="0"/>
+              <a:rPr lang="en-US" dirty="0"/>
               <a:t>…</a:t>
             </a:r>
-            <a:endParaRPr lang="en-US" dirty="0"/>
           </a:p>
         </p:txBody>
       </p:sp>
@@ -12295,13 +11750,6 @@
   <p:clrMapOvr>
     <a:masterClrMapping/>
   </p:clrMapOvr>
-  <p:timing>
-    <p:tnLst>
-      <p:par>
-        <p:cTn id="1" dur="indefinite" restart="never" nodeType="tmRoot"/>
-      </p:par>
-    </p:tnLst>
-  </p:timing>
 </p:sld>
 </file>
 
@@ -12338,7 +11786,7 @@
           <a:lstStyle/>
           <a:p>
             <a:r>
-              <a:rPr lang="en-US" dirty="0" err="1" smtClean="0"/>
+              <a:rPr lang="en-US" dirty="0" err="1"/>
               <a:t>Uniq</a:t>
             </a:r>
             <a:endParaRPr lang="en-US" dirty="0"/>
@@ -12362,13 +11810,8 @@
           <a:p>
             <a:r>
               <a:rPr lang="en-US" dirty="0"/>
-              <a:t>Removes duplicate </a:t>
-            </a:r>
-            <a:r>
-              <a:rPr lang="en-US" dirty="0" smtClean="0"/>
-              <a:t>lines from a file*</a:t>
-            </a:r>
-            <a:endParaRPr lang="en-US" dirty="0"/>
+              <a:t>Removes duplicate lines from a file*</a:t>
+            </a:r>
           </a:p>
         </p:txBody>
       </p:sp>
@@ -12405,19 +11848,8 @@
                 <a:latin typeface="Courier New"/>
                 <a:cs typeface="Courier New"/>
               </a:rPr>
-              <a:t> [OPTION]... [</a:t>
-            </a:r>
-            <a:r>
-              <a:rPr lang="en-US" sz="2800" dirty="0" smtClean="0">
-                <a:latin typeface="Courier New"/>
-                <a:cs typeface="Courier New"/>
-              </a:rPr>
-              <a:t>INPUT]</a:t>
-            </a:r>
-            <a:endParaRPr lang="en-US" sz="2800" dirty="0">
-              <a:latin typeface="Courier New"/>
-              <a:cs typeface="Courier New"/>
-            </a:endParaRPr>
+              <a:t> [OPTION]... [INPUT]</a:t>
+            </a:r>
           </a:p>
         </p:txBody>
       </p:sp>
@@ -12444,10 +11876,9 @@
           <a:lstStyle/>
           <a:p>
             <a:r>
-              <a:rPr lang="en-US" dirty="0" smtClean="0"/>
+              <a:rPr lang="en-US" dirty="0"/>
               <a:t>*assumes that the file is sorted</a:t>
             </a:r>
-            <a:endParaRPr lang="en-US" dirty="0"/>
           </a:p>
         </p:txBody>
       </p:sp>
@@ -12474,7 +11905,7 @@
           <a:lstStyle/>
           <a:p>
             <a:r>
-              <a:rPr lang="en-US" sz="2800" dirty="0" smtClean="0">
+              <a:rPr lang="en-US" sz="2800" dirty="0">
                 <a:solidFill>
                   <a:srgbClr val="000000"/>
                 </a:solidFill>
@@ -12488,7 +11919,7 @@
               <a:buChar char="•"/>
             </a:pPr>
             <a:r>
-              <a:rPr lang="en-US" sz="2800" dirty="0" smtClean="0">
+              <a:rPr lang="en-US" sz="2800" dirty="0">
                 <a:solidFill>
                   <a:srgbClr val="0000FF"/>
                 </a:solidFill>
@@ -12497,11 +11928,7 @@
             </a:r>
             <a:r>
               <a:rPr lang="en-US" sz="2800" dirty="0"/>
-              <a:t>how many times </a:t>
-            </a:r>
-            <a:r>
-              <a:rPr lang="en-US" sz="2800" dirty="0" smtClean="0"/>
-              <a:t>each line occurred</a:t>
+              <a:t>how many times each line occurred</a:t>
             </a:r>
           </a:p>
           <a:p>
@@ -12510,7 +11937,7 @@
               <a:buChar char="•"/>
             </a:pPr>
             <a:r>
-              <a:rPr lang="en-US" sz="2800" dirty="0" smtClean="0">
+              <a:rPr lang="en-US" sz="2800" dirty="0">
                 <a:solidFill>
                   <a:srgbClr val="0000FF"/>
                 </a:solidFill>
@@ -12519,15 +11946,7 @@
             </a:r>
             <a:r>
               <a:rPr lang="en-US" sz="2800" dirty="0"/>
-              <a:t>print </a:t>
-            </a:r>
-            <a:r>
-              <a:rPr lang="en-US" sz="2800" dirty="0" smtClean="0"/>
-              <a:t>only duplicated </a:t>
-            </a:r>
-            <a:r>
-              <a:rPr lang="en-US" sz="2800" dirty="0"/>
-              <a:t>lines</a:t>
+              <a:t>print only duplicated lines</a:t>
             </a:r>
             <a:endParaRPr lang="en-US" sz="2800" dirty="0">
               <a:solidFill>
@@ -12547,13 +11966,6 @@
   <p:clrMapOvr>
     <a:masterClrMapping/>
   </p:clrMapOvr>
-  <p:timing>
-    <p:tnLst>
-      <p:par>
-        <p:cTn id="1" dur="indefinite" restart="never" nodeType="tmRoot"/>
-      </p:par>
-    </p:tnLst>
-  </p:timing>
 </p:sld>
 </file>
 
@@ -12590,14 +12002,11 @@
           <a:lstStyle/>
           <a:p>
             <a:r>
-              <a:rPr lang="en-US" dirty="0" smtClean="0">
+              <a:rPr lang="en-US" dirty="0">
                 <a:latin typeface="+mj-lt"/>
               </a:rPr>
               <a:t>Summary of Day 2</a:t>
             </a:r>
-            <a:endParaRPr lang="en-US" dirty="0">
-              <a:latin typeface="+mj-lt"/>
-            </a:endParaRPr>
           </a:p>
         </p:txBody>
       </p:sp>
@@ -12635,13 +12044,6 @@
   <p:clrMapOvr>
     <a:masterClrMapping/>
   </p:clrMapOvr>
-  <p:timing>
-    <p:tnLst>
-      <p:par>
-        <p:cTn id="1" dur="indefinite" restart="never" nodeType="tmRoot"/>
-      </p:par>
-    </p:tnLst>
-  </p:timing>
 </p:sld>
 </file>
 
@@ -12678,10 +12080,9 @@
           <a:lstStyle/>
           <a:p>
             <a:r>
-              <a:rPr lang="en-US" dirty="0" smtClean="0"/>
+              <a:rPr lang="en-US" dirty="0"/>
               <a:t>Let’s practice</a:t>
             </a:r>
-            <a:endParaRPr lang="en-US" dirty="0"/>
           </a:p>
         </p:txBody>
       </p:sp>
@@ -12711,48 +12112,41 @@
               <a:t>$ sort </a:t>
             </a:r>
             <a:r>
-              <a:rPr lang="en-US" sz="2400" b="1" dirty="0" smtClean="0">
+              <a:rPr lang="en-US" sz="2400" b="1" dirty="0">
                 <a:latin typeface="Courier New"/>
                 <a:cs typeface="Courier New"/>
               </a:rPr>
               <a:t>–n</a:t>
             </a:r>
             <a:r>
-              <a:rPr lang="en-US" sz="2400" dirty="0" smtClean="0">
+              <a:rPr lang="en-US" sz="2400" dirty="0">
                 <a:latin typeface="Courier New"/>
                 <a:cs typeface="Courier New"/>
               </a:rPr>
               <a:t> </a:t>
             </a:r>
             <a:r>
-              <a:rPr lang="en-US" sz="2400" dirty="0" err="1" smtClean="0">
+              <a:rPr lang="en-US" sz="2400" dirty="0" err="1">
                 <a:latin typeface="Courier New"/>
                 <a:cs typeface="Courier New"/>
               </a:rPr>
               <a:t>numbers.txt</a:t>
             </a:r>
             <a:r>
-              <a:rPr lang="en-US" sz="2400" dirty="0" smtClean="0">
-                <a:latin typeface="Courier New"/>
-                <a:cs typeface="Courier New"/>
-              </a:rPr>
-              <a:t> </a:t>
-            </a:r>
-            <a:r>
               <a:rPr lang="en-US" sz="2400" dirty="0">
                 <a:latin typeface="Courier New"/>
                 <a:cs typeface="Courier New"/>
               </a:rPr>
-              <a:t>&gt;</a:t>
-            </a:r>
-            <a:r>
-              <a:rPr lang="en-US" sz="2400" dirty="0" err="1" smtClean="0">
+              <a:t> &gt;</a:t>
+            </a:r>
+            <a:r>
+              <a:rPr lang="en-US" sz="2400" dirty="0" err="1">
                 <a:latin typeface="Courier New"/>
                 <a:cs typeface="Courier New"/>
               </a:rPr>
               <a:t>numbers_sort.txt</a:t>
             </a:r>
-            <a:endParaRPr lang="en-US" sz="2400" dirty="0" smtClean="0">
+            <a:endParaRPr lang="en-US" sz="2400" dirty="0">
               <a:latin typeface="Courier New"/>
               <a:cs typeface="Courier New"/>
             </a:endParaRPr>
@@ -12783,13 +12177,13 @@
               <a:t> </a:t>
             </a:r>
             <a:r>
-              <a:rPr lang="en-US" sz="2400" dirty="0" err="1" smtClean="0">
+              <a:rPr lang="en-US" sz="2400" dirty="0" err="1">
                 <a:latin typeface="Courier New"/>
                 <a:cs typeface="Courier New"/>
               </a:rPr>
               <a:t>numbers_sort.txt</a:t>
             </a:r>
-            <a:endParaRPr lang="en-US" sz="2400" dirty="0" smtClean="0">
+            <a:endParaRPr lang="en-US" sz="2400" dirty="0">
               <a:latin typeface="Courier New"/>
               <a:cs typeface="Courier New"/>
             </a:endParaRPr>
@@ -12799,7 +12193,7 @@
               <a:buNone/>
             </a:pPr>
             <a:r>
-              <a:rPr lang="en-US" sz="2400" dirty="0" smtClean="0">
+              <a:rPr lang="en-US" sz="2400" dirty="0">
                 <a:latin typeface="Courier New"/>
                 <a:cs typeface="Courier New"/>
               </a:rPr>
@@ -12833,7 +12227,40 @@
               </a:rPr>
               <a:t> </a:t>
             </a:r>
-            <a:endParaRPr lang="en-US" sz="2400" dirty="0" smtClean="0">
+          </a:p>
+          <a:p>
+            <a:pPr marL="0" indent="0">
+              <a:buNone/>
+            </a:pPr>
+            <a:r>
+              <a:rPr lang="en-US" sz="2400" dirty="0">
+                <a:latin typeface="Courier New"/>
+                <a:cs typeface="Courier New"/>
+              </a:rPr>
+              <a:t>$ </a:t>
+            </a:r>
+            <a:r>
+              <a:rPr lang="en-US" sz="2400" dirty="0" err="1">
+                <a:latin typeface="Courier New"/>
+                <a:cs typeface="Courier New"/>
+              </a:rPr>
+              <a:t>uniq</a:t>
+            </a:r>
+            <a:r>
+              <a:rPr lang="en-US" sz="2400" dirty="0">
+                <a:latin typeface="Courier New"/>
+                <a:cs typeface="Courier New"/>
+              </a:rPr>
+              <a:t> -d </a:t>
+            </a:r>
+            <a:r>
+              <a:rPr lang="en-US" sz="2400" dirty="0" err="1">
+                <a:latin typeface="Courier New"/>
+                <a:cs typeface="Courier New"/>
+              </a:rPr>
+              <a:t>numbers_sort.txt</a:t>
+            </a:r>
+            <a:endParaRPr lang="en-US" sz="2400" dirty="0">
               <a:latin typeface="Courier New"/>
               <a:cs typeface="Courier New"/>
             </a:endParaRPr>
@@ -12861,7 +12288,7 @@
                 <a:latin typeface="Courier New"/>
                 <a:cs typeface="Courier New"/>
               </a:rPr>
-              <a:t> -d </a:t>
+              <a:t> -c </a:t>
             </a:r>
             <a:r>
               <a:rPr lang="en-US" sz="2400" dirty="0" err="1">
@@ -12870,7 +12297,7 @@
               </a:rPr>
               <a:t>numbers_sort.txt</a:t>
             </a:r>
-            <a:endParaRPr lang="en-US" sz="2400" dirty="0" smtClean="0">
+            <a:endParaRPr lang="en-US" sz="2400" dirty="0">
               <a:latin typeface="Courier New"/>
               <a:cs typeface="Courier New"/>
             </a:endParaRPr>
@@ -12880,56 +12307,8 @@
               <a:buNone/>
             </a:pPr>
             <a:r>
-              <a:rPr lang="en-US" sz="2400" dirty="0" smtClean="0">
-                <a:latin typeface="Courier New"/>
-                <a:cs typeface="Courier New"/>
-              </a:rPr>
-              <a:t>$ </a:t>
-            </a:r>
-            <a:r>
-              <a:rPr lang="en-US" sz="2400" dirty="0" err="1" smtClean="0">
-                <a:latin typeface="Courier New"/>
-                <a:cs typeface="Courier New"/>
-              </a:rPr>
-              <a:t>uniq</a:t>
-            </a:r>
-            <a:r>
-              <a:rPr lang="en-US" sz="2400" dirty="0" smtClean="0">
-                <a:latin typeface="Courier New"/>
-                <a:cs typeface="Courier New"/>
-              </a:rPr>
-              <a:t> </a:t>
-            </a:r>
-            <a:r>
-              <a:rPr lang="en-US" sz="2400" dirty="0">
-                <a:latin typeface="Courier New"/>
-                <a:cs typeface="Courier New"/>
-              </a:rPr>
-              <a:t>-c </a:t>
-            </a:r>
-            <a:r>
-              <a:rPr lang="en-US" sz="2400" dirty="0" err="1" smtClean="0">
-                <a:latin typeface="Courier New"/>
-                <a:cs typeface="Courier New"/>
-              </a:rPr>
-              <a:t>numbers_sort.txt</a:t>
-            </a:r>
-            <a:endParaRPr lang="en-US" sz="2400" dirty="0" smtClean="0">
-              <a:latin typeface="Courier New"/>
-              <a:cs typeface="Courier New"/>
-            </a:endParaRPr>
-          </a:p>
-          <a:p>
-            <a:pPr marL="0" indent="0">
-              <a:buNone/>
-            </a:pPr>
-            <a:r>
-              <a:rPr lang="en-US" dirty="0" smtClean="0"/>
-              <a:t>2 </a:t>
-            </a:r>
-            <a:r>
               <a:rPr lang="en-US" dirty="0"/>
-              <a:t>7</a:t>
+              <a:t>2 7</a:t>
             </a:r>
           </a:p>
         </p:txBody>
@@ -13015,13 +12394,8 @@
           <a:p>
             <a:r>
               <a:rPr lang="en-US" sz="2000" dirty="0"/>
-              <a:t>a</a:t>
-            </a:r>
-            <a:r>
-              <a:rPr lang="en-US" sz="2000" dirty="0" smtClean="0"/>
-              <a:t> line of the file</a:t>
-            </a:r>
-            <a:endParaRPr lang="en-US" sz="2000" dirty="0"/>
+              <a:t>a line of the file</a:t>
+            </a:r>
           </a:p>
         </p:txBody>
       </p:sp>
@@ -13081,10 +12455,9 @@
           <a:lstStyle/>
           <a:p>
             <a:r>
-              <a:rPr lang="en-US" sz="2000" dirty="0" smtClean="0"/>
+              <a:rPr lang="en-US" sz="2000" dirty="0"/>
               <a:t>How many times it occurs</a:t>
             </a:r>
-            <a:endParaRPr lang="en-US" sz="2000" dirty="0"/>
           </a:p>
         </p:txBody>
       </p:sp>
@@ -13111,20 +12484,15 @@
           <a:p>
             <a:r>
               <a:rPr lang="en-US" b="1" dirty="0" err="1"/>
-              <a:t>n</a:t>
-            </a:r>
-            <a:r>
-              <a:rPr lang="en-US" b="1" dirty="0" err="1" smtClean="0"/>
-              <a:t>umbers.txt</a:t>
-            </a:r>
-            <a:endParaRPr lang="en-US" b="1" dirty="0" smtClean="0"/>
-          </a:p>
-          <a:p>
-            <a:r>
-              <a:rPr lang="en-US" dirty="0" smtClean="0"/>
+              <a:t>numbers.txt</a:t>
+            </a:r>
+            <a:endParaRPr lang="en-US" b="1" dirty="0"/>
+          </a:p>
+          <a:p>
+            <a:r>
+              <a:rPr lang="en-US" dirty="0"/>
               <a:t>3</a:t>
             </a:r>
-            <a:endParaRPr lang="en-US" dirty="0"/>
           </a:p>
           <a:p>
             <a:r>
@@ -13180,13 +12548,6 @@
   <p:clrMapOvr>
     <a:masterClrMapping/>
   </p:clrMapOvr>
-  <p:timing>
-    <p:tnLst>
-      <p:par>
-        <p:cTn id="1" dur="indefinite" restart="never" nodeType="tmRoot"/>
-      </p:par>
-    </p:tnLst>
-  </p:timing>
 </p:sld>
 </file>
 
@@ -13223,10 +12584,9 @@
           <a:lstStyle/>
           <a:p>
             <a:r>
-              <a:rPr lang="en-US" dirty="0" smtClean="0"/>
+              <a:rPr lang="en-US" dirty="0"/>
               <a:t>Shell scripts</a:t>
             </a:r>
-            <a:endParaRPr lang="en-US" dirty="0"/>
           </a:p>
         </p:txBody>
       </p:sp>
@@ -13248,20 +12608,19 @@
           <a:lstStyle/>
           <a:p>
             <a:r>
-              <a:rPr lang="en-US" dirty="0" smtClean="0"/>
+              <a:rPr lang="en-US" dirty="0"/>
               <a:t>If you have a bunch of commands you</a:t>
             </a:r>
             <a:r>
-              <a:rPr lang="ja-JP" altLang="en-US" dirty="0" smtClean="0">
+              <a:rPr lang="ja-JP" altLang="en-US" dirty="0">
                 <a:latin typeface="Arial"/>
               </a:rPr>
               <a:t>’</a:t>
             </a:r>
             <a:r>
-              <a:rPr lang="en-US" dirty="0" smtClean="0"/>
+              <a:rPr lang="en-US" dirty="0"/>
               <a:t>d like to automate, you can put them on separate lines of a file.  </a:t>
             </a:r>
-            <a:endParaRPr lang="en-US" dirty="0"/>
           </a:p>
         </p:txBody>
       </p:sp>
@@ -13299,13 +12658,6 @@
   <p:clrMapOvr>
     <a:masterClrMapping/>
   </p:clrMapOvr>
-  <p:timing>
-    <p:tnLst>
-      <p:par>
-        <p:cTn id="1" dur="indefinite" restart="never" nodeType="tmRoot"/>
-      </p:par>
-    </p:tnLst>
-  </p:timing>
 </p:sld>
 </file>
 
@@ -13373,42 +12725,22 @@
           </a:p>
           <a:p>
             <a:r>
-              <a:rPr lang="en-US" dirty="0" smtClean="0"/>
-              <a:t>Use </a:t>
-            </a:r>
-            <a:r>
               <a:rPr lang="en-US" dirty="0"/>
-              <a:t>any </a:t>
-            </a:r>
-            <a:r>
-              <a:rPr lang="en-US" b="1" dirty="0" smtClean="0"/>
+              <a:t>Use any </a:t>
+            </a:r>
+            <a:r>
+              <a:rPr lang="en-US" b="1" dirty="0"/>
               <a:t>vi</a:t>
             </a:r>
             <a:r>
-              <a:rPr lang="en-US" dirty="0" smtClean="0"/>
-              <a:t> editor </a:t>
-            </a:r>
-            <a:r>
               <a:rPr lang="en-US" dirty="0"/>
-              <a:t>like </a:t>
-            </a:r>
-            <a:r>
-              <a:rPr lang="en-US" dirty="0" smtClean="0"/>
-              <a:t>to </a:t>
-            </a:r>
+              <a:t> editor like to write shell script.</a:t>
+            </a:r>
+          </a:p>
+          <a:p>
             <a:r>
               <a:rPr lang="en-US" dirty="0"/>
-              <a:t>write shell script.</a:t>
-            </a:r>
-          </a:p>
-          <a:p>
-            <a:r>
-              <a:rPr lang="en-US" dirty="0" smtClean="0"/>
-              <a:t> </a:t>
-            </a:r>
-            <a:r>
-              <a:rPr lang="en-US" dirty="0"/>
-              <a:t>After writing shell script set execute permission for your script </a:t>
+              <a:t> After writing shell script set execute permission for your script </a:t>
             </a:r>
           </a:p>
           <a:p>
@@ -13426,13 +12758,6 @@
   <p:clrMapOvr>
     <a:masterClrMapping/>
   </p:clrMapOvr>
-  <p:timing>
-    <p:tnLst>
-      <p:par>
-        <p:cTn id="1" dur="indefinite" restart="never" nodeType="tmRoot"/>
-      </p:par>
-    </p:tnLst>
-  </p:timing>
 </p:sld>
 </file>
 
@@ -13496,77 +12821,23 @@
               <a:buNone/>
             </a:pPr>
             <a:r>
-              <a:rPr lang="en-US" sz="2800" dirty="0" smtClean="0">
+              <a:rPr lang="en-US" sz="2800" dirty="0">
                 <a:latin typeface="Courier New"/>
                 <a:cs typeface="Courier New"/>
               </a:rPr>
               <a:t>vi </a:t>
             </a:r>
             <a:r>
-              <a:rPr lang="en-US" sz="2800" dirty="0" err="1" smtClean="0">
+              <a:rPr lang="en-US" sz="2800" dirty="0" err="1">
                 <a:latin typeface="Courier New"/>
                 <a:cs typeface="Courier New"/>
               </a:rPr>
               <a:t>script.sh</a:t>
             </a:r>
-            <a:endParaRPr lang="en-US" sz="2800" dirty="0" smtClean="0">
+            <a:endParaRPr lang="en-US" sz="2800" dirty="0">
               <a:latin typeface="Courier New"/>
               <a:cs typeface="Courier New"/>
             </a:endParaRPr>
-          </a:p>
-          <a:p>
-            <a:pPr marL="0" indent="0">
-              <a:buNone/>
-            </a:pPr>
-            <a:endParaRPr lang="en-US" sz="2800" dirty="0" smtClean="0">
-              <a:latin typeface="Courier New"/>
-              <a:cs typeface="Courier New"/>
-            </a:endParaRPr>
-          </a:p>
-          <a:p>
-            <a:pPr marL="0" indent="0">
-              <a:buNone/>
-            </a:pPr>
-            <a:r>
-              <a:rPr lang="en-US" sz="2800" dirty="0">
-                <a:latin typeface="Courier New"/>
-                <a:cs typeface="Courier New"/>
-              </a:rPr>
-              <a:t>#!/bin/</a:t>
-            </a:r>
-            <a:r>
-              <a:rPr lang="en-US" sz="2800" dirty="0" smtClean="0">
-                <a:latin typeface="Courier New"/>
-                <a:cs typeface="Courier New"/>
-              </a:rPr>
-              <a:t>bash</a:t>
-            </a:r>
-          </a:p>
-          <a:p>
-            <a:pPr marL="0" indent="0">
-              <a:buNone/>
-            </a:pPr>
-            <a:r>
-              <a:rPr lang="en-US" sz="2800" dirty="0" smtClean="0">
-                <a:latin typeface="Courier New"/>
-                <a:cs typeface="Courier New"/>
-              </a:rPr>
-              <a:t>echo </a:t>
-            </a:r>
-            <a:r>
-              <a:rPr lang="en-US" sz="2800" dirty="0">
-                <a:latin typeface="Courier New"/>
-                <a:cs typeface="Courier New"/>
-              </a:rPr>
-              <a:t>"My first </a:t>
-            </a:r>
-            <a:r>
-              <a:rPr lang="en-US" sz="2800" dirty="0" smtClean="0">
-                <a:latin typeface="Courier New"/>
-                <a:cs typeface="Courier New"/>
-              </a:rPr>
-              <a:t>script”</a:t>
-            </a:r>
           </a:p>
           <a:p>
             <a:pPr marL="0" indent="0">
@@ -13581,10 +12852,25 @@
             <a:pPr marL="0" indent="0">
               <a:buNone/>
             </a:pPr>
-            <a:endParaRPr lang="en-US" sz="2800" dirty="0" smtClean="0">
-              <a:latin typeface="Courier New"/>
-              <a:cs typeface="Courier New"/>
-            </a:endParaRPr>
+            <a:r>
+              <a:rPr lang="en-US" sz="2800" dirty="0">
+                <a:latin typeface="Courier New"/>
+                <a:cs typeface="Courier New"/>
+              </a:rPr>
+              <a:t>#!/bin/bash</a:t>
+            </a:r>
+          </a:p>
+          <a:p>
+            <a:pPr marL="0" indent="0">
+              <a:buNone/>
+            </a:pPr>
+            <a:r>
+              <a:rPr lang="en-US" sz="2800" dirty="0">
+                <a:latin typeface="Courier New"/>
+                <a:cs typeface="Courier New"/>
+              </a:rPr>
+              <a:t>echo "My first script”</a:t>
+            </a:r>
           </a:p>
           <a:p>
             <a:pPr marL="0" indent="0">
@@ -13599,41 +12885,6 @@
             <a:pPr marL="0" indent="0">
               <a:buNone/>
             </a:pPr>
-            <a:r>
-              <a:rPr lang="en-US" sz="2800" dirty="0" err="1" smtClean="0">
-                <a:latin typeface="Courier New"/>
-                <a:cs typeface="Courier New"/>
-              </a:rPr>
-              <a:t>chmod</a:t>
-            </a:r>
-            <a:r>
-              <a:rPr lang="en-US" sz="2800" dirty="0" smtClean="0">
-                <a:latin typeface="Courier New"/>
-                <a:cs typeface="Courier New"/>
-              </a:rPr>
-              <a:t> </a:t>
-            </a:r>
-            <a:r>
-              <a:rPr lang="en-US" sz="2800" dirty="0" err="1" smtClean="0">
-                <a:latin typeface="Courier New"/>
-                <a:cs typeface="Courier New"/>
-              </a:rPr>
-              <a:t>u+x</a:t>
-            </a:r>
-            <a:r>
-              <a:rPr lang="en-US" sz="2800" dirty="0" smtClean="0">
-                <a:latin typeface="Courier New"/>
-                <a:cs typeface="Courier New"/>
-              </a:rPr>
-              <a:t> </a:t>
-            </a:r>
-            <a:r>
-              <a:rPr lang="en-US" sz="2800" dirty="0" err="1">
-                <a:latin typeface="Courier New"/>
-                <a:cs typeface="Courier New"/>
-              </a:rPr>
-              <a:t>script.sh</a:t>
-            </a:r>
             <a:endParaRPr lang="en-US" sz="2800" dirty="0">
               <a:latin typeface="Courier New"/>
               <a:cs typeface="Courier New"/>
@@ -13643,8 +12894,61 @@
             <a:pPr marL="0" indent="0">
               <a:buNone/>
             </a:pPr>
-            <a:r>
-              <a:rPr lang="en-US" sz="2800" dirty="0" smtClean="0">
+            <a:endParaRPr lang="en-US" sz="2800" dirty="0">
+              <a:latin typeface="Courier New"/>
+              <a:cs typeface="Courier New"/>
+            </a:endParaRPr>
+          </a:p>
+          <a:p>
+            <a:pPr marL="0" indent="0">
+              <a:buNone/>
+            </a:pPr>
+            <a:r>
+              <a:rPr lang="en-US" sz="2800" dirty="0" err="1">
+                <a:latin typeface="Courier New"/>
+                <a:cs typeface="Courier New"/>
+              </a:rPr>
+              <a:t>chmod</a:t>
+            </a:r>
+            <a:r>
+              <a:rPr lang="en-US" sz="2800" dirty="0">
+                <a:latin typeface="Courier New"/>
+                <a:cs typeface="Courier New"/>
+              </a:rPr>
+              <a:t> </a:t>
+            </a:r>
+            <a:r>
+              <a:rPr lang="en-US" sz="2800" dirty="0" err="1">
+                <a:latin typeface="Courier New"/>
+                <a:cs typeface="Courier New"/>
+              </a:rPr>
+              <a:t>u+x</a:t>
+            </a:r>
+            <a:r>
+              <a:rPr lang="en-US" sz="2800" dirty="0">
+                <a:latin typeface="Courier New"/>
+                <a:cs typeface="Courier New"/>
+              </a:rPr>
+              <a:t> </a:t>
+            </a:r>
+            <a:r>
+              <a:rPr lang="en-US" sz="2800" dirty="0" err="1">
+                <a:latin typeface="Courier New"/>
+                <a:cs typeface="Courier New"/>
+              </a:rPr>
+              <a:t>script.sh</a:t>
+            </a:r>
+            <a:endParaRPr lang="en-US" sz="2800" dirty="0">
+              <a:latin typeface="Courier New"/>
+              <a:cs typeface="Courier New"/>
+            </a:endParaRPr>
+          </a:p>
+          <a:p>
+            <a:pPr marL="0" indent="0">
+              <a:buNone/>
+            </a:pPr>
+            <a:r>
+              <a:rPr lang="en-US" sz="2800" dirty="0">
                 <a:latin typeface="Courier New"/>
                 <a:cs typeface="Courier New"/>
               </a:rPr>
@@ -13823,10 +13127,9 @@
           <a:lstStyle/>
           <a:p>
             <a:r>
-              <a:rPr lang="en-US" dirty="0" smtClean="0"/>
+              <a:rPr lang="en-US" dirty="0"/>
               <a:t>How to run the script :</a:t>
             </a:r>
-            <a:endParaRPr lang="en-US" dirty="0"/>
           </a:p>
         </p:txBody>
       </p:sp>
@@ -13840,13 +13143,6 @@
   <p:clrMapOvr>
     <a:masterClrMapping/>
   </p:clrMapOvr>
-  <p:timing>
-    <p:tnLst>
-      <p:par>
-        <p:cTn id="1" dur="indefinite" restart="never" nodeType="tmRoot"/>
-      </p:par>
-    </p:tnLst>
-  </p:timing>
 </p:sld>
 </file>
 
@@ -13883,10 +13179,9 @@
           <a:lstStyle/>
           <a:p>
             <a:r>
-              <a:rPr lang="en-US" dirty="0" smtClean="0"/>
+              <a:rPr lang="en-US" dirty="0"/>
               <a:t>More scripting</a:t>
             </a:r>
-            <a:endParaRPr lang="en-US" dirty="0"/>
           </a:p>
         </p:txBody>
       </p:sp>
@@ -13911,50 +13206,49 @@
           <a:lstStyle/>
           <a:p>
             <a:r>
-              <a:rPr lang="en-US" dirty="0" smtClean="0"/>
+              <a:rPr lang="en-US" dirty="0"/>
               <a:t>Let’s create a bash script which will split &lt;</a:t>
             </a:r>
             <a:r>
-              <a:rPr lang="en-US" dirty="0" err="1" smtClean="0"/>
+              <a:rPr lang="en-US" dirty="0" err="1"/>
               <a:t>gtf</a:t>
             </a:r>
             <a:r>
-              <a:rPr lang="en-US" dirty="0" smtClean="0"/>
+              <a:rPr lang="en-US" dirty="0"/>
               <a:t>&gt; into files corresponding to every </a:t>
             </a:r>
             <a:r>
-              <a:rPr lang="en-US" dirty="0" err="1" smtClean="0"/>
+              <a:rPr lang="en-US" dirty="0" err="1"/>
               <a:t>chr</a:t>
             </a:r>
             <a:r>
-              <a:rPr lang="en-US" dirty="0" smtClean="0"/>
+              <a:rPr lang="en-US" dirty="0"/>
               <a:t> (2,3,21), save every file in separate directory called </a:t>
             </a:r>
             <a:r>
-              <a:rPr lang="en-US" dirty="0" err="1" smtClean="0"/>
+              <a:rPr lang="en-US" dirty="0" err="1"/>
               <a:t>chr</a:t>
             </a:r>
             <a:r>
-              <a:rPr lang="en-US" dirty="0" smtClean="0"/>
+              <a:rPr lang="en-US" dirty="0"/>
               <a:t>${</a:t>
             </a:r>
             <a:r>
-              <a:rPr lang="en-US" dirty="0" err="1" smtClean="0"/>
+              <a:rPr lang="en-US" dirty="0" err="1"/>
               <a:t>i</a:t>
             </a:r>
             <a:r>
-              <a:rPr lang="en-US" dirty="0" smtClean="0"/>
+              <a:rPr lang="en-US" dirty="0"/>
               <a:t>}_</a:t>
             </a:r>
             <a:r>
-              <a:rPr lang="en-US" dirty="0" err="1" smtClean="0"/>
+              <a:rPr lang="en-US" dirty="0" err="1"/>
               <a:t>gtf</a:t>
             </a:r>
             <a:r>
-              <a:rPr lang="en-US" dirty="0" smtClean="0"/>
+              <a:rPr lang="en-US" dirty="0"/>
               <a:t>. </a:t>
             </a:r>
-            <a:endParaRPr lang="en-US" dirty="0"/>
           </a:p>
         </p:txBody>
       </p:sp>
@@ -13992,13 +13286,6 @@
   <p:clrMapOvr>
     <a:masterClrMapping/>
   </p:clrMapOvr>
-  <p:timing>
-    <p:tnLst>
-      <p:par>
-        <p:cTn id="1" dur="indefinite" restart="never" nodeType="tmRoot"/>
-      </p:par>
-    </p:tnLst>
-  </p:timing>
 </p:sld>
 </file>
 
@@ -14049,19 +13336,8 @@
                 <a:latin typeface="Courier New"/>
                 <a:cs typeface="Courier New"/>
               </a:rPr>
-              <a:t>#!/</a:t>
-            </a:r>
-            <a:r>
-              <a:rPr lang="en-US" sz="2000" dirty="0" smtClean="0">
-                <a:latin typeface="Courier New"/>
-                <a:cs typeface="Courier New"/>
-              </a:rPr>
-              <a:t>bin/bash</a:t>
-            </a:r>
-            <a:endParaRPr lang="en-US" sz="2000" dirty="0">
-              <a:latin typeface="Courier New"/>
-              <a:cs typeface="Courier New"/>
-            </a:endParaRPr>
+              <a:t>#!/bin/bash</a:t>
+            </a:r>
           </a:p>
           <a:p>
             <a:pPr marL="0" indent="0">
@@ -14089,25 +13365,18 @@
               <a:buNone/>
             </a:pPr>
             <a:r>
-              <a:rPr lang="en-US" sz="2000" dirty="0" err="1" smtClean="0">
+              <a:rPr lang="en-US" sz="2000" dirty="0" err="1">
                 <a:latin typeface="Courier New"/>
                 <a:cs typeface="Courier New"/>
               </a:rPr>
               <a:t>mkdir</a:t>
             </a:r>
             <a:r>
-              <a:rPr lang="en-US" sz="2000" dirty="0" smtClean="0">
-                <a:latin typeface="Courier New"/>
-                <a:cs typeface="Courier New"/>
-              </a:rPr>
-              <a:t> </a:t>
-            </a:r>
-            <a:r>
               <a:rPr lang="en-US" sz="2000" dirty="0">
                 <a:latin typeface="Courier New"/>
                 <a:cs typeface="Courier New"/>
               </a:rPr>
-              <a:t>chr2_gtf</a:t>
+              <a:t> chr2_gtf</a:t>
             </a:r>
           </a:p>
           <a:p>
@@ -14145,19 +13414,8 @@
                 <a:latin typeface="Courier New"/>
                 <a:cs typeface="Courier New"/>
               </a:rPr>
-              <a:t> </a:t>
-            </a:r>
-            <a:r>
-              <a:rPr lang="en-US" sz="2000" dirty="0" smtClean="0">
-                <a:latin typeface="Courier New"/>
-                <a:cs typeface="Courier New"/>
-              </a:rPr>
-              <a:t>chr21_gtf</a:t>
-            </a:r>
-            <a:endParaRPr lang="en-US" sz="2000" dirty="0">
-              <a:latin typeface="Courier New"/>
-              <a:cs typeface="Courier New"/>
-            </a:endParaRPr>
+              <a:t> chr21_gtf</a:t>
+            </a:r>
           </a:p>
           <a:p>
             <a:pPr marL="0" indent="0">
@@ -14184,21 +13442,7 @@
                 <a:latin typeface="Courier New"/>
                 <a:cs typeface="Courier New"/>
               </a:rPr>
-              <a:t> "chr2\s" $1 </a:t>
-            </a:r>
-            <a:r>
-              <a:rPr lang="en-US" sz="2000" dirty="0" smtClean="0">
-                <a:latin typeface="Courier New"/>
-                <a:cs typeface="Courier New"/>
-              </a:rPr>
-              <a:t>&gt;chr2_gtf</a:t>
-            </a:r>
-            <a:r>
-              <a:rPr lang="en-US" sz="2000" dirty="0">
-                <a:latin typeface="Courier New"/>
-                <a:cs typeface="Courier New"/>
-              </a:rPr>
-              <a:t>/chr2.gtf</a:t>
+              <a:t> "chr2\s" $1 &gt;chr2_gtf/chr2.gtf</a:t>
             </a:r>
           </a:p>
           <a:p>
@@ -14217,21 +13461,7 @@
                 <a:latin typeface="Courier New"/>
                 <a:cs typeface="Courier New"/>
               </a:rPr>
-              <a:t> "chr3\s" $1 </a:t>
-            </a:r>
-            <a:r>
-              <a:rPr lang="en-US" sz="2000" dirty="0" smtClean="0">
-                <a:latin typeface="Courier New"/>
-                <a:cs typeface="Courier New"/>
-              </a:rPr>
-              <a:t>&gt;chr3_gtf</a:t>
-            </a:r>
-            <a:r>
-              <a:rPr lang="en-US" sz="2000" dirty="0">
-                <a:latin typeface="Courier New"/>
-                <a:cs typeface="Courier New"/>
-              </a:rPr>
-              <a:t>/chr3.gtf</a:t>
+              <a:t> "chr3\s" $1 &gt;chr3_gtf/chr3.gtf</a:t>
             </a:r>
           </a:p>
           <a:p>
@@ -14250,21 +13480,7 @@
                 <a:latin typeface="Courier New"/>
                 <a:cs typeface="Courier New"/>
               </a:rPr>
-              <a:t> "chr21\s" $1 </a:t>
-            </a:r>
-            <a:r>
-              <a:rPr lang="en-US" sz="2000" dirty="0" smtClean="0">
-                <a:latin typeface="Courier New"/>
-                <a:cs typeface="Courier New"/>
-              </a:rPr>
-              <a:t>&gt;chr21_gtf</a:t>
-            </a:r>
-            <a:r>
-              <a:rPr lang="en-US" sz="2000" dirty="0">
-                <a:latin typeface="Courier New"/>
-                <a:cs typeface="Courier New"/>
-              </a:rPr>
-              <a:t>/chr21.gtf</a:t>
+              <a:t> "chr21\s" $1 &gt;chr21_gtf/chr21.gtf</a:t>
             </a:r>
           </a:p>
         </p:txBody>
@@ -14417,23 +13633,19 @@
               <a:t>./</a:t>
             </a:r>
             <a:r>
-              <a:rPr lang="en-US" sz="2400" dirty="0" err="1" smtClean="0">
+              <a:rPr lang="en-US" sz="2400" dirty="0" err="1">
                 <a:latin typeface="Courier New"/>
                 <a:cs typeface="Courier New"/>
               </a:rPr>
               <a:t>script.sh</a:t>
             </a:r>
             <a:r>
-              <a:rPr lang="en-US" sz="2400" dirty="0" smtClean="0">
+              <a:rPr lang="en-US" sz="2400" dirty="0">
                 <a:latin typeface="Courier New"/>
                 <a:cs typeface="Courier New"/>
               </a:rPr>
               <a:t> hg19.gtf</a:t>
             </a:r>
-            <a:endParaRPr lang="en-US" sz="2400" dirty="0">
-              <a:latin typeface="Courier New"/>
-              <a:cs typeface="Courier New"/>
-            </a:endParaRPr>
           </a:p>
         </p:txBody>
       </p:sp>
@@ -14550,10 +13762,9 @@
           <a:lstStyle/>
           <a:p>
             <a:r>
-              <a:rPr lang="en-US" dirty="0" smtClean="0"/>
+              <a:rPr lang="en-US" dirty="0"/>
               <a:t>More scripting</a:t>
             </a:r>
-            <a:endParaRPr lang="en-US" dirty="0"/>
           </a:p>
         </p:txBody>
       </p:sp>
@@ -14635,10 +13846,9 @@
           <a:lstStyle/>
           <a:p>
             <a:r>
-              <a:rPr lang="en-US" dirty="0" smtClean="0"/>
+              <a:rPr lang="en-US" dirty="0"/>
               <a:t>How to run the script :</a:t>
             </a:r>
-            <a:endParaRPr lang="en-US" dirty="0"/>
           </a:p>
         </p:txBody>
       </p:sp>
@@ -14943,10 +14153,9 @@
           <a:lstStyle/>
           <a:p>
             <a:r>
-              <a:rPr lang="en-US" dirty="0" smtClean="0"/>
+              <a:rPr lang="en-US" dirty="0"/>
               <a:t>Environmental modules</a:t>
             </a:r>
-            <a:endParaRPr lang="en-US" dirty="0"/>
           </a:p>
         </p:txBody>
       </p:sp>
@@ -14972,13 +14181,8 @@
           <a:p>
             <a:r>
               <a:rPr lang="en-US" dirty="0"/>
-              <a:t>s</a:t>
-            </a:r>
-            <a:r>
-              <a:rPr lang="en-US" dirty="0" smtClean="0"/>
-              <a:t>et you environment to be able to run bioinformatics tools</a:t>
-            </a:r>
-            <a:endParaRPr lang="en-US" dirty="0"/>
+              <a:t>set you environment to be able to run bioinformatics tools</a:t>
+            </a:r>
           </a:p>
         </p:txBody>
       </p:sp>
@@ -15008,33 +14212,22 @@
                 <a:latin typeface="Courier New"/>
                 <a:cs typeface="Courier New"/>
               </a:rPr>
-              <a:t>module load </a:t>
-            </a:r>
-            <a:r>
-              <a:rPr lang="en-US" sz="2200" dirty="0" smtClean="0">
-                <a:latin typeface="Courier New"/>
-                <a:cs typeface="Courier New"/>
-              </a:rPr>
-              <a:t>&lt;</a:t>
-            </a:r>
-            <a:r>
-              <a:rPr lang="en-US" sz="2200" dirty="0" err="1" smtClean="0">
+              <a:t>module load &lt;</a:t>
+            </a:r>
+            <a:r>
+              <a:rPr lang="en-US" sz="2200" dirty="0" err="1">
                 <a:latin typeface="Courier New"/>
                 <a:cs typeface="Courier New"/>
               </a:rPr>
               <a:t>modulefile</a:t>
             </a:r>
             <a:r>
-              <a:rPr lang="en-US" sz="2200" dirty="0" smtClean="0">
+              <a:rPr lang="en-US" sz="2200" dirty="0">
                 <a:latin typeface="Courier New"/>
                 <a:cs typeface="Courier New"/>
               </a:rPr>
               <a:t>&gt;</a:t>
             </a:r>
-            <a:endParaRPr lang="en-US" sz="2200" dirty="0">
-              <a:latin typeface="Courier New"/>
-              <a:cs typeface="Courier New"/>
-            </a:endParaRPr>
           </a:p>
         </p:txBody>
       </p:sp>
@@ -15065,19 +14258,12 @@
                 <a:latin typeface="Courier New"/>
                 <a:cs typeface="Courier New"/>
               </a:rPr>
-              <a:t>b</a:t>
-            </a:r>
-            <a:r>
-              <a:rPr lang="en-US" sz="2200" dirty="0" smtClean="0">
-                <a:latin typeface="Courier New"/>
-                <a:cs typeface="Courier New"/>
-              </a:rPr>
-              <a:t>owtie</a:t>
-            </a:r>
-          </a:p>
-          <a:p>
-            <a:r>
-              <a:rPr lang="en-US" sz="2200" dirty="0" smtClean="0">
+              <a:t>bowtie</a:t>
+            </a:r>
+          </a:p>
+          <a:p>
+            <a:r>
+              <a:rPr lang="en-US" sz="2200" dirty="0">
                 <a:latin typeface="Courier New"/>
                 <a:cs typeface="Courier New"/>
               </a:rPr>
@@ -15090,23 +14276,16 @@
                 <a:latin typeface="Courier New"/>
                 <a:cs typeface="Courier New"/>
               </a:rPr>
-              <a:t>s</a:t>
-            </a:r>
-            <a:r>
-              <a:rPr lang="en-US" sz="2200" dirty="0" err="1" smtClean="0">
-                <a:latin typeface="Courier New"/>
-                <a:cs typeface="Courier New"/>
-              </a:rPr>
-              <a:t>amtools</a:t>
-            </a:r>
-            <a:endParaRPr lang="en-US" sz="2200" dirty="0" smtClean="0">
+              <a:t>samtools</a:t>
+            </a:r>
+            <a:endParaRPr lang="en-US" sz="2200" dirty="0">
               <a:latin typeface="Courier New"/>
               <a:cs typeface="Courier New"/>
             </a:endParaRPr>
           </a:p>
           <a:p>
             <a:r>
-              <a:rPr lang="en-US" sz="2200" dirty="0" err="1" smtClean="0">
+              <a:rPr lang="en-US" sz="2200" dirty="0" err="1">
                 <a:latin typeface="Courier New"/>
                 <a:cs typeface="Courier New"/>
               </a:rPr>
@@ -15186,13 +14365,6 @@
   <p:clrMapOvr>
     <a:masterClrMapping/>
   </p:clrMapOvr>
-  <p:timing>
-    <p:tnLst>
-      <p:par>
-        <p:cTn id="1" dur="indefinite" restart="never" nodeType="tmRoot"/>
-      </p:par>
-    </p:tnLst>
-  </p:timing>
 </p:sld>
 </file>
 
@@ -15229,10 +14401,9 @@
           <a:lstStyle/>
           <a:p>
             <a:r>
-              <a:rPr lang="en-US" dirty="0" smtClean="0"/>
+              <a:rPr lang="en-US" dirty="0"/>
               <a:t>Let’s practice</a:t>
             </a:r>
-            <a:endParaRPr lang="en-US" dirty="0"/>
           </a:p>
         </p:txBody>
       </p:sp>
@@ -15261,7 +14432,7 @@
               <a:t>[serghei@login1 test]$ </a:t>
             </a:r>
             <a:r>
-              <a:rPr lang="en-US" sz="2400" dirty="0" err="1" smtClean="0">
+              <a:rPr lang="en-US" sz="2400" dirty="0" err="1">
                 <a:latin typeface="Courier New"/>
                 <a:cs typeface="Courier New"/>
               </a:rPr>
@@ -15304,7 +14475,7 @@
               <a:t>[serghei@login1 test]$ module load </a:t>
             </a:r>
             <a:r>
-              <a:rPr lang="en-US" sz="2400" dirty="0" err="1" smtClean="0">
+              <a:rPr lang="en-US" sz="2400" dirty="0" err="1">
                 <a:latin typeface="Courier New"/>
                 <a:cs typeface="Courier New"/>
               </a:rPr>
@@ -15324,7 +14495,7 @@
               <a:t>[serghei@login1 test]$ </a:t>
             </a:r>
             <a:r>
-              <a:rPr lang="en-US" sz="2400" dirty="0" err="1" smtClean="0">
+              <a:rPr lang="en-US" sz="2400" dirty="0" err="1">
                 <a:latin typeface="Courier New"/>
                 <a:cs typeface="Courier New"/>
               </a:rPr>
@@ -15371,13 +14542,6 @@
   <p:clrMapOvr>
     <a:masterClrMapping/>
   </p:clrMapOvr>
-  <p:timing>
-    <p:tnLst>
-      <p:par>
-        <p:cTn id="1" dur="indefinite" restart="never" nodeType="tmRoot"/>
-      </p:par>
-    </p:tnLst>
-  </p:timing>
 </p:sld>
 </file>
 
@@ -15414,11 +14578,11 @@
           <a:lstStyle/>
           <a:p>
             <a:r>
-              <a:rPr lang="en-US" dirty="0" smtClean="0"/>
+              <a:rPr lang="en-US" dirty="0"/>
               <a:t>How to use </a:t>
             </a:r>
             <a:r>
-              <a:rPr lang="en-US" dirty="0" err="1" smtClean="0"/>
+              <a:rPr lang="en-US" dirty="0" err="1"/>
               <a:t>qsub</a:t>
             </a:r>
             <a:endParaRPr lang="en-US" dirty="0"/>
@@ -15467,7 +14631,6 @@
               <a:rPr lang="en-US" sz="2800" dirty="0"/>
               <a:t>is the command used for job submission to the cluster. It takes several command line arguments and can also use special directives found in the submission scripts or command file. </a:t>
             </a:r>
-            <a:endParaRPr lang="en-US" sz="2800" dirty="0" smtClean="0"/>
           </a:p>
           <a:p>
             <a:endParaRPr lang="en-US" sz="2800" dirty="0"/>
@@ -15572,7 +14735,7 @@
               <a:t>=</a:t>
             </a:r>
             <a:r>
-              <a:rPr lang="en-US" b="1" dirty="0" smtClean="0">
+              <a:rPr lang="en-US" b="1" dirty="0">
                 <a:latin typeface="Courier New"/>
                 <a:cs typeface="Courier New"/>
               </a:rPr>
@@ -15583,51 +14746,26 @@
               <a:t>MEM_NEEDED</a:t>
             </a:r>
             <a:r>
-              <a:rPr lang="en-US" b="1" dirty="0" smtClean="0">
+              <a:rPr lang="en-US" b="1" dirty="0">
                 <a:latin typeface="Courier New"/>
                 <a:cs typeface="Courier New"/>
               </a:rPr>
               <a:t>&gt;</a:t>
             </a:r>
             <a:r>
-              <a:rPr lang="en-US" dirty="0" smtClean="0">
-                <a:latin typeface="Courier New"/>
-                <a:cs typeface="Courier New"/>
-              </a:rPr>
-              <a:t>,</a:t>
-            </a:r>
-            <a:r>
               <a:rPr lang="en-US" dirty="0">
                 <a:latin typeface="Courier New"/>
                 <a:cs typeface="Courier New"/>
               </a:rPr>
-              <a:t>time=</a:t>
+              <a:t>,time=</a:t>
             </a:r>
             <a:r>
               <a:rPr lang="en-US" b="1" dirty="0">
                 <a:latin typeface="Courier New"/>
                 <a:cs typeface="Courier New"/>
               </a:rPr>
-              <a:t>24:00:</a:t>
-            </a:r>
-            <a:r>
-              <a:rPr lang="en-US" b="1" dirty="0" smtClean="0">
-                <a:latin typeface="Courier New"/>
-                <a:cs typeface="Courier New"/>
-              </a:rPr>
-              <a:t>00 </a:t>
-            </a:r>
-            <a:r>
-              <a:rPr lang="en-US" b="1" dirty="0" err="1" smtClean="0">
-                <a:latin typeface="Courier New"/>
-                <a:cs typeface="Courier New"/>
-              </a:rPr>
-              <a:t>run.sh</a:t>
-            </a:r>
-            <a:endParaRPr lang="en-US" b="1" dirty="0">
-              <a:latin typeface="Courier New"/>
-              <a:cs typeface="Courier New"/>
-            </a:endParaRPr>
+              <a:t>24:00:00 &lt;script&gt;</a:t>
+            </a:r>
           </a:p>
         </p:txBody>
       </p:sp>
@@ -15654,19 +14792,14 @@
           <a:p>
             <a:r>
               <a:rPr lang="en-US" sz="1400" dirty="0"/>
-              <a:t>amount of memory (in megabytes M, or gigabytes G) that your job will require </a:t>
-            </a:r>
-            <a:r>
-              <a:rPr lang="en-US" sz="1400" dirty="0" smtClean="0"/>
-              <a:t> </a:t>
-            </a:r>
-          </a:p>
-          <a:p>
-            <a:r>
-              <a:rPr lang="en-US" sz="1400" dirty="0" smtClean="0"/>
+              <a:t>amount of memory (in megabytes M, or gigabytes G) that your job will require  </a:t>
+            </a:r>
+          </a:p>
+          <a:p>
+            <a:r>
+              <a:rPr lang="en-US" sz="1400" dirty="0"/>
               <a:t>4GB-32GB</a:t>
             </a:r>
-            <a:endParaRPr lang="en-US" sz="1400" dirty="0"/>
           </a:p>
         </p:txBody>
       </p:sp>
@@ -15817,17 +14950,8 @@
           <a:p>
             <a:r>
               <a:rPr lang="en-US" dirty="0"/>
-              <a:t>c</a:t>
-            </a:r>
-            <a:r>
-              <a:rPr lang="en-US" dirty="0" smtClean="0"/>
-              <a:t>ommand </a:t>
-            </a:r>
-            <a:r>
-              <a:rPr lang="en-US" dirty="0" smtClean="0"/>
-              <a:t>to run (e.g. map NGS reads)</a:t>
-            </a:r>
-            <a:endParaRPr lang="en-US" dirty="0"/>
+              <a:t>command to run (e.g. map NGS reads)</a:t>
+            </a:r>
           </a:p>
         </p:txBody>
       </p:sp>
@@ -15841,13 +14965,6 @@
   <p:clrMapOvr>
     <a:masterClrMapping/>
   </p:clrMapOvr>
-  <p:timing>
-    <p:tnLst>
-      <p:par>
-        <p:cTn id="1" dur="indefinite" restart="never" nodeType="tmRoot"/>
-      </p:par>
-    </p:tnLst>
-  </p:timing>
 </p:sld>
 </file>
 
@@ -15915,7 +15032,7 @@
             <a:pPr marL="0" indent="0">
               <a:buNone/>
             </a:pPr>
-            <a:endParaRPr lang="en-US" sz="1800" dirty="0" smtClean="0">
+            <a:endParaRPr lang="en-US" sz="1800" dirty="0">
               <a:latin typeface="Courier New"/>
               <a:cs typeface="Courier New"/>
             </a:endParaRPr>
@@ -15950,35 +15067,35 @@
               <a:t> -V –N </a:t>
             </a:r>
             <a:r>
-              <a:rPr lang="en-US" sz="1800" b="1" dirty="0" err="1" smtClean="0">
+              <a:rPr lang="en-US" sz="1800" b="1" dirty="0" err="1">
                 <a:latin typeface="Courier New"/>
                 <a:cs typeface="Courier New"/>
               </a:rPr>
               <a:t>testBWA</a:t>
             </a:r>
             <a:r>
-              <a:rPr lang="en-US" sz="1800" b="1" dirty="0" smtClean="0">
+              <a:rPr lang="en-US" sz="1800" b="1" dirty="0">
                 <a:latin typeface="Courier New"/>
                 <a:cs typeface="Courier New"/>
               </a:rPr>
               <a:t> </a:t>
             </a:r>
             <a:r>
-              <a:rPr lang="en-US" sz="1800" dirty="0" smtClean="0">
+              <a:rPr lang="en-US" sz="1800" dirty="0">
                 <a:latin typeface="Courier New"/>
                 <a:cs typeface="Courier New"/>
               </a:rPr>
               <a:t>-l </a:t>
             </a:r>
             <a:r>
-              <a:rPr lang="en-US" sz="1800" dirty="0" err="1" smtClean="0">
+              <a:rPr lang="en-US" sz="1800" dirty="0" err="1">
                 <a:latin typeface="Courier New"/>
                 <a:cs typeface="Courier New"/>
               </a:rPr>
               <a:t>h_data</a:t>
             </a:r>
             <a:r>
-              <a:rPr lang="en-US" sz="1800" dirty="0" smtClean="0">
+              <a:rPr lang="en-US" sz="1800" dirty="0">
                 <a:latin typeface="Courier New"/>
                 <a:cs typeface="Courier New"/>
               </a:rPr>
@@ -15989,72 +15106,65 @@
                 <a:latin typeface="Courier New"/>
                 <a:cs typeface="Courier New"/>
               </a:rPr>
-              <a:t>8</a:t>
-            </a:r>
-            <a:r>
-              <a:rPr lang="en-US" sz="1800" b="1" dirty="0" smtClean="0">
-                <a:latin typeface="Courier New"/>
-                <a:cs typeface="Courier New"/>
-              </a:rPr>
-              <a:t>G</a:t>
-            </a:r>
-            <a:r>
-              <a:rPr lang="en-US" sz="1800" dirty="0" smtClean="0">
+              <a:t>8G</a:t>
+            </a:r>
+            <a:r>
+              <a:rPr lang="en-US" sz="1800" dirty="0">
                 <a:latin typeface="Courier New"/>
                 <a:cs typeface="Courier New"/>
               </a:rPr>
               <a:t>,time=</a:t>
             </a:r>
             <a:r>
-              <a:rPr lang="en-US" sz="1800" b="1" dirty="0" smtClean="0">
+              <a:rPr lang="en-US" sz="1800" b="1" dirty="0">
                 <a:latin typeface="Courier New"/>
                 <a:cs typeface="Courier New"/>
               </a:rPr>
               <a:t>1:00:00 </a:t>
             </a:r>
             <a:r>
-              <a:rPr lang="en-US" sz="1800" b="1" dirty="0" err="1" smtClean="0">
-                <a:latin typeface="Courier New"/>
-                <a:cs typeface="Courier New"/>
-              </a:rPr>
-              <a:t>run.sh</a:t>
-            </a:r>
-            <a:endParaRPr lang="en-US" sz="1800" b="1" dirty="0" smtClean="0">
+              <a:rPr lang="en-US" sz="1800" b="1" dirty="0" err="1">
+                <a:latin typeface="Courier New"/>
+                <a:cs typeface="Courier New"/>
+              </a:rPr>
+              <a:t>bwa.sh</a:t>
+            </a:r>
+            <a:endParaRPr lang="en-US" sz="1800" b="1" dirty="0">
               <a:latin typeface="Courier New"/>
               <a:cs typeface="Courier New"/>
             </a:endParaRPr>
           </a:p>
           <a:p>
             <a:r>
-              <a:rPr lang="en-US" sz="1800" b="1" dirty="0" err="1" smtClean="0">
+              <a:rPr lang="en-US" sz="1800" b="1" dirty="0" err="1">
                 <a:latin typeface="Courier New"/>
                 <a:cs typeface="Courier New"/>
               </a:rPr>
               <a:t>qstat</a:t>
             </a:r>
             <a:r>
-              <a:rPr lang="en-US" sz="1800" b="1" dirty="0" smtClean="0">
+              <a:rPr lang="en-US" sz="1800" b="1" dirty="0">
                 <a:latin typeface="Courier New"/>
                 <a:cs typeface="Courier New"/>
               </a:rPr>
               <a:t> | </a:t>
             </a:r>
             <a:r>
-              <a:rPr lang="en-US" sz="1800" b="1" dirty="0" err="1" smtClean="0">
+              <a:rPr lang="en-US" sz="1800" b="1" dirty="0" err="1">
                 <a:latin typeface="Courier New"/>
                 <a:cs typeface="Courier New"/>
               </a:rPr>
               <a:t>grep</a:t>
             </a:r>
             <a:r>
-              <a:rPr lang="en-US" sz="1800" b="1" dirty="0" smtClean="0">
+              <a:rPr lang="en-US" sz="1800" b="1" dirty="0">
                 <a:latin typeface="Courier New"/>
                 <a:cs typeface="Courier New"/>
               </a:rPr>
               <a:t> </a:t>
             </a:r>
             <a:r>
-              <a:rPr lang="en-US" sz="1800" b="1" dirty="0" err="1" smtClean="0">
+              <a:rPr lang="en-US" sz="1800" b="1" dirty="0" err="1">
                 <a:latin typeface="Courier New"/>
                 <a:cs typeface="Courier New"/>
               </a:rPr>
@@ -16153,10 +15263,9 @@
           <a:lstStyle/>
           <a:p>
             <a:r>
-              <a:rPr lang="en-US" dirty="0" smtClean="0"/>
+              <a:rPr lang="en-US" dirty="0"/>
               <a:t>Displays all the jobs which are running on hoffman2</a:t>
             </a:r>
-            <a:endParaRPr lang="en-US" dirty="0"/>
           </a:p>
         </p:txBody>
       </p:sp>
@@ -16183,73 +15292,56 @@
           <a:p>
             <a:r>
               <a:rPr lang="en-US" dirty="0"/>
-              <a:t>. /</a:t>
-            </a:r>
-            <a:r>
-              <a:rPr lang="en-US" dirty="0" smtClean="0"/>
-              <a:t>u/local/Modules/default/</a:t>
-            </a:r>
-            <a:r>
-              <a:rPr lang="en-US" dirty="0" err="1" smtClean="0"/>
+              <a:t>.  /u/local/Modules/default/</a:t>
+            </a:r>
+            <a:r>
+              <a:rPr lang="en-US" dirty="0" err="1"/>
               <a:t>init</a:t>
             </a:r>
             <a:r>
-              <a:rPr lang="en-US" dirty="0" smtClean="0"/>
+              <a:rPr lang="en-US" dirty="0"/>
               <a:t>/</a:t>
             </a:r>
             <a:r>
-              <a:rPr lang="en-US" dirty="0" err="1" smtClean="0"/>
+              <a:rPr lang="en-US" dirty="0" err="1"/>
               <a:t>modules.sh</a:t>
             </a:r>
-            <a:endParaRPr lang="en-US" dirty="0" smtClean="0"/>
-          </a:p>
-          <a:p>
-            <a:r>
-              <a:rPr lang="en-US" dirty="0" smtClean="0"/>
-              <a:t>Module load </a:t>
-            </a:r>
-            <a:r>
-              <a:rPr lang="en-US" dirty="0" err="1" smtClean="0"/>
+            <a:endParaRPr lang="en-US" dirty="0"/>
+          </a:p>
+          <a:p>
+            <a:r>
+              <a:rPr lang="en-US" dirty="0"/>
+              <a:t>module load bwa</a:t>
+            </a:r>
+          </a:p>
+          <a:p>
+            <a:r>
+              <a:rPr lang="en-US" dirty="0" err="1"/>
               <a:t>bwa</a:t>
             </a:r>
-            <a:endParaRPr lang="en-US" dirty="0" smtClean="0"/>
-          </a:p>
-          <a:p>
+            <a:r>
+              <a:rPr lang="en-US" dirty="0"/>
+              <a:t> mem </a:t>
+            </a:r>
             <a:r>
               <a:rPr lang="en-US" dirty="0" err="1"/>
-              <a:t>b</a:t>
-            </a:r>
-            <a:r>
-              <a:rPr lang="en-US" dirty="0" err="1" smtClean="0"/>
-              <a:t>wa</a:t>
-            </a:r>
-            <a:r>
-              <a:rPr lang="en-US" dirty="0" smtClean="0"/>
-              <a:t> mem </a:t>
-            </a:r>
-            <a:r>
-              <a:rPr lang="en-US" dirty="0" err="1" smtClean="0"/>
               <a:t>toy.ref.fastq</a:t>
             </a:r>
             <a:r>
-              <a:rPr lang="en-US" dirty="0" smtClean="0"/>
+              <a:rPr lang="en-US" dirty="0"/>
               <a:t> </a:t>
             </a:r>
             <a:r>
-              <a:rPr lang="en-US" dirty="0" err="1" smtClean="0"/>
+              <a:rPr lang="en-US" dirty="0" err="1"/>
               <a:t>toy.reads.fastq</a:t>
             </a:r>
             <a:r>
-              <a:rPr lang="en-US" dirty="0" smtClean="0"/>
+              <a:rPr lang="en-US" dirty="0"/>
               <a:t>&gt;</a:t>
             </a:r>
             <a:r>
-              <a:rPr lang="en-US" dirty="0" err="1" smtClean="0"/>
+              <a:rPr lang="en-US" dirty="0" err="1"/>
               <a:t>toy.reads.bwa.sam</a:t>
-            </a:r>
-            <a:r>
-              <a:rPr lang="en-US" dirty="0"/>
-              <a:t/>
             </a:r>
             <a:br>
               <a:rPr lang="en-US" dirty="0"/>
@@ -16267,7 +15359,7 @@
         <p:spPr>
           <a:xfrm>
             <a:off x="6108700" y="1713525"/>
-            <a:ext cx="1738953" cy="523220"/>
+            <a:ext cx="1543051" cy="523220"/>
           </a:xfrm>
           <a:prstGeom prst="rect">
             <a:avLst/>
@@ -16291,7 +15383,7 @@
                 <a:latin typeface="+mj-lt"/>
                 <a:cs typeface="Courier New"/>
               </a:rPr>
-              <a:t>script.sh</a:t>
+              <a:t>bwa.sh</a:t>
             </a:r>
             <a:endParaRPr lang="en-US" sz="2800" dirty="0">
               <a:latin typeface="+mj-lt"/>
@@ -16435,34 +15527,112 @@
           <a:lstStyle/>
           <a:p>
             <a:r>
-              <a:rPr lang="en-US" sz="1600" dirty="0" err="1" smtClean="0">
+              <a:rPr lang="en-US" sz="1600" dirty="0" err="1">
                 <a:latin typeface="+mj-lt"/>
               </a:rPr>
               <a:t>toy.reads.bwa.sam</a:t>
-            </a:r>
-            <a:r>
-              <a:rPr lang="en-US" sz="1600" dirty="0" smtClean="0">
-                <a:latin typeface="+mj-lt"/>
-              </a:rPr>
-              <a:t>:</a:t>
-            </a:r>
-          </a:p>
-          <a:p>
-            <a:r>
-              <a:rPr lang="en-US" sz="1600" dirty="0" smtClean="0">
-                <a:latin typeface="+mj-lt"/>
-              </a:rPr>
-              <a:t>r1</a:t>
             </a:r>
             <a:r>
               <a:rPr lang="en-US" sz="1600" dirty="0">
                 <a:latin typeface="+mj-lt"/>
               </a:rPr>
-              <a:t>	0	ref	9	60	30M	*	0	0	ACTGGGGGACTGGGGGTTTTTTTGGACTGG	~~~~~~~~~~~~~~~~~~~~~~~~~~~~~~	NM:i:0	MD:Z:30	AS:i:30XS:i:0</a:t>
-            </a:r>
-          </a:p>
-        </p:txBody>
-      </p:sp>
+              <a:t>:</a:t>
+            </a:r>
+          </a:p>
+          <a:p>
+            <a:r>
+              <a:rPr lang="en-US" sz="1600" dirty="0">
+                <a:latin typeface="+mj-lt"/>
+              </a:rPr>
+              <a:t>r1	0	ref	9	60	30M	*	0	0	ACTGGGGGACTGGGGGTTTTTTTGGACTGG	~~~~~~~~~~~~~~~~~~~~~~~~~~~~~~	NM:i:0	MD:Z:30	AS:i:30XS:i:0</a:t>
+            </a:r>
+          </a:p>
+        </p:txBody>
+      </p:sp>
+      <p:sp>
+        <p:nvSpPr>
+          <p:cNvPr id="13" name="TextBox 12">
+            <a:extLst>
+              <a:ext uri="{FF2B5EF4-FFF2-40B4-BE49-F238E27FC236}">
+                <a16:creationId xmlns:a16="http://schemas.microsoft.com/office/drawing/2014/main" id="{0A0A2090-3E85-D443-8F37-699AEDB591E7}"/>
+              </a:ext>
+            </a:extLst>
+          </p:cNvPr>
+          <p:cNvSpPr txBox="1"/>
+          <p:nvPr/>
+        </p:nvSpPr>
+        <p:spPr>
+          <a:xfrm>
+            <a:off x="3936054" y="6211669"/>
+            <a:ext cx="4571999" cy="646331"/>
+          </a:xfrm>
+          <a:prstGeom prst="rect">
+            <a:avLst/>
+          </a:prstGeom>
+          <a:noFill/>
+        </p:spPr>
+        <p:txBody>
+          <a:bodyPr wrap="square" rtlCol="0">
+            <a:spAutoFit/>
+          </a:bodyPr>
+          <a:lstStyle/>
+          <a:p>
+            <a:r>
+              <a:rPr lang="en-US" dirty="0"/>
+              <a:t>After the job is done, </a:t>
+            </a:r>
+            <a:r>
+              <a:rPr lang="en-US" dirty="0" err="1"/>
+              <a:t>toy.reads.bwa.sam</a:t>
+            </a:r>
+            <a:r>
+              <a:rPr lang="en-US" dirty="0"/>
+              <a:t> will be created</a:t>
+            </a:r>
+          </a:p>
+        </p:txBody>
+      </p:sp>
+      <p:cxnSp>
+        <p:nvCxnSpPr>
+          <p:cNvPr id="14" name="Straight Arrow Connector 13">
+            <a:extLst>
+              <a:ext uri="{FF2B5EF4-FFF2-40B4-BE49-F238E27FC236}">
+                <a16:creationId xmlns:a16="http://schemas.microsoft.com/office/drawing/2014/main" id="{ECB10DF7-16D8-8B4E-B42F-775AF607B65B}"/>
+              </a:ext>
+            </a:extLst>
+          </p:cNvPr>
+          <p:cNvCxnSpPr>
+            <a:cxnSpLocks/>
+          </p:cNvCxnSpPr>
+          <p:nvPr/>
+        </p:nvCxnSpPr>
+        <p:spPr>
+          <a:xfrm flipV="1">
+            <a:off x="5961866" y="5912598"/>
+            <a:ext cx="0" cy="414750"/>
+          </a:xfrm>
+          <a:prstGeom prst="straightConnector1">
+            <a:avLst/>
+          </a:prstGeom>
+          <a:ln>
+            <a:tailEnd type="arrow"/>
+          </a:ln>
+        </p:spPr>
+        <p:style>
+          <a:lnRef idx="2">
+            <a:schemeClr val="accent1"/>
+          </a:lnRef>
+          <a:fillRef idx="0">
+            <a:schemeClr val="accent1"/>
+          </a:fillRef>
+          <a:effectRef idx="1">
+            <a:schemeClr val="accent1"/>
+          </a:effectRef>
+          <a:fontRef idx="minor">
+            <a:schemeClr val="tx1"/>
+          </a:fontRef>
+        </p:style>
+      </p:cxnSp>
     </p:spTree>
     <p:extLst>
       <p:ext uri="{BB962C8B-B14F-4D97-AF65-F5344CB8AC3E}">
@@ -16473,13 +15643,6 @@
   <p:clrMapOvr>
     <a:masterClrMapping/>
   </p:clrMapOvr>
-  <p:timing>
-    <p:tnLst>
-      <p:par>
-        <p:cTn id="1" dur="indefinite" restart="never" nodeType="tmRoot"/>
-      </p:par>
-    </p:tnLst>
-  </p:timing>
 </p:sld>
 </file>
 
@@ -16519,11 +15682,7 @@
           <a:p>
             <a:r>
               <a:rPr lang="en-US" dirty="0" err="1"/>
-              <a:t>a</a:t>
-            </a:r>
-            <a:r>
-              <a:rPr lang="en-US" dirty="0" err="1" smtClean="0"/>
-              <a:t>wk</a:t>
+              <a:t>awk</a:t>
             </a:r>
             <a:endParaRPr lang="en-US" dirty="0"/>
           </a:p>
@@ -16557,18 +15716,13 @@
               </a:lnSpc>
             </a:pPr>
             <a:r>
-              <a:rPr lang="en-US" dirty="0" err="1" smtClean="0"/>
+              <a:rPr lang="en-US" dirty="0" err="1"/>
               <a:t>awk</a:t>
             </a:r>
             <a:r>
-              <a:rPr lang="en-US" dirty="0" smtClean="0"/>
-              <a:t> </a:t>
-            </a:r>
-            <a:r>
               <a:rPr lang="en-US" dirty="0"/>
-              <a:t>is both a </a:t>
-            </a:r>
-            <a:endParaRPr lang="en-US" dirty="0" smtClean="0"/>
+              <a:t> is both a </a:t>
+            </a:r>
           </a:p>
           <a:p>
             <a:pPr lvl="1">
@@ -16577,14 +15731,9 @@
               </a:lnSpc>
             </a:pPr>
             <a:r>
-              <a:rPr lang="en-US" sz="2400" dirty="0" smtClean="0"/>
-              <a:t>programming </a:t>
-            </a:r>
-            <a:r>
               <a:rPr lang="en-US" sz="2400" dirty="0"/>
-              <a:t>language </a:t>
-            </a:r>
-            <a:endParaRPr lang="en-US" sz="2400" dirty="0" smtClean="0"/>
+              <a:t>programming language </a:t>
+            </a:r>
           </a:p>
           <a:p>
             <a:pPr lvl="1">
@@ -16593,7 +15742,7 @@
               </a:lnSpc>
             </a:pPr>
             <a:r>
-              <a:rPr lang="en-US" sz="2400" dirty="0" smtClean="0"/>
+              <a:rPr lang="en-US" sz="2400" dirty="0"/>
               <a:t>text processor</a:t>
             </a:r>
           </a:p>
@@ -16617,11 +15766,7 @@
             </a:r>
             <a:r>
               <a:rPr lang="en-US" dirty="0"/>
-              <a:t> </a:t>
-            </a:r>
-            <a:r>
-              <a:rPr lang="en-US" dirty="0" smtClean="0"/>
-              <a:t>data</a:t>
+              <a:t> data</a:t>
             </a:r>
           </a:p>
           <a:p>
@@ -16634,7 +15779,6 @@
               <a:rPr lang="en-US" dirty="0"/>
               <a:t>iterates through the entire file line-by-line</a:t>
             </a:r>
-            <a:endParaRPr lang="en-US" dirty="0" smtClean="0"/>
           </a:p>
         </p:txBody>
       </p:sp>
@@ -16665,54 +15809,43 @@
                 <a:latin typeface="Courier New"/>
                 <a:cs typeface="Courier New"/>
               </a:rPr>
-              <a:t>a</a:t>
-            </a:r>
-            <a:r>
-              <a:rPr lang="en-US" sz="2400" dirty="0" err="1" smtClean="0">
-                <a:latin typeface="Courier New"/>
-                <a:cs typeface="Courier New"/>
-              </a:rPr>
-              <a:t>wk</a:t>
-            </a:r>
-            <a:r>
-              <a:rPr lang="en-US" sz="2400" dirty="0" smtClean="0">
+              <a:t>awk</a:t>
+            </a:r>
+            <a:r>
+              <a:rPr lang="en-US" sz="2400" dirty="0">
                 <a:latin typeface="Courier New"/>
                 <a:cs typeface="Courier New"/>
               </a:rPr>
               <a:t> ‘{</a:t>
             </a:r>
             <a:r>
-              <a:rPr lang="en-US" sz="2400" dirty="0" err="1" smtClean="0">
+              <a:rPr lang="en-US" sz="2400" dirty="0" err="1">
                 <a:latin typeface="Courier New"/>
                 <a:cs typeface="Courier New"/>
               </a:rPr>
               <a:t>action_to_take</a:t>
             </a:r>
             <a:r>
-              <a:rPr lang="en-US" sz="2400" dirty="0" smtClean="0">
+              <a:rPr lang="en-US" sz="2400" dirty="0">
                 <a:latin typeface="Courier New"/>
                 <a:cs typeface="Courier New"/>
               </a:rPr>
               <a:t>}’ &lt;</a:t>
             </a:r>
             <a:r>
-              <a:rPr lang="en-US" sz="2400" dirty="0" err="1" smtClean="0">
+              <a:rPr lang="en-US" sz="2400" dirty="0" err="1">
                 <a:latin typeface="Courier New"/>
                 <a:cs typeface="Courier New"/>
               </a:rPr>
               <a:t>file_to_parse</a:t>
             </a:r>
             <a:r>
-              <a:rPr lang="en-US" sz="2400" dirty="0" smtClean="0">
+              <a:rPr lang="en-US" sz="2400" dirty="0">
                 <a:latin typeface="Courier New"/>
                 <a:cs typeface="Courier New"/>
               </a:rPr>
               <a:t>&gt;</a:t>
             </a:r>
-            <a:endParaRPr lang="en-US" sz="2400" dirty="0">
-              <a:latin typeface="Courier New"/>
-              <a:cs typeface="Courier New"/>
-            </a:endParaRPr>
           </a:p>
         </p:txBody>
       </p:sp>
@@ -16744,25 +15877,14 @@
               </a:rPr>
               <a:t>whitespace (spaces, tabs, etc.) </a:t>
             </a:r>
-            <a:endParaRPr lang="en-US" sz="1400" dirty="0" smtClean="0">
-              <a:latin typeface="Courier New"/>
-              <a:cs typeface="Courier New"/>
-            </a:endParaRPr>
-          </a:p>
-          <a:p>
-            <a:r>
-              <a:rPr lang="en-US" sz="1400" dirty="0" smtClean="0">
-                <a:latin typeface="Courier New"/>
-                <a:cs typeface="Courier New"/>
-              </a:rPr>
-              <a:t>to </a:t>
-            </a:r>
+          </a:p>
+          <a:p>
             <a:r>
               <a:rPr lang="en-US" sz="1400" dirty="0">
                 <a:latin typeface="Courier New"/>
                 <a:cs typeface="Courier New"/>
               </a:rPr>
-              <a:t>separate fields</a:t>
+              <a:t>to separate fields</a:t>
             </a:r>
           </a:p>
         </p:txBody>
@@ -16834,13 +15956,6 @@
   <p:clrMapOvr>
     <a:masterClrMapping/>
   </p:clrMapOvr>
-  <p:timing>
-    <p:tnLst>
-      <p:par>
-        <p:cTn id="1" dur="indefinite" restart="never" nodeType="tmRoot"/>
-      </p:par>
-    </p:tnLst>
-  </p:timing>
 </p:sld>
 </file>
 
@@ -16877,10 +15992,9 @@
           <a:lstStyle/>
           <a:p>
             <a:r>
-              <a:rPr lang="en-US" dirty="0" smtClean="0"/>
+              <a:rPr lang="en-US" dirty="0"/>
               <a:t>History</a:t>
             </a:r>
-            <a:endParaRPr lang="en-US" dirty="0"/>
           </a:p>
         </p:txBody>
       </p:sp>
@@ -16912,21 +16026,16 @@
               <a:t> </a:t>
             </a:r>
             <a:r>
-              <a:rPr lang="en-US" dirty="0" err="1" smtClean="0"/>
+              <a:rPr lang="en-US" dirty="0" err="1"/>
               <a:t>awk</a:t>
             </a:r>
-            <a:endParaRPr lang="en-US" dirty="0" smtClean="0"/>
+            <a:endParaRPr lang="en-US" dirty="0"/>
           </a:p>
           <a:p>
             <a:r>
               <a:rPr lang="en-US" dirty="0"/>
-              <a:t>h</a:t>
-            </a:r>
-            <a:r>
-              <a:rPr lang="en-US" dirty="0" smtClean="0"/>
-              <a:t>istory &gt;history_w1.txt</a:t>
-            </a:r>
-            <a:endParaRPr lang="en-US" dirty="0"/>
+              <a:t>history &gt;history_w1.txt</a:t>
+            </a:r>
           </a:p>
         </p:txBody>
       </p:sp>
@@ -17010,10 +16119,9 @@
           <a:lstStyle/>
           <a:p>
             <a:r>
-              <a:rPr lang="en-US" dirty="0" smtClean="0"/>
+              <a:rPr lang="en-US" dirty="0"/>
               <a:t>All UNIX commands from the workshop in one file </a:t>
             </a:r>
-            <a:endParaRPr lang="en-US" dirty="0"/>
           </a:p>
         </p:txBody>
       </p:sp>
@@ -17027,13 +16135,6 @@
   <p:clrMapOvr>
     <a:masterClrMapping/>
   </p:clrMapOvr>
-  <p:timing>
-    <p:tnLst>
-      <p:par>
-        <p:cTn id="1" dur="indefinite" restart="never" nodeType="tmRoot"/>
-      </p:par>
-    </p:tnLst>
-  </p:timing>
 </p:sld>
 </file>
 
@@ -17103,19 +16204,12 @@
               <a:rPr lang="en-US" dirty="0">
                 <a:hlinkClick r:id="rId3"/>
               </a:rPr>
-              <a:t>http://www.linuxquestions.org/questions/programming-9/converting-columns-to-lines-using-awk-911677</a:t>
-            </a:r>
-            <a:r>
-              <a:rPr lang="en-US" dirty="0" smtClean="0">
-                <a:hlinkClick r:id="rId3"/>
-              </a:rPr>
-              <a:t>/</a:t>
-            </a:r>
-            <a:r>
-              <a:rPr lang="en-US" dirty="0" smtClean="0"/>
+              <a:t>http://www.linuxquestions.org/questions/programming-9/converting-columns-to-lines-using-awk-911677/</a:t>
+            </a:r>
+            <a:r>
+              <a:rPr lang="en-US" dirty="0"/>
               <a:t> </a:t>
             </a:r>
-            <a:endParaRPr lang="en-US" dirty="0"/>
           </a:p>
         </p:txBody>
       </p:sp>
@@ -17129,13 +16223,6 @@
   <p:clrMapOvr>
     <a:masterClrMapping/>
   </p:clrMapOvr>
-  <p:timing>
-    <p:tnLst>
-      <p:par>
-        <p:cTn id="1" dur="indefinite" restart="never" nodeType="tmRoot"/>
-      </p:par>
-    </p:tnLst>
-  </p:timing>
 </p:sld>
 </file>
 
@@ -17179,23 +16266,7 @@
                   <a:srgbClr val="000000"/>
                 </a:solidFill>
               </a:rPr>
-              <a:t>Do </a:t>
-            </a:r>
-            <a:r>
-              <a:rPr lang="en-US" dirty="0" smtClean="0">
-                <a:solidFill>
-                  <a:srgbClr val="000000"/>
-                </a:solidFill>
-              </a:rPr>
-              <a:t>Biologists have </a:t>
-            </a:r>
-            <a:r>
-              <a:rPr lang="en-US" dirty="0">
-                <a:solidFill>
-                  <a:srgbClr val="000000"/>
-                </a:solidFill>
-              </a:rPr>
-              <a:t>to become Programmers?</a:t>
+              <a:t>Do Biologists have to become Programmers?</a:t>
             </a:r>
           </a:p>
         </p:txBody>
@@ -17346,10 +16417,9 @@
           <a:lstStyle/>
           <a:p>
             <a:r>
-              <a:rPr lang="en-US" sz="1400" dirty="0" smtClean="0"/>
+              <a:rPr lang="en-US" sz="1400" dirty="0"/>
               <a:t>*provided in the class</a:t>
             </a:r>
-            <a:endParaRPr lang="en-US" sz="1400" dirty="0"/>
           </a:p>
         </p:txBody>
       </p:sp>
@@ -17447,10 +16517,9 @@
           <a:lstStyle/>
           <a:p>
             <a:r>
-              <a:rPr lang="en-US" sz="1400" dirty="0" smtClean="0"/>
+              <a:rPr lang="en-US" sz="1400" dirty="0"/>
               <a:t>*free and easy to use</a:t>
             </a:r>
-            <a:endParaRPr lang="en-US" sz="1400" dirty="0"/>
           </a:p>
         </p:txBody>
       </p:sp>
@@ -17843,1203 +16912,6 @@
           <a:chExt cx="0" cy="0"/>
         </a:xfrm>
       </p:grpSpPr>
-      <p:pic>
-        <p:nvPicPr>
-          <p:cNvPr id="4" name="Picture 3"/>
-          <p:cNvPicPr>
-            <a:picLocks noChangeAspect="1"/>
-          </p:cNvPicPr>
-          <p:nvPr/>
-        </p:nvPicPr>
-        <p:blipFill>
-          <a:blip r:embed="rId2"/>
-          <a:stretch>
-            <a:fillRect/>
-          </a:stretch>
-        </p:blipFill>
-        <p:spPr>
-          <a:xfrm>
-            <a:off x="3326564" y="2858755"/>
-            <a:ext cx="1476134" cy="993800"/>
-          </a:xfrm>
-          <a:prstGeom prst="rect">
-            <a:avLst/>
-          </a:prstGeom>
-        </p:spPr>
-      </p:pic>
-      <p:pic>
-        <p:nvPicPr>
-          <p:cNvPr id="5" name="Picture 4"/>
-          <p:cNvPicPr>
-            <a:picLocks noChangeAspect="1"/>
-          </p:cNvPicPr>
-          <p:nvPr/>
-        </p:nvPicPr>
-        <p:blipFill>
-          <a:blip r:embed="rId3"/>
-          <a:stretch>
-            <a:fillRect/>
-          </a:stretch>
-        </p:blipFill>
-        <p:spPr>
-          <a:xfrm>
-            <a:off x="659384" y="2440228"/>
-            <a:ext cx="1587841" cy="1583265"/>
-          </a:xfrm>
-          <a:prstGeom prst="rect">
-            <a:avLst/>
-          </a:prstGeom>
-        </p:spPr>
-      </p:pic>
-      <p:sp>
-        <p:nvSpPr>
-          <p:cNvPr id="6" name="Right Arrow 5"/>
-          <p:cNvSpPr/>
-          <p:nvPr/>
-        </p:nvSpPr>
-        <p:spPr>
-          <a:xfrm>
-            <a:off x="2624762" y="3206354"/>
-            <a:ext cx="367521" cy="298601"/>
-          </a:xfrm>
-          <a:prstGeom prst="rightArrow">
-            <a:avLst/>
-          </a:prstGeom>
-          <a:solidFill>
-            <a:schemeClr val="tx2">
-              <a:lumMod val="50000"/>
-              <a:alpha val="87000"/>
-            </a:schemeClr>
-          </a:solidFill>
-          <a:ln>
-            <a:noFill/>
-          </a:ln>
-        </p:spPr>
-        <p:style>
-          <a:lnRef idx="2">
-            <a:schemeClr val="accent1">
-              <a:shade val="50000"/>
-            </a:schemeClr>
-          </a:lnRef>
-          <a:fillRef idx="1">
-            <a:schemeClr val="accent1"/>
-          </a:fillRef>
-          <a:effectRef idx="0">
-            <a:schemeClr val="accent1"/>
-          </a:effectRef>
-          <a:fontRef idx="minor">
-            <a:schemeClr val="lt1"/>
-          </a:fontRef>
-        </p:style>
-        <p:txBody>
-          <a:bodyPr rtlCol="0" anchor="ctr"/>
-          <a:lstStyle/>
-          <a:p>
-            <a:pPr algn="ctr"/>
-            <a:endParaRPr lang="en-US">
-              <a:solidFill>
-                <a:schemeClr val="tx2">
-                  <a:lumMod val="50000"/>
-                </a:schemeClr>
-              </a:solidFill>
-            </a:endParaRPr>
-          </a:p>
-        </p:txBody>
-      </p:sp>
-      <p:cxnSp>
-        <p:nvCxnSpPr>
-          <p:cNvPr id="7" name="Straight Connector 6"/>
-          <p:cNvCxnSpPr/>
-          <p:nvPr/>
-        </p:nvCxnSpPr>
-        <p:spPr bwMode="auto">
-          <a:xfrm>
-            <a:off x="1138135" y="2207398"/>
-            <a:ext cx="76200" cy="0"/>
-          </a:xfrm>
-          <a:prstGeom prst="line">
-            <a:avLst/>
-          </a:prstGeom>
-          <a:ln w="50800">
-            <a:solidFill>
-              <a:schemeClr val="bg1">
-                <a:lumMod val="65000"/>
-              </a:schemeClr>
-            </a:solidFill>
-          </a:ln>
-        </p:spPr>
-        <p:style>
-          <a:lnRef idx="1">
-            <a:schemeClr val="dk1"/>
-          </a:lnRef>
-          <a:fillRef idx="0">
-            <a:schemeClr val="dk1"/>
-          </a:fillRef>
-          <a:effectRef idx="0">
-            <a:schemeClr val="dk1"/>
-          </a:effectRef>
-          <a:fontRef idx="minor">
-            <a:schemeClr val="tx1"/>
-          </a:fontRef>
-        </p:style>
-      </p:cxnSp>
-      <p:cxnSp>
-        <p:nvCxnSpPr>
-          <p:cNvPr id="8" name="Straight Connector 7"/>
-          <p:cNvCxnSpPr/>
-          <p:nvPr/>
-        </p:nvCxnSpPr>
-        <p:spPr bwMode="auto">
-          <a:xfrm>
-            <a:off x="1061935" y="2283598"/>
-            <a:ext cx="76200" cy="0"/>
-          </a:xfrm>
-          <a:prstGeom prst="line">
-            <a:avLst/>
-          </a:prstGeom>
-          <a:ln w="50800">
-            <a:solidFill>
-              <a:schemeClr val="bg1">
-                <a:lumMod val="65000"/>
-              </a:schemeClr>
-            </a:solidFill>
-          </a:ln>
-        </p:spPr>
-        <p:style>
-          <a:lnRef idx="1">
-            <a:schemeClr val="dk1"/>
-          </a:lnRef>
-          <a:fillRef idx="0">
-            <a:schemeClr val="dk1"/>
-          </a:fillRef>
-          <a:effectRef idx="0">
-            <a:schemeClr val="dk1"/>
-          </a:effectRef>
-          <a:fontRef idx="minor">
-            <a:schemeClr val="tx1"/>
-          </a:fontRef>
-        </p:style>
-      </p:cxnSp>
-      <p:cxnSp>
-        <p:nvCxnSpPr>
-          <p:cNvPr id="9" name="Straight Connector 8"/>
-          <p:cNvCxnSpPr/>
-          <p:nvPr/>
-        </p:nvCxnSpPr>
-        <p:spPr bwMode="auto">
-          <a:xfrm>
-            <a:off x="1290535" y="2283598"/>
-            <a:ext cx="76200" cy="0"/>
-          </a:xfrm>
-          <a:prstGeom prst="line">
-            <a:avLst/>
-          </a:prstGeom>
-          <a:ln w="50800">
-            <a:solidFill>
-              <a:schemeClr val="bg1">
-                <a:lumMod val="65000"/>
-              </a:schemeClr>
-            </a:solidFill>
-          </a:ln>
-        </p:spPr>
-        <p:style>
-          <a:lnRef idx="1">
-            <a:schemeClr val="dk1"/>
-          </a:lnRef>
-          <a:fillRef idx="0">
-            <a:schemeClr val="dk1"/>
-          </a:fillRef>
-          <a:effectRef idx="0">
-            <a:schemeClr val="dk1"/>
-          </a:effectRef>
-          <a:fontRef idx="minor">
-            <a:schemeClr val="tx1"/>
-          </a:fontRef>
-        </p:style>
-      </p:cxnSp>
-      <p:cxnSp>
-        <p:nvCxnSpPr>
-          <p:cNvPr id="10" name="Straight Connector 9"/>
-          <p:cNvCxnSpPr/>
-          <p:nvPr/>
-        </p:nvCxnSpPr>
-        <p:spPr bwMode="auto">
-          <a:xfrm>
-            <a:off x="1138135" y="2359798"/>
-            <a:ext cx="76200" cy="0"/>
-          </a:xfrm>
-          <a:prstGeom prst="line">
-            <a:avLst/>
-          </a:prstGeom>
-          <a:ln w="50800">
-            <a:solidFill>
-              <a:schemeClr val="bg1">
-                <a:lumMod val="65000"/>
-              </a:schemeClr>
-            </a:solidFill>
-          </a:ln>
-        </p:spPr>
-        <p:style>
-          <a:lnRef idx="1">
-            <a:schemeClr val="dk1"/>
-          </a:lnRef>
-          <a:fillRef idx="0">
-            <a:schemeClr val="dk1"/>
-          </a:fillRef>
-          <a:effectRef idx="0">
-            <a:schemeClr val="dk1"/>
-          </a:effectRef>
-          <a:fontRef idx="minor">
-            <a:schemeClr val="tx1"/>
-          </a:fontRef>
-        </p:style>
-      </p:cxnSp>
-      <p:cxnSp>
-        <p:nvCxnSpPr>
-          <p:cNvPr id="11" name="Straight Connector 10"/>
-          <p:cNvCxnSpPr/>
-          <p:nvPr/>
-        </p:nvCxnSpPr>
-        <p:spPr bwMode="auto">
-          <a:xfrm>
-            <a:off x="985735" y="2435998"/>
-            <a:ext cx="76200" cy="0"/>
-          </a:xfrm>
-          <a:prstGeom prst="line">
-            <a:avLst/>
-          </a:prstGeom>
-          <a:ln w="50800">
-            <a:solidFill>
-              <a:schemeClr val="bg1">
-                <a:lumMod val="65000"/>
-              </a:schemeClr>
-            </a:solidFill>
-          </a:ln>
-        </p:spPr>
-        <p:style>
-          <a:lnRef idx="1">
-            <a:schemeClr val="dk1"/>
-          </a:lnRef>
-          <a:fillRef idx="0">
-            <a:schemeClr val="dk1"/>
-          </a:fillRef>
-          <a:effectRef idx="0">
-            <a:schemeClr val="dk1"/>
-          </a:effectRef>
-          <a:fontRef idx="minor">
-            <a:schemeClr val="tx1"/>
-          </a:fontRef>
-        </p:style>
-      </p:cxnSp>
-      <p:cxnSp>
-        <p:nvCxnSpPr>
-          <p:cNvPr id="12" name="Straight Connector 11"/>
-          <p:cNvCxnSpPr/>
-          <p:nvPr/>
-        </p:nvCxnSpPr>
-        <p:spPr bwMode="auto">
-          <a:xfrm>
-            <a:off x="1214335" y="2435998"/>
-            <a:ext cx="76200" cy="0"/>
-          </a:xfrm>
-          <a:prstGeom prst="line">
-            <a:avLst/>
-          </a:prstGeom>
-          <a:ln w="50800">
-            <a:solidFill>
-              <a:schemeClr val="bg1">
-                <a:lumMod val="65000"/>
-              </a:schemeClr>
-            </a:solidFill>
-          </a:ln>
-        </p:spPr>
-        <p:style>
-          <a:lnRef idx="1">
-            <a:schemeClr val="dk1"/>
-          </a:lnRef>
-          <a:fillRef idx="0">
-            <a:schemeClr val="dk1"/>
-          </a:fillRef>
-          <a:effectRef idx="0">
-            <a:schemeClr val="dk1"/>
-          </a:effectRef>
-          <a:fontRef idx="minor">
-            <a:schemeClr val="tx1"/>
-          </a:fontRef>
-        </p:style>
-      </p:cxnSp>
-      <p:cxnSp>
-        <p:nvCxnSpPr>
-          <p:cNvPr id="13" name="Straight Connector 12"/>
-          <p:cNvCxnSpPr/>
-          <p:nvPr/>
-        </p:nvCxnSpPr>
-        <p:spPr bwMode="auto">
-          <a:xfrm>
-            <a:off x="1519135" y="2237032"/>
-            <a:ext cx="76200" cy="0"/>
-          </a:xfrm>
-          <a:prstGeom prst="line">
-            <a:avLst/>
-          </a:prstGeom>
-          <a:ln w="50800">
-            <a:solidFill>
-              <a:schemeClr val="bg1">
-                <a:lumMod val="65000"/>
-              </a:schemeClr>
-            </a:solidFill>
-          </a:ln>
-        </p:spPr>
-        <p:style>
-          <a:lnRef idx="1">
-            <a:schemeClr val="dk1"/>
-          </a:lnRef>
-          <a:fillRef idx="0">
-            <a:schemeClr val="dk1"/>
-          </a:fillRef>
-          <a:effectRef idx="0">
-            <a:schemeClr val="dk1"/>
-          </a:effectRef>
-          <a:fontRef idx="minor">
-            <a:schemeClr val="tx1"/>
-          </a:fontRef>
-        </p:style>
-      </p:cxnSp>
-      <p:cxnSp>
-        <p:nvCxnSpPr>
-          <p:cNvPr id="14" name="Straight Connector 13"/>
-          <p:cNvCxnSpPr/>
-          <p:nvPr/>
-        </p:nvCxnSpPr>
-        <p:spPr bwMode="auto">
-          <a:xfrm>
-            <a:off x="1442935" y="2313232"/>
-            <a:ext cx="76200" cy="0"/>
-          </a:xfrm>
-          <a:prstGeom prst="line">
-            <a:avLst/>
-          </a:prstGeom>
-          <a:ln w="50800">
-            <a:solidFill>
-              <a:schemeClr val="bg1">
-                <a:lumMod val="65000"/>
-              </a:schemeClr>
-            </a:solidFill>
-          </a:ln>
-        </p:spPr>
-        <p:style>
-          <a:lnRef idx="1">
-            <a:schemeClr val="dk1"/>
-          </a:lnRef>
-          <a:fillRef idx="0">
-            <a:schemeClr val="dk1"/>
-          </a:fillRef>
-          <a:effectRef idx="0">
-            <a:schemeClr val="dk1"/>
-          </a:effectRef>
-          <a:fontRef idx="minor">
-            <a:schemeClr val="tx1"/>
-          </a:fontRef>
-        </p:style>
-      </p:cxnSp>
-      <p:cxnSp>
-        <p:nvCxnSpPr>
-          <p:cNvPr id="15" name="Straight Connector 14"/>
-          <p:cNvCxnSpPr/>
-          <p:nvPr/>
-        </p:nvCxnSpPr>
-        <p:spPr bwMode="auto">
-          <a:xfrm>
-            <a:off x="1671535" y="2313232"/>
-            <a:ext cx="76200" cy="0"/>
-          </a:xfrm>
-          <a:prstGeom prst="line">
-            <a:avLst/>
-          </a:prstGeom>
-          <a:ln w="50800">
-            <a:solidFill>
-              <a:schemeClr val="bg1">
-                <a:lumMod val="65000"/>
-              </a:schemeClr>
-            </a:solidFill>
-          </a:ln>
-        </p:spPr>
-        <p:style>
-          <a:lnRef idx="1">
-            <a:schemeClr val="dk1"/>
-          </a:lnRef>
-          <a:fillRef idx="0">
-            <a:schemeClr val="dk1"/>
-          </a:fillRef>
-          <a:effectRef idx="0">
-            <a:schemeClr val="dk1"/>
-          </a:effectRef>
-          <a:fontRef idx="minor">
-            <a:schemeClr val="tx1"/>
-          </a:fontRef>
-        </p:style>
-      </p:cxnSp>
-      <p:cxnSp>
-        <p:nvCxnSpPr>
-          <p:cNvPr id="16" name="Straight Connector 15"/>
-          <p:cNvCxnSpPr/>
-          <p:nvPr/>
-        </p:nvCxnSpPr>
-        <p:spPr bwMode="auto">
-          <a:xfrm>
-            <a:off x="1519135" y="2389432"/>
-            <a:ext cx="76200" cy="0"/>
-          </a:xfrm>
-          <a:prstGeom prst="line">
-            <a:avLst/>
-          </a:prstGeom>
-          <a:ln w="50800">
-            <a:solidFill>
-              <a:schemeClr val="bg1">
-                <a:lumMod val="65000"/>
-              </a:schemeClr>
-            </a:solidFill>
-          </a:ln>
-        </p:spPr>
-        <p:style>
-          <a:lnRef idx="1">
-            <a:schemeClr val="dk1"/>
-          </a:lnRef>
-          <a:fillRef idx="0">
-            <a:schemeClr val="dk1"/>
-          </a:fillRef>
-          <a:effectRef idx="0">
-            <a:schemeClr val="dk1"/>
-          </a:effectRef>
-          <a:fontRef idx="minor">
-            <a:schemeClr val="tx1"/>
-          </a:fontRef>
-        </p:style>
-      </p:cxnSp>
-      <p:cxnSp>
-        <p:nvCxnSpPr>
-          <p:cNvPr id="17" name="Straight Connector 16"/>
-          <p:cNvCxnSpPr/>
-          <p:nvPr/>
-        </p:nvCxnSpPr>
-        <p:spPr bwMode="auto">
-          <a:xfrm>
-            <a:off x="1366735" y="2465632"/>
-            <a:ext cx="76200" cy="0"/>
-          </a:xfrm>
-          <a:prstGeom prst="line">
-            <a:avLst/>
-          </a:prstGeom>
-          <a:ln w="50800">
-            <a:solidFill>
-              <a:schemeClr val="bg1">
-                <a:lumMod val="65000"/>
-              </a:schemeClr>
-            </a:solidFill>
-          </a:ln>
-        </p:spPr>
-        <p:style>
-          <a:lnRef idx="1">
-            <a:schemeClr val="dk1"/>
-          </a:lnRef>
-          <a:fillRef idx="0">
-            <a:schemeClr val="dk1"/>
-          </a:fillRef>
-          <a:effectRef idx="0">
-            <a:schemeClr val="dk1"/>
-          </a:effectRef>
-          <a:fontRef idx="minor">
-            <a:schemeClr val="tx1"/>
-          </a:fontRef>
-        </p:style>
-      </p:cxnSp>
-      <p:cxnSp>
-        <p:nvCxnSpPr>
-          <p:cNvPr id="18" name="Straight Connector 17"/>
-          <p:cNvCxnSpPr/>
-          <p:nvPr/>
-        </p:nvCxnSpPr>
-        <p:spPr bwMode="auto">
-          <a:xfrm>
-            <a:off x="1595335" y="2465632"/>
-            <a:ext cx="76200" cy="0"/>
-          </a:xfrm>
-          <a:prstGeom prst="line">
-            <a:avLst/>
-          </a:prstGeom>
-          <a:ln w="50800">
-            <a:solidFill>
-              <a:schemeClr val="bg1">
-                <a:lumMod val="65000"/>
-              </a:schemeClr>
-            </a:solidFill>
-          </a:ln>
-        </p:spPr>
-        <p:style>
-          <a:lnRef idx="1">
-            <a:schemeClr val="dk1"/>
-          </a:lnRef>
-          <a:fillRef idx="0">
-            <a:schemeClr val="dk1"/>
-          </a:fillRef>
-          <a:effectRef idx="0">
-            <a:schemeClr val="dk1"/>
-          </a:effectRef>
-          <a:fontRef idx="minor">
-            <a:schemeClr val="tx1"/>
-          </a:fontRef>
-        </p:style>
-      </p:cxnSp>
-      <p:sp>
-        <p:nvSpPr>
-          <p:cNvPr id="19" name="TextBox 18"/>
-          <p:cNvSpPr txBox="1"/>
-          <p:nvPr/>
-        </p:nvSpPr>
-        <p:spPr>
-          <a:xfrm rot="18113045">
-            <a:off x="299937" y="1941292"/>
-            <a:ext cx="995823" cy="307777"/>
-          </a:xfrm>
-          <a:prstGeom prst="rect">
-            <a:avLst/>
-          </a:prstGeom>
-          <a:noFill/>
-        </p:spPr>
-        <p:txBody>
-          <a:bodyPr wrap="none" rtlCol="0">
-            <a:spAutoFit/>
-          </a:bodyPr>
-          <a:lstStyle/>
-          <a:p>
-            <a:r>
-              <a:rPr lang="en-US" sz="1400" dirty="0" smtClean="0"/>
-              <a:t>Junk  reads</a:t>
-            </a:r>
-            <a:endParaRPr lang="en-US" sz="1400" dirty="0"/>
-          </a:p>
-        </p:txBody>
-      </p:sp>
-      <p:cxnSp>
-        <p:nvCxnSpPr>
-          <p:cNvPr id="20" name="Straight Connector 19"/>
-          <p:cNvCxnSpPr/>
-          <p:nvPr/>
-        </p:nvCxnSpPr>
-        <p:spPr>
-          <a:xfrm flipV="1">
-            <a:off x="676317" y="1798726"/>
-            <a:ext cx="565999" cy="846970"/>
-          </a:xfrm>
-          <a:prstGeom prst="line">
-            <a:avLst/>
-          </a:prstGeom>
-          <a:ln>
-            <a:solidFill>
-              <a:srgbClr val="000000"/>
-            </a:solidFill>
-          </a:ln>
-        </p:spPr>
-        <p:style>
-          <a:lnRef idx="2">
-            <a:schemeClr val="accent1"/>
-          </a:lnRef>
-          <a:fillRef idx="0">
-            <a:schemeClr val="accent1"/>
-          </a:fillRef>
-          <a:effectRef idx="1">
-            <a:schemeClr val="accent1"/>
-          </a:effectRef>
-          <a:fontRef idx="minor">
-            <a:schemeClr val="tx1"/>
-          </a:fontRef>
-        </p:style>
-      </p:cxnSp>
-      <p:sp>
-        <p:nvSpPr>
-          <p:cNvPr id="21" name="Right Arrow 20"/>
-          <p:cNvSpPr/>
-          <p:nvPr/>
-        </p:nvSpPr>
-        <p:spPr>
-          <a:xfrm>
-            <a:off x="5205186" y="3270626"/>
-            <a:ext cx="367521" cy="298601"/>
-          </a:xfrm>
-          <a:prstGeom prst="rightArrow">
-            <a:avLst/>
-          </a:prstGeom>
-          <a:solidFill>
-            <a:schemeClr val="tx2">
-              <a:lumMod val="50000"/>
-              <a:alpha val="87000"/>
-            </a:schemeClr>
-          </a:solidFill>
-          <a:ln>
-            <a:noFill/>
-          </a:ln>
-        </p:spPr>
-        <p:style>
-          <a:lnRef idx="2">
-            <a:schemeClr val="accent1">
-              <a:shade val="50000"/>
-            </a:schemeClr>
-          </a:lnRef>
-          <a:fillRef idx="1">
-            <a:schemeClr val="accent1"/>
-          </a:fillRef>
-          <a:effectRef idx="0">
-            <a:schemeClr val="accent1"/>
-          </a:effectRef>
-          <a:fontRef idx="minor">
-            <a:schemeClr val="lt1"/>
-          </a:fontRef>
-        </p:style>
-        <p:txBody>
-          <a:bodyPr rtlCol="0" anchor="ctr"/>
-          <a:lstStyle/>
-          <a:p>
-            <a:pPr algn="ctr"/>
-            <a:endParaRPr lang="en-US">
-              <a:solidFill>
-                <a:schemeClr val="tx2">
-                  <a:lumMod val="50000"/>
-                </a:schemeClr>
-              </a:solidFill>
-            </a:endParaRPr>
-          </a:p>
-        </p:txBody>
-      </p:sp>
-      <p:pic>
-        <p:nvPicPr>
-          <p:cNvPr id="22" name="Picture 21"/>
-          <p:cNvPicPr>
-            <a:picLocks noChangeAspect="1"/>
-          </p:cNvPicPr>
-          <p:nvPr/>
-        </p:nvPicPr>
-        <p:blipFill>
-          <a:blip r:embed="rId4"/>
-          <a:stretch>
-            <a:fillRect/>
-          </a:stretch>
-        </p:blipFill>
-        <p:spPr>
-          <a:xfrm>
-            <a:off x="5992984" y="1686708"/>
-            <a:ext cx="1044737" cy="968511"/>
-          </a:xfrm>
-          <a:prstGeom prst="rect">
-            <a:avLst/>
-          </a:prstGeom>
-        </p:spPr>
-      </p:pic>
-      <p:sp>
-        <p:nvSpPr>
-          <p:cNvPr id="23" name="TextBox 22"/>
-          <p:cNvSpPr txBox="1"/>
-          <p:nvPr/>
-        </p:nvSpPr>
-        <p:spPr>
-          <a:xfrm>
-            <a:off x="6858243" y="2174350"/>
-            <a:ext cx="931330" cy="461665"/>
-          </a:xfrm>
-          <a:prstGeom prst="rect">
-            <a:avLst/>
-          </a:prstGeom>
-          <a:noFill/>
-        </p:spPr>
-        <p:txBody>
-          <a:bodyPr wrap="none" rtlCol="0">
-            <a:spAutoFit/>
-          </a:bodyPr>
-          <a:lstStyle/>
-          <a:p>
-            <a:r>
-              <a:rPr lang="en-US" sz="2400" b="1" dirty="0" smtClean="0">
-                <a:latin typeface="Apple Chancery"/>
-                <a:cs typeface="Apple Chancery"/>
-              </a:rPr>
-              <a:t>ROP</a:t>
-            </a:r>
-          </a:p>
-        </p:txBody>
-      </p:sp>
-      <p:cxnSp>
-        <p:nvCxnSpPr>
-          <p:cNvPr id="24" name="Straight Connector 23"/>
-          <p:cNvCxnSpPr/>
-          <p:nvPr/>
-        </p:nvCxnSpPr>
-        <p:spPr>
-          <a:xfrm>
-            <a:off x="6146060" y="2702384"/>
-            <a:ext cx="1961028" cy="0"/>
-          </a:xfrm>
-          <a:prstGeom prst="line">
-            <a:avLst/>
-          </a:prstGeom>
-          <a:ln w="6350" cmpd="sng">
-            <a:solidFill>
-              <a:schemeClr val="tx1"/>
-            </a:solidFill>
-          </a:ln>
-        </p:spPr>
-        <p:style>
-          <a:lnRef idx="2">
-            <a:schemeClr val="accent1"/>
-          </a:lnRef>
-          <a:fillRef idx="0">
-            <a:schemeClr val="accent1"/>
-          </a:fillRef>
-          <a:effectRef idx="1">
-            <a:schemeClr val="accent1"/>
-          </a:effectRef>
-          <a:fontRef idx="minor">
-            <a:schemeClr val="tx1"/>
-          </a:fontRef>
-        </p:style>
-      </p:cxnSp>
-      <p:sp>
-        <p:nvSpPr>
-          <p:cNvPr id="25" name="Rectangle 24"/>
-          <p:cNvSpPr/>
-          <p:nvPr/>
-        </p:nvSpPr>
-        <p:spPr>
-          <a:xfrm>
-            <a:off x="6210976" y="2903445"/>
-            <a:ext cx="137160" cy="137160"/>
-          </a:xfrm>
-          <a:prstGeom prst="rect">
-            <a:avLst/>
-          </a:prstGeom>
-          <a:solidFill>
-            <a:srgbClr val="008000"/>
-          </a:solidFill>
-          <a:ln>
-            <a:noFill/>
-          </a:ln>
-        </p:spPr>
-        <p:style>
-          <a:lnRef idx="2">
-            <a:schemeClr val="accent4">
-              <a:shade val="50000"/>
-            </a:schemeClr>
-          </a:lnRef>
-          <a:fillRef idx="1">
-            <a:schemeClr val="accent4"/>
-          </a:fillRef>
-          <a:effectRef idx="0">
-            <a:schemeClr val="accent4"/>
-          </a:effectRef>
-          <a:fontRef idx="minor">
-            <a:schemeClr val="lt1"/>
-          </a:fontRef>
-        </p:style>
-        <p:txBody>
-          <a:bodyPr rtlCol="0" anchor="ctr"/>
-          <a:lstStyle/>
-          <a:p>
-            <a:pPr algn="ctr"/>
-            <a:endParaRPr lang="en-US" dirty="0">
-              <a:solidFill>
-                <a:srgbClr val="008000"/>
-              </a:solidFill>
-            </a:endParaRPr>
-          </a:p>
-        </p:txBody>
-      </p:sp>
-      <p:sp>
-        <p:nvSpPr>
-          <p:cNvPr id="26" name="Rectangle 25"/>
-          <p:cNvSpPr/>
-          <p:nvPr/>
-        </p:nvSpPr>
-        <p:spPr>
-          <a:xfrm>
-            <a:off x="6452363" y="2802748"/>
-            <a:ext cx="1556836" cy="338554"/>
-          </a:xfrm>
-          <a:prstGeom prst="rect">
-            <a:avLst/>
-          </a:prstGeom>
-        </p:spPr>
-        <p:txBody>
-          <a:bodyPr wrap="none">
-            <a:spAutoFit/>
-          </a:bodyPr>
-          <a:lstStyle/>
-          <a:p>
-            <a:r>
-              <a:rPr lang="en-US" sz="1600" dirty="0">
-                <a:solidFill>
-                  <a:srgbClr val="008000"/>
-                </a:solidFill>
-              </a:rPr>
-              <a:t>r</a:t>
-            </a:r>
-            <a:r>
-              <a:rPr lang="en-US" sz="1600" dirty="0" smtClean="0">
-                <a:solidFill>
-                  <a:srgbClr val="008000"/>
-                </a:solidFill>
-              </a:rPr>
-              <a:t>epeat elements</a:t>
-            </a:r>
-            <a:endParaRPr lang="en-US" sz="1600" dirty="0">
-              <a:solidFill>
-                <a:srgbClr val="008000"/>
-              </a:solidFill>
-            </a:endParaRPr>
-          </a:p>
-        </p:txBody>
-      </p:sp>
-      <p:sp>
-        <p:nvSpPr>
-          <p:cNvPr id="27" name="Rectangle 26"/>
-          <p:cNvSpPr/>
-          <p:nvPr/>
-        </p:nvSpPr>
-        <p:spPr>
-          <a:xfrm>
-            <a:off x="6525091" y="3162058"/>
-            <a:ext cx="2133918" cy="338554"/>
-          </a:xfrm>
-          <a:prstGeom prst="rect">
-            <a:avLst/>
-          </a:prstGeom>
-        </p:spPr>
-        <p:txBody>
-          <a:bodyPr wrap="none">
-            <a:spAutoFit/>
-          </a:bodyPr>
-          <a:lstStyle/>
-          <a:p>
-            <a:r>
-              <a:rPr lang="en-US" sz="1600" dirty="0" smtClean="0">
-                <a:solidFill>
-                  <a:srgbClr val="660066"/>
-                </a:solidFill>
-              </a:rPr>
-              <a:t>B/T repertoire diversity</a:t>
-            </a:r>
-            <a:endParaRPr lang="en-US" sz="1600" dirty="0"/>
-          </a:p>
-        </p:txBody>
-      </p:sp>
-      <p:sp>
-        <p:nvSpPr>
-          <p:cNvPr id="28" name="Rectangle 27"/>
-          <p:cNvSpPr/>
-          <p:nvPr/>
-        </p:nvSpPr>
-        <p:spPr>
-          <a:xfrm>
-            <a:off x="6232139" y="3270626"/>
-            <a:ext cx="137160" cy="137160"/>
-          </a:xfrm>
-          <a:prstGeom prst="rect">
-            <a:avLst/>
-          </a:prstGeom>
-          <a:solidFill>
-            <a:srgbClr val="660066"/>
-          </a:solidFill>
-          <a:ln>
-            <a:noFill/>
-          </a:ln>
-        </p:spPr>
-        <p:style>
-          <a:lnRef idx="2">
-            <a:schemeClr val="accent4">
-              <a:shade val="50000"/>
-            </a:schemeClr>
-          </a:lnRef>
-          <a:fillRef idx="1">
-            <a:schemeClr val="accent4"/>
-          </a:fillRef>
-          <a:effectRef idx="0">
-            <a:schemeClr val="accent4"/>
-          </a:effectRef>
-          <a:fontRef idx="minor">
-            <a:schemeClr val="lt1"/>
-          </a:fontRef>
-        </p:style>
-        <p:txBody>
-          <a:bodyPr rtlCol="0" anchor="ctr"/>
-          <a:lstStyle/>
-          <a:p>
-            <a:pPr algn="ctr"/>
-            <a:endParaRPr lang="en-US" dirty="0">
-              <a:solidFill>
-                <a:srgbClr val="008000"/>
-              </a:solidFill>
-            </a:endParaRPr>
-          </a:p>
-        </p:txBody>
-      </p:sp>
-      <p:sp>
-        <p:nvSpPr>
-          <p:cNvPr id="29" name="Rectangle 28"/>
-          <p:cNvSpPr/>
-          <p:nvPr/>
-        </p:nvSpPr>
-        <p:spPr>
-          <a:xfrm>
-            <a:off x="6618445" y="3839166"/>
-            <a:ext cx="2090937" cy="338554"/>
-          </a:xfrm>
-          <a:prstGeom prst="rect">
-            <a:avLst/>
-          </a:prstGeom>
-        </p:spPr>
-        <p:txBody>
-          <a:bodyPr wrap="none">
-            <a:spAutoFit/>
-          </a:bodyPr>
-          <a:lstStyle/>
-          <a:p>
-            <a:r>
-              <a:rPr lang="en-US" sz="1600" dirty="0">
-                <a:solidFill>
-                  <a:srgbClr val="0000FF"/>
-                </a:solidFill>
-              </a:rPr>
-              <a:t>microbial </a:t>
-            </a:r>
-            <a:r>
-              <a:rPr lang="en-US" sz="1600" dirty="0" smtClean="0">
-                <a:solidFill>
-                  <a:srgbClr val="0000FF"/>
-                </a:solidFill>
-              </a:rPr>
-              <a:t>communities</a:t>
-            </a:r>
-            <a:endParaRPr lang="en-US" sz="1600" dirty="0"/>
-          </a:p>
-        </p:txBody>
-      </p:sp>
-      <p:sp>
-        <p:nvSpPr>
-          <p:cNvPr id="30" name="Rectangle 29"/>
-          <p:cNvSpPr/>
-          <p:nvPr/>
-        </p:nvSpPr>
-        <p:spPr>
-          <a:xfrm>
-            <a:off x="6264728" y="3956757"/>
-            <a:ext cx="137160" cy="137160"/>
-          </a:xfrm>
-          <a:prstGeom prst="rect">
-            <a:avLst/>
-          </a:prstGeom>
-          <a:solidFill>
-            <a:srgbClr val="0000FF"/>
-          </a:solidFill>
-          <a:ln>
-            <a:noFill/>
-          </a:ln>
-        </p:spPr>
-        <p:style>
-          <a:lnRef idx="2">
-            <a:schemeClr val="accent4">
-              <a:shade val="50000"/>
-            </a:schemeClr>
-          </a:lnRef>
-          <a:fillRef idx="1">
-            <a:schemeClr val="accent4"/>
-          </a:fillRef>
-          <a:effectRef idx="0">
-            <a:schemeClr val="accent4"/>
-          </a:effectRef>
-          <a:fontRef idx="minor">
-            <a:schemeClr val="lt1"/>
-          </a:fontRef>
-        </p:style>
-        <p:txBody>
-          <a:bodyPr rtlCol="0" anchor="ctr"/>
-          <a:lstStyle/>
-          <a:p>
-            <a:pPr algn="ctr"/>
-            <a:endParaRPr lang="en-US" dirty="0">
-              <a:solidFill>
-                <a:srgbClr val="008000"/>
-              </a:solidFill>
-            </a:endParaRPr>
-          </a:p>
-        </p:txBody>
-      </p:sp>
-      <p:sp>
-        <p:nvSpPr>
-          <p:cNvPr id="31" name="Rectangle 30"/>
-          <p:cNvSpPr/>
-          <p:nvPr/>
-        </p:nvSpPr>
-        <p:spPr>
-          <a:xfrm>
-            <a:off x="6562281" y="3500612"/>
-            <a:ext cx="1210588" cy="338554"/>
-          </a:xfrm>
-          <a:prstGeom prst="rect">
-            <a:avLst/>
-          </a:prstGeom>
-        </p:spPr>
-        <p:txBody>
-          <a:bodyPr wrap="none">
-            <a:spAutoFit/>
-          </a:bodyPr>
-          <a:lstStyle/>
-          <a:p>
-            <a:r>
-              <a:rPr lang="en-US" sz="1600" dirty="0">
-                <a:solidFill>
-                  <a:srgbClr val="FF6600"/>
-                </a:solidFill>
-              </a:rPr>
-              <a:t>c</a:t>
-            </a:r>
-            <a:r>
-              <a:rPr lang="en-US" sz="1600" dirty="0" smtClean="0">
-                <a:solidFill>
-                  <a:srgbClr val="FF6600"/>
-                </a:solidFill>
-              </a:rPr>
-              <a:t>ircular RNA </a:t>
-            </a:r>
-            <a:endParaRPr lang="en-US" sz="1600" dirty="0">
-              <a:solidFill>
-                <a:srgbClr val="FF6600"/>
-              </a:solidFill>
-            </a:endParaRPr>
-          </a:p>
-        </p:txBody>
-      </p:sp>
-      <p:sp>
-        <p:nvSpPr>
-          <p:cNvPr id="32" name="Rectangle 31"/>
-          <p:cNvSpPr/>
-          <p:nvPr/>
-        </p:nvSpPr>
-        <p:spPr>
-          <a:xfrm>
-            <a:off x="6247379" y="3610381"/>
-            <a:ext cx="137160" cy="137160"/>
-          </a:xfrm>
-          <a:prstGeom prst="rect">
-            <a:avLst/>
-          </a:prstGeom>
-          <a:ln>
-            <a:noFill/>
-          </a:ln>
-        </p:spPr>
-        <p:style>
-          <a:lnRef idx="2">
-            <a:schemeClr val="accent6">
-              <a:shade val="50000"/>
-            </a:schemeClr>
-          </a:lnRef>
-          <a:fillRef idx="1">
-            <a:schemeClr val="accent6"/>
-          </a:fillRef>
-          <a:effectRef idx="0">
-            <a:schemeClr val="accent6"/>
-          </a:effectRef>
-          <a:fontRef idx="minor">
-            <a:schemeClr val="lt1"/>
-          </a:fontRef>
-        </p:style>
-        <p:txBody>
-          <a:bodyPr rtlCol="0" anchor="ctr"/>
-          <a:lstStyle/>
-          <a:p>
-            <a:pPr algn="ctr"/>
-            <a:endParaRPr lang="en-US" dirty="0">
-              <a:solidFill>
-                <a:srgbClr val="008000"/>
-              </a:solidFill>
-            </a:endParaRPr>
-          </a:p>
-        </p:txBody>
-      </p:sp>
-      <p:sp>
-        <p:nvSpPr>
-          <p:cNvPr id="33" name="Rectangle 32"/>
-          <p:cNvSpPr/>
-          <p:nvPr/>
-        </p:nvSpPr>
-        <p:spPr>
-          <a:xfrm>
-            <a:off x="2922291" y="6173789"/>
-            <a:ext cx="4325671" cy="369332"/>
-          </a:xfrm>
-          <a:prstGeom prst="rect">
-            <a:avLst/>
-          </a:prstGeom>
-        </p:spPr>
-        <p:txBody>
-          <a:bodyPr wrap="none">
-            <a:spAutoFit/>
-          </a:bodyPr>
-          <a:lstStyle/>
-          <a:p>
-            <a:r>
-              <a:rPr lang="en-US" dirty="0">
-                <a:hlinkClick r:id="rId5"/>
-              </a:rPr>
-              <a:t>https://sergheimangul.wordpress.com/rop</a:t>
-            </a:r>
-            <a:r>
-              <a:rPr lang="en-US" dirty="0" smtClean="0">
-                <a:hlinkClick r:id="rId5"/>
-              </a:rPr>
-              <a:t>/</a:t>
-            </a:r>
-            <a:r>
-              <a:rPr lang="en-US" dirty="0" smtClean="0"/>
-              <a:t> </a:t>
-            </a:r>
-            <a:endParaRPr lang="en-US" dirty="0"/>
-          </a:p>
-        </p:txBody>
-      </p:sp>
-    </p:spTree>
-    <p:extLst>
-      <p:ext uri="{BB962C8B-B14F-4D97-AF65-F5344CB8AC3E}">
-        <p14:creationId xmlns:p14="http://schemas.microsoft.com/office/powerpoint/2010/main" val="3020203864"/>
-      </p:ext>
-    </p:extLst>
-  </p:cSld>
-  <p:clrMapOvr>
-    <a:masterClrMapping/>
-  </p:clrMapOvr>
-  <p:timing>
-    <p:tnLst>
-      <p:par>
-        <p:cTn id="1" dur="indefinite" restart="never" nodeType="tmRoot"/>
-      </p:par>
-    </p:tnLst>
-  </p:timing>
-</p:sld>
-</file>
-
-<file path=ppt/slides/slide34.xml><?xml version="1.0" encoding="utf-8"?>
-<p:sld xmlns:a="http://schemas.openxmlformats.org/drawingml/2006/main" xmlns:r="http://schemas.openxmlformats.org/officeDocument/2006/relationships" xmlns:p="http://schemas.openxmlformats.org/presentationml/2006/main">
-  <p:cSld>
-    <p:spTree>
-      <p:nvGrpSpPr>
-        <p:cNvPr id="1" name=""/>
-        <p:cNvGrpSpPr/>
-        <p:nvPr/>
-      </p:nvGrpSpPr>
-      <p:grpSpPr>
-        <a:xfrm>
-          <a:off x="0" y="0"/>
-          <a:ext cx="0" cy="0"/>
-          <a:chOff x="0" y="0"/>
-          <a:chExt cx="0" cy="0"/>
-        </a:xfrm>
-      </p:grpSpPr>
       <p:sp>
         <p:nvSpPr>
           <p:cNvPr id="2" name="Title 1"/>
@@ -19056,10 +16928,9 @@
           <a:lstStyle/>
           <a:p>
             <a:r>
-              <a:rPr lang="en-US" dirty="0" smtClean="0"/>
+              <a:rPr lang="en-US" dirty="0"/>
               <a:t>Thanks!</a:t>
             </a:r>
-            <a:endParaRPr lang="en-US" dirty="0"/>
           </a:p>
         </p:txBody>
       </p:sp>
@@ -19082,23 +16953,14 @@
           <a:p>
             <a:r>
               <a:rPr lang="en-US" sz="2800" dirty="0"/>
-              <a:t>Please take a few minutes to fill </a:t>
-            </a:r>
-            <a:r>
-              <a:rPr lang="en-US" sz="2800" dirty="0" smtClean="0"/>
-              <a:t>the </a:t>
-            </a:r>
-            <a:r>
-              <a:rPr lang="en-US" sz="2800" dirty="0"/>
-              <a:t>survey </a:t>
-            </a:r>
-            <a:endParaRPr lang="en-US" sz="2800" dirty="0" smtClean="0"/>
+              <a:t>Please take a few minutes to fill the survey </a:t>
+            </a:r>
           </a:p>
           <a:p>
             <a:pPr marL="457200" lvl="1" indent="0">
               <a:buNone/>
             </a:pPr>
-            <a:endParaRPr lang="en-US" sz="2400" dirty="0" smtClean="0"/>
+            <a:endParaRPr lang="en-US" sz="2400" dirty="0"/>
           </a:p>
           <a:p>
             <a:pPr lvl="1"/>
@@ -19119,13 +16981,6 @@
   <p:clrMapOvr>
     <a:masterClrMapping/>
   </p:clrMapOvr>
-  <p:timing>
-    <p:tnLst>
-      <p:par>
-        <p:cTn id="1" dur="indefinite" restart="never" nodeType="tmRoot"/>
-      </p:par>
-    </p:tnLst>
-  </p:timing>
 </p:sld>
 </file>
 
@@ -19163,32 +17018,16 @@
           </a:bodyPr>
           <a:lstStyle/>
           <a:p>
-            <a:r>
-              <a:rPr lang="en-US" sz="4800" dirty="0" smtClean="0"/>
-              <a:t/>
-            </a:r>
             <a:br>
-              <a:rPr lang="en-US" sz="4800" dirty="0" smtClean="0"/>
+              <a:rPr lang="en-US" sz="4800" dirty="0"/>
             </a:br>
             <a:r>
-              <a:rPr lang="en-US" sz="4800" dirty="0" err="1" smtClean="0"/>
+              <a:rPr lang="en-US" sz="4800" dirty="0" err="1"/>
               <a:t>awk</a:t>
             </a:r>
             <a:r>
-              <a:rPr lang="en-US" sz="4800" dirty="0" smtClean="0"/>
-              <a:t> : </a:t>
-            </a:r>
-            <a:r>
               <a:rPr lang="en-US" sz="4800" dirty="0"/>
-              <a:t>Simple U</a:t>
-            </a:r>
-            <a:r>
-              <a:rPr lang="en-US" sz="4800" dirty="0" smtClean="0"/>
-              <a:t>ses</a:t>
-            </a:r>
-            <a:r>
-              <a:rPr lang="en-US" sz="4800" dirty="0"/>
-              <a:t/>
+              <a:t> : Simple Uses</a:t>
             </a:r>
             <a:br>
               <a:rPr lang="en-US" sz="4800" dirty="0"/>
@@ -19230,17 +17069,10 @@
                 <a:latin typeface="Courier New"/>
                 <a:cs typeface="Courier New"/>
               </a:rPr>
-              <a:t> '{print</a:t>
-            </a:r>
-            <a:r>
-              <a:rPr lang="en-US" sz="2800" dirty="0" smtClean="0">
-                <a:latin typeface="Courier New"/>
-                <a:cs typeface="Courier New"/>
-              </a:rPr>
-              <a:t>}’ &lt;</a:t>
-            </a:r>
-            <a:r>
-              <a:rPr lang="en-US" sz="2800" dirty="0" err="1" smtClean="0">
+              <a:t> '{print}’ &lt;</a:t>
+            </a:r>
+            <a:r>
+              <a:rPr lang="en-US" sz="2800" dirty="0" err="1">
                 <a:latin typeface="Courier New"/>
                 <a:cs typeface="Courier New"/>
               </a:rPr>
@@ -19361,31 +17193,24 @@
                 <a:latin typeface="Courier New"/>
                 <a:cs typeface="Courier New"/>
               </a:rPr>
-              <a:t> '{</a:t>
-            </a:r>
-            <a:r>
-              <a:rPr lang="en-US" sz="2800" dirty="0" smtClean="0">
-                <a:latin typeface="Courier New"/>
-                <a:cs typeface="Courier New"/>
-              </a:rPr>
-              <a:t>print </a:t>
-            </a:r>
-            <a:r>
-              <a:rPr lang="en-US" sz="2800" b="1" dirty="0" smtClean="0">
+              <a:t> '{print </a:t>
+            </a:r>
+            <a:r>
+              <a:rPr lang="en-US" sz="2800" b="1" dirty="0">
                 <a:latin typeface="Courier New"/>
                 <a:cs typeface="Courier New"/>
               </a:rPr>
               <a:t>$1</a:t>
             </a:r>
             <a:r>
-              <a:rPr lang="en-US" sz="2800" dirty="0" smtClean="0">
+              <a:rPr lang="en-US" sz="2800" dirty="0">
                 <a:latin typeface="Courier New"/>
                 <a:cs typeface="Courier New"/>
               </a:rPr>
               <a:t>}’ &lt;</a:t>
             </a:r>
             <a:r>
-              <a:rPr lang="en-US" sz="2800" dirty="0" err="1" smtClean="0">
+              <a:rPr lang="en-US" sz="2800" dirty="0" err="1">
                 <a:latin typeface="Courier New"/>
                 <a:cs typeface="Courier New"/>
               </a:rPr>
@@ -19430,17 +17255,7 @@
                 <a:latin typeface="Courier New"/>
                 <a:cs typeface="Courier New"/>
               </a:rPr>
-              <a:t>c</a:t>
-            </a:r>
-            <a:r>
-              <a:rPr lang="en-US" b="1" dirty="0" smtClean="0">
-                <a:solidFill>
-                  <a:srgbClr val="000000"/>
-                </a:solidFill>
-                <a:latin typeface="Courier New"/>
-                <a:cs typeface="Courier New"/>
-              </a:rPr>
-              <a:t>olumn number</a:t>
+              <a:t>column number</a:t>
             </a:r>
             <a:endParaRPr lang="en-US" b="1" dirty="0">
               <a:solidFill>
@@ -19516,31 +17331,24 @@
                 <a:latin typeface="Courier New"/>
                 <a:cs typeface="Courier New"/>
               </a:rPr>
-              <a:t> '{</a:t>
-            </a:r>
-            <a:r>
-              <a:rPr lang="en-US" sz="2800" dirty="0" smtClean="0">
-                <a:latin typeface="Courier New"/>
-                <a:cs typeface="Courier New"/>
-              </a:rPr>
-              <a:t>print $1</a:t>
-            </a:r>
-            <a:r>
-              <a:rPr lang="en-US" sz="2800" b="1" dirty="0" smtClean="0">
+              <a:t> '{print $1</a:t>
+            </a:r>
+            <a:r>
+              <a:rPr lang="en-US" sz="2800" b="1" dirty="0">
                 <a:latin typeface="Courier New"/>
                 <a:cs typeface="Courier New"/>
               </a:rPr>
               <a:t>”\t”</a:t>
             </a:r>
             <a:r>
-              <a:rPr lang="en-US" sz="2800" dirty="0" smtClean="0">
+              <a:rPr lang="en-US" sz="2800" dirty="0">
                 <a:latin typeface="Courier New"/>
                 <a:cs typeface="Courier New"/>
               </a:rPr>
               <a:t>$3}’ &lt;</a:t>
             </a:r>
             <a:r>
-              <a:rPr lang="en-US" sz="2800" dirty="0" err="1" smtClean="0">
+              <a:rPr lang="en-US" sz="2800" dirty="0" err="1">
                 <a:latin typeface="Courier New"/>
                 <a:cs typeface="Courier New"/>
               </a:rPr>
@@ -19611,7 +17419,7 @@
           <a:lstStyle/>
           <a:p>
             <a:r>
-              <a:rPr lang="en-US" b="1" dirty="0" smtClean="0">
+              <a:rPr lang="en-US" b="1" dirty="0">
                 <a:solidFill>
                   <a:srgbClr val="000000"/>
                 </a:solidFill>
@@ -19638,13 +17446,6 @@
   <p:clrMapOvr>
     <a:masterClrMapping/>
   </p:clrMapOvr>
-  <p:timing>
-    <p:tnLst>
-      <p:par>
-        <p:cTn id="1" dur="indefinite" restart="never" nodeType="tmRoot"/>
-      </p:par>
-    </p:tnLst>
-  </p:timing>
 </p:sld>
 </file>
 
@@ -19681,10 +17482,9 @@
           <a:lstStyle/>
           <a:p>
             <a:r>
-              <a:rPr lang="en-US" dirty="0" smtClean="0"/>
+              <a:rPr lang="en-US" dirty="0"/>
               <a:t>Let’s practice</a:t>
             </a:r>
-            <a:endParaRPr lang="en-US" dirty="0"/>
           </a:p>
         </p:txBody>
       </p:sp>
@@ -19745,14 +17545,7 @@
                 <a:latin typeface="Courier New"/>
                 <a:cs typeface="Courier New"/>
               </a:rPr>
-              <a:t> '{print}' </a:t>
-            </a:r>
-            <a:r>
-              <a:rPr lang="en-US" sz="2400" dirty="0" smtClean="0">
-                <a:latin typeface="Courier New"/>
-                <a:cs typeface="Courier New"/>
-              </a:rPr>
-              <a:t>hg19.gtf</a:t>
+              <a:t> '{print}' hg19.gtf</a:t>
             </a:r>
           </a:p>
           <a:p>
@@ -19768,86 +17561,40 @@
                 <a:latin typeface="Courier New"/>
                 <a:cs typeface="Courier New"/>
               </a:rPr>
-              <a:t> '{print $1}’ hg19.</a:t>
-            </a:r>
-            <a:r>
-              <a:rPr lang="en-US" sz="2400" dirty="0" smtClean="0">
-                <a:latin typeface="Courier New"/>
-                <a:cs typeface="Courier New"/>
-              </a:rPr>
-              <a:t>gtf</a:t>
-            </a:r>
-          </a:p>
-          <a:p>
-            <a:r>
-              <a:rPr lang="en-US" sz="2400" dirty="0" err="1" smtClean="0">
+              <a:t> '{print $1}’ hg19.gtf</a:t>
+            </a:r>
+          </a:p>
+          <a:p>
+            <a:r>
+              <a:rPr lang="en-US" sz="2400" dirty="0" err="1">
                 <a:latin typeface="Courier New"/>
                 <a:cs typeface="Courier New"/>
               </a:rPr>
               <a:t>awk</a:t>
             </a:r>
             <a:r>
-              <a:rPr lang="en-US" sz="2400" dirty="0" smtClean="0">
-                <a:latin typeface="Courier New"/>
-                <a:cs typeface="Courier New"/>
-              </a:rPr>
-              <a:t> '{print $4}</a:t>
-            </a:r>
-            <a:r>
               <a:rPr lang="en-US" sz="2400" dirty="0">
                 <a:latin typeface="Courier New"/>
                 <a:cs typeface="Courier New"/>
               </a:rPr>
-              <a:t>' hg19.</a:t>
-            </a:r>
-            <a:r>
-              <a:rPr lang="en-US" sz="2400" dirty="0" smtClean="0">
-                <a:latin typeface="Courier New"/>
-                <a:cs typeface="Courier New"/>
-              </a:rPr>
-              <a:t>gtf</a:t>
-            </a:r>
-          </a:p>
-          <a:p>
-            <a:r>
-              <a:rPr lang="en-US" sz="2400" dirty="0" err="1" smtClean="0">
+              <a:t> '{print $4}' hg19.gtf</a:t>
+            </a:r>
+          </a:p>
+          <a:p>
+            <a:r>
+              <a:rPr lang="en-US" sz="2400" dirty="0" err="1">
                 <a:latin typeface="Courier New"/>
                 <a:cs typeface="Courier New"/>
               </a:rPr>
               <a:t>awk</a:t>
             </a:r>
             <a:r>
-              <a:rPr lang="en-US" sz="2400" dirty="0" smtClean="0">
-                <a:latin typeface="Courier New"/>
-                <a:cs typeface="Courier New"/>
-              </a:rPr>
-              <a:t> </a:t>
-            </a:r>
-            <a:r>
               <a:rPr lang="en-US" sz="2400" dirty="0">
                 <a:latin typeface="Courier New"/>
                 <a:cs typeface="Courier New"/>
               </a:rPr>
-              <a:t>'{print $1"\t"$</a:t>
-            </a:r>
-            <a:r>
-              <a:rPr lang="en-US" sz="2400" dirty="0" smtClean="0">
-                <a:latin typeface="Courier New"/>
-                <a:cs typeface="Courier New"/>
-              </a:rPr>
-              <a:t>4</a:t>
-            </a:r>
-            <a:r>
-              <a:rPr lang="en-US" sz="2400" dirty="0">
-                <a:latin typeface="Courier New"/>
-                <a:cs typeface="Courier New"/>
-              </a:rPr>
-              <a:t>} hg19.gtf</a:t>
-            </a:r>
-            <a:endParaRPr lang="en-US" sz="2400" dirty="0" smtClean="0">
-              <a:latin typeface="Courier New"/>
-              <a:cs typeface="Courier New"/>
-            </a:endParaRPr>
+              <a:t> '{print $1"\t"$4} hg19.gtf</a:t>
+            </a:r>
           </a:p>
           <a:p>
             <a:r>
@@ -19883,13 +17630,6 @@
   <p:clrMapOvr>
     <a:masterClrMapping/>
   </p:clrMapOvr>
-  <p:timing>
-    <p:tnLst>
-      <p:par>
-        <p:cTn id="1" dur="indefinite" restart="never" nodeType="tmRoot"/>
-      </p:par>
-    </p:tnLst>
-  </p:timing>
 </p:sld>
 </file>
 
@@ -19932,17 +17672,12 @@
           <a:p>
             <a:r>
               <a:rPr lang="en-US" dirty="0" err="1"/>
-              <a:t>a</a:t>
-            </a:r>
-            <a:r>
-              <a:rPr lang="en-US" dirty="0" err="1" smtClean="0"/>
-              <a:t>wk</a:t>
-            </a:r>
-            <a:r>
-              <a:rPr lang="en-US" dirty="0" smtClean="0"/>
+              <a:t>awk</a:t>
+            </a:r>
+            <a:r>
+              <a:rPr lang="en-US" dirty="0"/>
               <a:t> : If statement</a:t>
             </a:r>
-            <a:endParaRPr lang="en-US" dirty="0"/>
           </a:p>
         </p:txBody>
       </p:sp>
@@ -19972,18 +17707,11 @@
               <a:buNone/>
             </a:pPr>
             <a:r>
-              <a:rPr lang="en-US" sz="2800" dirty="0" smtClean="0">
-                <a:latin typeface="Courier New"/>
-                <a:cs typeface="Courier New"/>
-              </a:rPr>
-              <a:t>if(age&gt;21) </a:t>
-            </a:r>
-            <a:r>
               <a:rPr lang="en-US" sz="2800" dirty="0">
                 <a:latin typeface="Courier New"/>
                 <a:cs typeface="Courier New"/>
               </a:rPr>
-              <a:t>then</a:t>
+              <a:t>if(age&gt;21) then</a:t>
             </a:r>
           </a:p>
           <a:p>
@@ -20029,16 +17757,12 @@
           <a:lstStyle/>
           <a:p>
             <a:r>
-              <a:rPr lang="en-US" sz="1600" b="1" dirty="0" smtClean="0">
+              <a:rPr lang="en-US" sz="1600" b="1" dirty="0">
                 <a:latin typeface="Courier New"/>
                 <a:cs typeface="Courier New"/>
               </a:rPr>
               <a:t>condition</a:t>
             </a:r>
-            <a:endParaRPr lang="en-US" sz="1600" b="1" dirty="0">
-              <a:latin typeface="Courier New"/>
-              <a:cs typeface="Courier New"/>
-            </a:endParaRPr>
           </a:p>
         </p:txBody>
       </p:sp>
@@ -20138,7 +17862,7 @@
               <a:p>
                 <a:pPr algn="ctr"/>
                 <a:r>
-                  <a:rPr lang="en-US" sz="1600" dirty="0" smtClean="0">
+                  <a:rPr lang="en-US" sz="1600" dirty="0">
                     <a:solidFill>
                       <a:srgbClr val="000000"/>
                     </a:solidFill>
@@ -20146,12 +17870,6 @@
                   </a:rPr>
                   <a:t>age&gt;21</a:t>
                 </a:r>
-                <a:endParaRPr lang="en-US" sz="1600" dirty="0">
-                  <a:solidFill>
-                    <a:srgbClr val="000000"/>
-                  </a:solidFill>
-                  <a:latin typeface="+mj-lt"/>
-                </a:endParaRPr>
               </a:p>
             </p:txBody>
           </p:sp>
@@ -20190,7 +17908,7 @@
               <a:p>
                 <a:pPr algn="ctr"/>
                 <a:r>
-                  <a:rPr lang="en-US" sz="1600" dirty="0" smtClean="0">
+                  <a:rPr lang="en-US" sz="1600" dirty="0">
                     <a:solidFill>
                       <a:srgbClr val="000000"/>
                     </a:solidFill>
@@ -20243,7 +17961,7 @@
               <a:p>
                 <a:pPr algn="ctr"/>
                 <a:r>
-                  <a:rPr lang="en-US" sz="1600" dirty="0" smtClean="0">
+                  <a:rPr lang="en-US" sz="1600" dirty="0">
                     <a:solidFill>
                       <a:srgbClr val="000000"/>
                     </a:solidFill>
@@ -20492,10 +18210,9 @@
             <a:lstStyle/>
             <a:p>
               <a:r>
-                <a:rPr lang="en-US" dirty="0" smtClean="0"/>
+                <a:rPr lang="en-US" dirty="0"/>
                 <a:t>FALSE</a:t>
               </a:r>
-              <a:endParaRPr lang="en-US" dirty="0"/>
             </a:p>
           </p:txBody>
         </p:sp>
@@ -20522,10 +18239,9 @@
             <a:lstStyle/>
             <a:p>
               <a:r>
-                <a:rPr lang="en-US" dirty="0" smtClean="0"/>
+                <a:rPr lang="en-US" dirty="0"/>
                 <a:t>TRUE</a:t>
               </a:r>
-              <a:endParaRPr lang="en-US" dirty="0"/>
             </a:p>
           </p:txBody>
         </p:sp>
@@ -20540,13 +18256,6 @@
   <p:clrMapOvr>
     <a:masterClrMapping/>
   </p:clrMapOvr>
-  <p:timing>
-    <p:tnLst>
-      <p:par>
-        <p:cTn id="1" dur="indefinite" restart="never" nodeType="tmRoot"/>
-      </p:par>
-    </p:tnLst>
-  </p:timing>
 </p:sld>
 </file>
 
@@ -20584,19 +18293,11 @@
           <a:p>
             <a:r>
               <a:rPr lang="en-US" dirty="0" err="1"/>
-              <a:t>a</a:t>
-            </a:r>
-            <a:r>
-              <a:rPr lang="en-US" dirty="0" err="1" smtClean="0"/>
-              <a:t>wk</a:t>
-            </a:r>
-            <a:r>
-              <a:rPr lang="en-US" dirty="0" smtClean="0"/>
-              <a:t> : If </a:t>
+              <a:t>awk</a:t>
             </a:r>
             <a:r>
               <a:rPr lang="en-US" dirty="0"/>
-              <a:t>statement</a:t>
+              <a:t> : If statement</a:t>
             </a:r>
           </a:p>
         </p:txBody>
@@ -20917,35 +18618,14 @@
                 <a:latin typeface="Courier New"/>
                 <a:cs typeface="Courier New"/>
               </a:rPr>
-              <a:t>a</a:t>
-            </a:r>
-            <a:r>
-              <a:rPr lang="en-US" sz="2800" dirty="0" err="1" smtClean="0">
-                <a:latin typeface="Courier New"/>
-                <a:cs typeface="Courier New"/>
-              </a:rPr>
-              <a:t>wk</a:t>
-            </a:r>
-            <a:r>
-              <a:rPr lang="en-US" sz="2800" dirty="0" smtClean="0">
-                <a:latin typeface="Courier New"/>
-                <a:cs typeface="Courier New"/>
-              </a:rPr>
-              <a:t> ‘{</a:t>
+              <a:t>awk</a:t>
             </a:r>
             <a:r>
               <a:rPr lang="en-US" sz="2800" dirty="0">
                 <a:latin typeface="Courier New"/>
                 <a:cs typeface="Courier New"/>
               </a:rPr>
-              <a:t>if($3&gt;0) </a:t>
-            </a:r>
-            <a:r>
-              <a:rPr lang="en-US" sz="2800" dirty="0" smtClean="0">
-                <a:latin typeface="Courier New"/>
-                <a:cs typeface="Courier New"/>
-              </a:rPr>
-              <a:t>print}’ </a:t>
+              <a:t> ‘{if($3&gt;0) print}’ </a:t>
             </a:r>
             <a:r>
               <a:rPr lang="en-US" sz="2800" dirty="0" err="1">
@@ -21356,10 +19036,9 @@
           <a:lstStyle/>
           <a:p>
             <a:r>
-              <a:rPr lang="en-US" dirty="0" smtClean="0"/>
+              <a:rPr lang="en-US" dirty="0"/>
               <a:t>Data type</a:t>
             </a:r>
-            <a:endParaRPr lang="en-US" dirty="0"/>
           </a:p>
         </p:txBody>
       </p:sp>
@@ -21384,16 +19063,15 @@
           <a:lstStyle/>
           <a:p>
             <a:r>
-              <a:rPr lang="en-US" dirty="0" smtClean="0"/>
+              <a:rPr lang="en-US" dirty="0"/>
               <a:t>Numbers </a:t>
             </a:r>
           </a:p>
           <a:p>
             <a:r>
-              <a:rPr lang="en-US" b="1" dirty="0" smtClean="0"/>
+              <a:rPr lang="en-US" b="1" dirty="0"/>
               <a:t>Text</a:t>
             </a:r>
-            <a:endParaRPr lang="en-US" b="1" dirty="0"/>
           </a:p>
         </p:txBody>
       </p:sp>
@@ -21535,13 +19213,8 @@
             </a:pPr>
             <a:r>
               <a:rPr lang="en-US" sz="2400" dirty="0"/>
-              <a:t>Print </a:t>
-            </a:r>
-            <a:r>
-              <a:rPr lang="en-US" sz="2400" dirty="0" smtClean="0"/>
-              <a:t>information about computers only</a:t>
-            </a:r>
-            <a:endParaRPr lang="en-US" sz="2400" dirty="0"/>
+              <a:t>Print information about computers only</a:t>
+            </a:r>
           </a:p>
         </p:txBody>
       </p:sp>
@@ -21706,10 +19379,9 @@
           <a:lstStyle/>
           <a:p>
             <a:r>
-              <a:rPr lang="en-US" dirty="0" smtClean="0"/>
+              <a:rPr lang="en-US" dirty="0"/>
               <a:t>Text</a:t>
             </a:r>
-            <a:endParaRPr lang="en-US" dirty="0"/>
           </a:p>
         </p:txBody>
       </p:sp>
@@ -21735,12 +19407,8 @@
           <a:lstStyle/>
           <a:p>
             <a:r>
-              <a:rPr lang="en-US" dirty="0" smtClean="0"/>
-              <a:t>use </a:t>
-            </a:r>
-            <a:r>
               <a:rPr lang="en-US" dirty="0"/>
-              <a:t>double quote</a:t>
+              <a:t>use double quote</a:t>
             </a:r>
           </a:p>
         </p:txBody>
@@ -22361,10 +20029,9 @@
           <a:lstStyle/>
           <a:p>
             <a:r>
-              <a:rPr lang="en-US" dirty="0" smtClean="0"/>
+              <a:rPr lang="en-US" dirty="0"/>
               <a:t>Let’s practice!</a:t>
             </a:r>
-            <a:endParaRPr lang="en-US" dirty="0"/>
           </a:p>
         </p:txBody>
       </p:sp>
@@ -22428,13 +20095,13 @@
               <a:t> '{if($3&gt;0) print}' </a:t>
             </a:r>
             <a:r>
-              <a:rPr lang="en-US" sz="2400" dirty="0" err="1" smtClean="0">
+              <a:rPr lang="en-US" sz="2400" dirty="0" err="1">
                 <a:latin typeface="Courier New"/>
                 <a:cs typeface="Courier New"/>
               </a:rPr>
               <a:t>emp.data</a:t>
             </a:r>
-            <a:endParaRPr lang="en-US" sz="2400" dirty="0" smtClean="0">
+            <a:endParaRPr lang="en-US" sz="2400" dirty="0">
               <a:latin typeface="Courier New"/>
               <a:cs typeface="Courier New"/>
             </a:endParaRPr>
@@ -22455,13 +20122,13 @@
               <a:t> '{if($3&gt;0) print $1"\t"$2*$3}' </a:t>
             </a:r>
             <a:r>
-              <a:rPr lang="en-US" sz="2400" dirty="0" err="1" smtClean="0">
+              <a:rPr lang="en-US" sz="2400" dirty="0" err="1">
                 <a:latin typeface="Courier New"/>
                 <a:cs typeface="Courier New"/>
               </a:rPr>
               <a:t>emp.data</a:t>
             </a:r>
-            <a:endParaRPr lang="en-US" sz="2400" dirty="0" smtClean="0">
+            <a:endParaRPr lang="en-US" sz="2400" dirty="0">
               <a:latin typeface="Courier New"/>
               <a:cs typeface="Courier New"/>
             </a:endParaRPr>
